--- a/spring15/slidesS15/needs-video/gcd-euclid.pptx
+++ b/spring15/slidesS15/needs-video/gcd-euclid.pptx
@@ -2107,7 +2107,22 @@
                 <a:uFillTx/>
                 <a:latin typeface="Comic Sans MS" pitchFamily="66" charset="0"/>
               </a:rPr>
-              <a:t>Albert R Meyer            March 5, 2014</a:t>
+              <a:t>Albert R Meyer            March </a:t>
+            </a:r>
+            <a:r>
+              <a:rPr kumimoji="0" lang="en-US" sz="1200" b="0" i="0" u="none" strike="noStrike" kern="1200" cap="none" spc="0" normalizeH="0" baseline="0" noProof="0" dirty="0" smtClean="0">
+                <a:ln>
+                  <a:noFill/>
+                </a:ln>
+                <a:solidFill>
+                  <a:schemeClr val="tx1"/>
+                </a:solidFill>
+                <a:effectLst/>
+                <a:uLnTx/>
+                <a:uFillTx/>
+                <a:latin typeface="Comic Sans MS" pitchFamily="66" charset="0"/>
+              </a:rPr>
+              <a:t>6, 2015</a:t>
             </a:r>
             <a:endParaRPr kumimoji="0" lang="en-US" sz="1200" b="0" i="0" u="none" strike="noStrike" kern="1200" cap="none" spc="0" normalizeH="0" baseline="0" noProof="0" dirty="0">
               <a:ln>
@@ -2126,7 +2141,7 @@
       </p:sp>
       <p:pic>
         <p:nvPicPr>
-          <p:cNvPr id="10" name="Picture 9"/>
+          <p:cNvPr id="11" name="Picture 10"/>
           <p:cNvPicPr>
             <a:picLocks noChangeAspect="1"/>
           </p:cNvPicPr>
@@ -2624,8 +2639,13 @@
             <a:pPr eaLnBrk="1" hangingPunct="1"/>
             <a:r>
               <a:rPr lang="en-US" sz="6600" b="1" dirty="0" smtClean="0"/>
-              <a:t>Computing GCD’s:</a:t>
-            </a:r>
+              <a:t>Computing </a:t>
+            </a:r>
+            <a:r>
+              <a:rPr lang="en-US" sz="6600" b="1" dirty="0" smtClean="0"/>
+              <a:t>GCD’s</a:t>
+            </a:r>
+            <a:endParaRPr lang="en-US" sz="6600" b="1" dirty="0" smtClean="0"/>
           </a:p>
           <a:p>
             <a:pPr eaLnBrk="1" hangingPunct="1"/>
@@ -2917,6 +2937,10 @@
           </p:nvPr>
         </p:nvSpPr>
         <p:spPr bwMode="auto">
+          <a:xfrm>
+            <a:off x="2133600" y="152400"/>
+            <a:ext cx="5105400" cy="990600"/>
+          </a:xfrm>
           <a:noFill/>
           <a:ln>
             <a:miter lim="800000"/>
@@ -6124,7 +6148,7 @@
           <a:graphicData uri="http://schemas.openxmlformats.org/presentationml/2006/ole">
             <mc:AlternateContent xmlns:mc="http://schemas.openxmlformats.org/markup-compatibility/2006">
               <mc:Choice xmlns:v="urn:schemas-microsoft-com:vml" Requires="v">
-                <p:oleObj spid="_x0000_s34885" name="Equation" r:id="rId4" imgW="431800" imgH="165100" progId="Equation.DSMT4">
+                <p:oleObj spid="_x0000_s34890" name="Equation" r:id="rId4" imgW="431800" imgH="165100" progId="Equation.DSMT4">
                   <p:embed/>
                 </p:oleObj>
               </mc:Choice>
@@ -6512,7 +6536,7 @@
                                     </p:set>
                                     <p:animEffect transition="in" filter="fade">
                                       <p:cBhvr>
-                                        <p:cTn id="29" dur="500"/>
+                                        <p:cTn id="29" dur="1000"/>
                                         <p:tgtEl>
                                           <p:spTgt spid="37893">
                                             <p:txEl>
@@ -7838,54 +7862,6 @@
       </p:pic>
       <p:sp>
         <p:nvSpPr>
-          <p:cNvPr id="47107" name="Rectangle 4"/>
-          <p:cNvSpPr>
-            <a:spLocks/>
-          </p:cNvSpPr>
-          <p:nvPr/>
-        </p:nvSpPr>
-        <p:spPr bwMode="auto">
-          <a:xfrm>
-            <a:off x="1358900" y="190500"/>
-            <a:ext cx="7543800" cy="787400"/>
-          </a:xfrm>
-          <a:prstGeom prst="rect">
-            <a:avLst/>
-          </a:prstGeom>
-          <a:noFill/>
-          <a:ln w="9525">
-            <a:noFill/>
-            <a:miter lim="800000"/>
-            <a:headEnd/>
-            <a:tailEnd/>
-          </a:ln>
-        </p:spPr>
-        <p:txBody>
-          <a:bodyPr lIns="38100" tIns="38100" rIns="38100" bIns="38100" anchor="ctr">
-            <a:prstTxWarp prst="textNoShape">
-              <a:avLst/>
-            </a:prstTxWarp>
-          </a:bodyPr>
-          <a:lstStyle/>
-          <a:p>
-            <a:pPr algn="l"/>
-            <a:r>
-              <a:rPr lang="en-US" sz="4000" b="1">
-                <a:solidFill>
-                  <a:schemeClr val="tx1"/>
-                </a:solidFill>
-                <a:latin typeface="Comic Sans MS" pitchFamily="-107" charset="0"/>
-                <a:ea typeface="Comic Sans MS" pitchFamily="-107" charset="0"/>
-                <a:cs typeface="Comic Sans MS" pitchFamily="-107" charset="0"/>
-                <a:sym typeface="Comic Sans MS" pitchFamily="-107" charset="0"/>
-              </a:rPr>
-              <a:t>GCD correctness</a:t>
-            </a:r>
-          </a:p>
-        </p:txBody>
-      </p:sp>
-      <p:sp>
-        <p:nvSpPr>
           <p:cNvPr id="47108" name="Rectangle 5"/>
           <p:cNvSpPr>
             <a:spLocks/>
@@ -8421,14 +8397,78 @@
           </a:p>
         </p:txBody>
       </p:sp>
+      <p:sp>
+        <p:nvSpPr>
+          <p:cNvPr id="7" name="Rectangle 4"/>
+          <p:cNvSpPr>
+            <a:spLocks noGrp="1" noChangeArrowheads="1"/>
+          </p:cNvSpPr>
+          <p:nvPr>
+            <p:ph type="title"/>
+          </p:nvPr>
+        </p:nvSpPr>
+        <p:spPr bwMode="auto">
+          <a:xfrm>
+            <a:off x="1828800" y="152400"/>
+            <a:ext cx="6629400" cy="838200"/>
+          </a:xfrm>
+          <a:noFill/>
+          <a:ln>
+            <a:miter lim="800000"/>
+            <a:headEnd/>
+            <a:tailEnd/>
+          </a:ln>
+        </p:spPr>
+        <p:txBody>
+          <a:bodyPr wrap="square" lIns="91440" tIns="45720" rIns="91440" bIns="45720" numCol="1" anchor="t" anchorCtr="0" compatLnSpc="1">
+            <a:prstTxWarp prst="textNoShape">
+              <a:avLst/>
+            </a:prstTxWarp>
+          </a:bodyPr>
+          <a:lstStyle/>
+          <a:p>
+            <a:pPr eaLnBrk="1" hangingPunct="1"/>
+            <a:r>
+              <a:rPr lang="en-US" sz="4000" dirty="0"/>
+              <a:t>GCD</a:t>
+            </a:r>
+            <a:r>
+              <a:rPr lang="en-US" sz="4000" dirty="0" smtClean="0"/>
+              <a:t> </a:t>
+            </a:r>
+            <a:r>
+              <a:rPr lang="en-US" sz="4000" dirty="0" smtClean="0">
+                <a:solidFill>
+                  <a:srgbClr val="008000"/>
+                </a:solidFill>
+              </a:rPr>
+              <a:t>partial</a:t>
+            </a:r>
+            <a:r>
+              <a:rPr lang="en-US" sz="4000" dirty="0" smtClean="0"/>
+              <a:t> correctness</a:t>
+            </a:r>
+            <a:endParaRPr lang="en-US" sz="4000" dirty="0"/>
+          </a:p>
+        </p:txBody>
+      </p:sp>
     </p:spTree>
   </p:cSld>
   <p:clrMapOvr>
     <a:masterClrMapping/>
   </p:clrMapOvr>
-  <p:transition xmlns:p14="http://schemas.microsoft.com/office/powerpoint/2010/main" spd="slow" advClick="0">
-    <p:fade/>
-  </p:transition>
+  <mc:AlternateContent xmlns:mc="http://schemas.openxmlformats.org/markup-compatibility/2006">
+    <mc:Choice xmlns:p14="http://schemas.microsoft.com/office/powerpoint/2010/main" Requires="p14">
+      <p:transition spd="med" p14:dur="700" advClick="0">
+        <p:fade/>
+      </p:transition>
+    </mc:Choice>
+    <mc:Fallback>
+      <p:transition xmlns:p14="http://schemas.microsoft.com/office/powerpoint/2010/main" spd="med" advClick="0">
+        <p:fade/>
+      </p:transition>
+    </mc:Fallback>
+  </mc:AlternateContent>
   <p:timing>
     <p:tnLst>
       <p:par>
@@ -8790,6 +8830,10 @@
           </p:nvPr>
         </p:nvSpPr>
         <p:spPr bwMode="auto">
+          <a:xfrm>
+            <a:off x="1828800" y="152400"/>
+            <a:ext cx="6629400" cy="838200"/>
+          </a:xfrm>
           <a:noFill/>
           <a:ln>
             <a:miter lim="800000"/>
@@ -8812,7 +8856,19 @@
             </a:r>
             <a:r>
               <a:rPr lang="en-US" sz="4000" dirty="0" smtClean="0"/>
-              <a:t> partial correctness</a:t>
+              <a:t> </a:t>
+            </a:r>
+            <a:r>
+              <a:rPr lang="en-US" sz="4000" dirty="0" smtClean="0">
+                <a:solidFill>
+                  <a:srgbClr val="008000"/>
+                </a:solidFill>
+              </a:rPr>
+              <a:t>partial</a:t>
+            </a:r>
+            <a:r>
+              <a:rPr lang="en-US" sz="4000" dirty="0" smtClean="0"/>
+              <a:t> correctness</a:t>
             </a:r>
             <a:endParaRPr lang="en-US" sz="4000" dirty="0"/>
           </a:p>
@@ -8861,7 +8917,7 @@
         <p:spPr bwMode="auto">
           <a:xfrm>
             <a:off x="381000" y="803464"/>
-            <a:ext cx="6455418" cy="2015936"/>
+            <a:ext cx="8039611" cy="2015936"/>
           </a:xfrm>
           <a:prstGeom prst="rect">
             <a:avLst/>
@@ -8890,35 +8946,32 @@
                 <a:cs typeface="Comic Sans MS" pitchFamily="-107" charset="0"/>
                 <a:sym typeface="Comic Sans MS" pitchFamily="-107" charset="0"/>
               </a:rPr>
-              <a:t>at</a:t>
+              <a:t>at </a:t>
             </a:r>
             <a:r>
               <a:rPr lang="en-US" sz="6000" dirty="0" smtClean="0">
-                <a:solidFill>
-                  <a:schemeClr val="tx1"/>
-                </a:solidFill>
-                <a:latin typeface="Comic Sans MS" pitchFamily="-107" charset="0"/>
-                <a:ea typeface="Comic Sans MS" pitchFamily="-107" charset="0"/>
-                <a:cs typeface="Comic Sans MS" pitchFamily="-107" charset="0"/>
-                <a:sym typeface="Comic Sans MS" pitchFamily="-107" charset="0"/>
-              </a:rPr>
-              <a:t> </a:t>
-            </a:r>
-            <a:r>
-              <a:rPr lang="en-US" sz="6000" dirty="0">
-                <a:solidFill>
-                  <a:schemeClr val="tx1"/>
-                </a:solidFill>
-                <a:latin typeface="Comic Sans MS" pitchFamily="-107" charset="0"/>
-                <a:ea typeface="Comic Sans MS" pitchFamily="-107" charset="0"/>
-                <a:cs typeface="Comic Sans MS" pitchFamily="-107" charset="0"/>
-                <a:sym typeface="Comic Sans MS" pitchFamily="-107" charset="0"/>
-              </a:rPr>
-              <a:t>termination</a:t>
+                <a:latin typeface="Comic Sans MS" pitchFamily="-107" charset="0"/>
+                <a:ea typeface="Comic Sans MS" pitchFamily="-107" charset="0"/>
+                <a:cs typeface="Comic Sans MS" pitchFamily="-107" charset="0"/>
+                <a:sym typeface="Comic Sans MS" pitchFamily="-107" charset="0"/>
+              </a:rPr>
+              <a:t>termination </a:t>
+            </a:r>
+            <a:r>
+              <a:rPr lang="en-US" sz="6000" dirty="0" smtClean="0">
+                <a:solidFill>
+                  <a:srgbClr val="008000"/>
+                </a:solidFill>
+                <a:latin typeface="Comic Sans MS" pitchFamily="-107" charset="0"/>
+                <a:ea typeface="Comic Sans MS" pitchFamily="-107" charset="0"/>
+                <a:cs typeface="Comic Sans MS" pitchFamily="-107" charset="0"/>
+                <a:sym typeface="Comic Sans MS" pitchFamily="-107" charset="0"/>
+              </a:rPr>
+              <a:t>(if any)</a:t>
             </a:r>
             <a:endParaRPr lang="en-US" sz="6000" dirty="0" smtClean="0">
               <a:solidFill>
-                <a:schemeClr val="tx1"/>
+                <a:srgbClr val="008000"/>
               </a:solidFill>
               <a:latin typeface="Comic Sans MS" pitchFamily="-107" charset="0"/>
               <a:ea typeface="Comic Sans MS" pitchFamily="-107" charset="0"/>

--- a/spring15/slidesS15/needs-video/gcd-euclid.pptx
+++ b/spring15/slidesS15/needs-video/gcd-euclid.pptx
@@ -5,10 +5,10 @@
     <p:sldMasterId id="2147483650" r:id="rId1"/>
   </p:sldMasterIdLst>
   <p:notesMasterIdLst>
-    <p:notesMasterId r:id="rId12"/>
+    <p:notesMasterId r:id="rId15"/>
   </p:notesMasterIdLst>
   <p:handoutMasterIdLst>
-    <p:handoutMasterId r:id="rId13"/>
+    <p:handoutMasterId r:id="rId16"/>
   </p:handoutMasterIdLst>
   <p:sldIdLst>
     <p:sldId id="728" r:id="rId2"/>
@@ -16,16 +16,19 @@
     <p:sldId id="900" r:id="rId4"/>
     <p:sldId id="892" r:id="rId5"/>
     <p:sldId id="885" r:id="rId6"/>
-    <p:sldId id="883" r:id="rId7"/>
-    <p:sldId id="884" r:id="rId8"/>
-    <p:sldId id="886" r:id="rId9"/>
-    <p:sldId id="888" r:id="rId10"/>
-    <p:sldId id="889" r:id="rId11"/>
+    <p:sldId id="886" r:id="rId7"/>
+    <p:sldId id="888" r:id="rId8"/>
+    <p:sldId id="889" r:id="rId9"/>
+    <p:sldId id="906" r:id="rId10"/>
+    <p:sldId id="905" r:id="rId11"/>
+    <p:sldId id="901" r:id="rId12"/>
+    <p:sldId id="883" r:id="rId13"/>
+    <p:sldId id="884" r:id="rId14"/>
   </p:sldIdLst>
   <p:sldSz cx="9144000" cy="6858000" type="screen4x3"/>
   <p:notesSz cx="9601200" cy="7315200"/>
   <p:custDataLst>
-    <p:tags r:id="rId15"/>
+    <p:tags r:id="rId18"/>
   </p:custDataLst>
   <p:defaultTextStyle>
     <a:defPPr>
@@ -941,6 +944,186 @@
 </p:notes>
 </file>
 
+<file path=ppt/notesSlides/notesSlide10.xml><?xml version="1.0" encoding="utf-8"?>
+<p:notes xmlns:a="http://schemas.openxmlformats.org/drawingml/2006/main" xmlns:r="http://schemas.openxmlformats.org/officeDocument/2006/relationships" xmlns:p="http://schemas.openxmlformats.org/presentationml/2006/main">
+  <p:cSld>
+    <p:spTree>
+      <p:nvGrpSpPr>
+        <p:cNvPr id="1" name=""/>
+        <p:cNvGrpSpPr/>
+        <p:nvPr/>
+      </p:nvGrpSpPr>
+      <p:grpSpPr>
+        <a:xfrm>
+          <a:off x="0" y="0"/>
+          <a:ext cx="0" cy="0"/>
+          <a:chOff x="0" y="0"/>
+          <a:chExt cx="0" cy="0"/>
+        </a:xfrm>
+      </p:grpSpPr>
+      <p:sp>
+        <p:nvSpPr>
+          <p:cNvPr id="2" name="Slide Image Placeholder 1"/>
+          <p:cNvSpPr>
+            <a:spLocks noGrp="1" noRot="1" noChangeAspect="1"/>
+          </p:cNvSpPr>
+          <p:nvPr>
+            <p:ph type="sldImg"/>
+          </p:nvPr>
+        </p:nvSpPr>
+        <p:spPr/>
+      </p:sp>
+      <p:sp>
+        <p:nvSpPr>
+          <p:cNvPr id="3" name="Notes Placeholder 2"/>
+          <p:cNvSpPr>
+            <a:spLocks noGrp="1"/>
+          </p:cNvSpPr>
+          <p:nvPr>
+            <p:ph type="body" idx="1"/>
+          </p:nvPr>
+        </p:nvSpPr>
+        <p:spPr/>
+        <p:txBody>
+          <a:bodyPr/>
+          <a:lstStyle/>
+          <a:p>
+            <a:endParaRPr lang="en-US"/>
+          </a:p>
+        </p:txBody>
+      </p:sp>
+      <p:sp>
+        <p:nvSpPr>
+          <p:cNvPr id="4" name="Slide Number Placeholder 3"/>
+          <p:cNvSpPr>
+            <a:spLocks noGrp="1"/>
+          </p:cNvSpPr>
+          <p:nvPr>
+            <p:ph type="sldNum" sz="quarter" idx="10"/>
+          </p:nvPr>
+        </p:nvSpPr>
+        <p:spPr/>
+        <p:txBody>
+          <a:bodyPr/>
+          <a:lstStyle/>
+          <a:p>
+            <a:pPr>
+              <a:defRPr/>
+            </a:pPr>
+            <a:fld id="{1953B675-4226-4AF9-9E43-532C9224C074}" type="slidenum">
+              <a:rPr lang="en-US" smtClean="0"/>
+              <a:pPr>
+                <a:defRPr/>
+              </a:pPr>
+              <a:t>10</a:t>
+            </a:fld>
+            <a:endParaRPr lang="en-US"/>
+          </a:p>
+        </p:txBody>
+      </p:sp>
+    </p:spTree>
+    <p:extLst>
+      <p:ext uri="{BB962C8B-B14F-4D97-AF65-F5344CB8AC3E}">
+        <p14:creationId xmlns:p14="http://schemas.microsoft.com/office/powerpoint/2010/main" val="755428994"/>
+      </p:ext>
+    </p:extLst>
+  </p:cSld>
+  <p:clrMapOvr>
+    <a:masterClrMapping/>
+  </p:clrMapOvr>
+</p:notes>
+</file>
+
+<file path=ppt/notesSlides/notesSlide11.xml><?xml version="1.0" encoding="utf-8"?>
+<p:notes xmlns:a="http://schemas.openxmlformats.org/drawingml/2006/main" xmlns:r="http://schemas.openxmlformats.org/officeDocument/2006/relationships" xmlns:p="http://schemas.openxmlformats.org/presentationml/2006/main">
+  <p:cSld>
+    <p:spTree>
+      <p:nvGrpSpPr>
+        <p:cNvPr id="1" name=""/>
+        <p:cNvGrpSpPr/>
+        <p:nvPr/>
+      </p:nvGrpSpPr>
+      <p:grpSpPr>
+        <a:xfrm>
+          <a:off x="0" y="0"/>
+          <a:ext cx="0" cy="0"/>
+          <a:chOff x="0" y="0"/>
+          <a:chExt cx="0" cy="0"/>
+        </a:xfrm>
+      </p:grpSpPr>
+      <p:sp>
+        <p:nvSpPr>
+          <p:cNvPr id="2" name="Slide Image Placeholder 1"/>
+          <p:cNvSpPr>
+            <a:spLocks noGrp="1" noRot="1" noChangeAspect="1"/>
+          </p:cNvSpPr>
+          <p:nvPr>
+            <p:ph type="sldImg"/>
+          </p:nvPr>
+        </p:nvSpPr>
+        <p:spPr/>
+      </p:sp>
+      <p:sp>
+        <p:nvSpPr>
+          <p:cNvPr id="3" name="Notes Placeholder 2"/>
+          <p:cNvSpPr>
+            <a:spLocks noGrp="1"/>
+          </p:cNvSpPr>
+          <p:nvPr>
+            <p:ph type="body" idx="1"/>
+          </p:nvPr>
+        </p:nvSpPr>
+        <p:spPr/>
+        <p:txBody>
+          <a:bodyPr/>
+          <a:lstStyle/>
+          <a:p>
+            <a:endParaRPr lang="en-US"/>
+          </a:p>
+        </p:txBody>
+      </p:sp>
+      <p:sp>
+        <p:nvSpPr>
+          <p:cNvPr id="4" name="Slide Number Placeholder 3"/>
+          <p:cNvSpPr>
+            <a:spLocks noGrp="1"/>
+          </p:cNvSpPr>
+          <p:nvPr>
+            <p:ph type="sldNum" sz="quarter" idx="10"/>
+          </p:nvPr>
+        </p:nvSpPr>
+        <p:spPr/>
+        <p:txBody>
+          <a:bodyPr/>
+          <a:lstStyle/>
+          <a:p>
+            <a:pPr>
+              <a:defRPr/>
+            </a:pPr>
+            <a:fld id="{1953B675-4226-4AF9-9E43-532C9224C074}" type="slidenum">
+              <a:rPr lang="en-US" smtClean="0"/>
+              <a:pPr>
+                <a:defRPr/>
+              </a:pPr>
+              <a:t>11</a:t>
+            </a:fld>
+            <a:endParaRPr lang="en-US"/>
+          </a:p>
+        </p:txBody>
+      </p:sp>
+    </p:spTree>
+    <p:extLst>
+      <p:ext uri="{BB962C8B-B14F-4D97-AF65-F5344CB8AC3E}">
+        <p14:creationId xmlns:p14="http://schemas.microsoft.com/office/powerpoint/2010/main" val="755428994"/>
+      </p:ext>
+    </p:extLst>
+  </p:cSld>
+  <p:clrMapOvr>
+    <a:masterClrMapping/>
+  </p:clrMapOvr>
+</p:notes>
+</file>
+
 <file path=ppt/notesSlides/notesSlide2.xml><?xml version="1.0" encoding="utf-8"?>
 <p:notes xmlns:a="http://schemas.openxmlformats.org/drawingml/2006/main" xmlns:r="http://schemas.openxmlformats.org/officeDocument/2006/relationships" xmlns:p="http://schemas.openxmlformats.org/presentationml/2006/main">
   <p:cSld>
@@ -1208,6 +1391,456 @@
         </p:txBody>
       </p:sp>
     </p:spTree>
+  </p:cSld>
+  <p:clrMapOvr>
+    <a:masterClrMapping/>
+  </p:clrMapOvr>
+</p:notes>
+</file>
+
+<file path=ppt/notesSlides/notesSlide5.xml><?xml version="1.0" encoding="utf-8"?>
+<p:notes xmlns:a="http://schemas.openxmlformats.org/drawingml/2006/main" xmlns:r="http://schemas.openxmlformats.org/officeDocument/2006/relationships" xmlns:p="http://schemas.openxmlformats.org/presentationml/2006/main">
+  <p:cSld>
+    <p:spTree>
+      <p:nvGrpSpPr>
+        <p:cNvPr id="1" name=""/>
+        <p:cNvGrpSpPr/>
+        <p:nvPr/>
+      </p:nvGrpSpPr>
+      <p:grpSpPr>
+        <a:xfrm>
+          <a:off x="0" y="0"/>
+          <a:ext cx="0" cy="0"/>
+          <a:chOff x="0" y="0"/>
+          <a:chExt cx="0" cy="0"/>
+        </a:xfrm>
+      </p:grpSpPr>
+      <p:sp>
+        <p:nvSpPr>
+          <p:cNvPr id="2" name="Slide Image Placeholder 1"/>
+          <p:cNvSpPr>
+            <a:spLocks noGrp="1" noRot="1" noChangeAspect="1"/>
+          </p:cNvSpPr>
+          <p:nvPr>
+            <p:ph type="sldImg"/>
+          </p:nvPr>
+        </p:nvSpPr>
+        <p:spPr/>
+      </p:sp>
+      <p:sp>
+        <p:nvSpPr>
+          <p:cNvPr id="3" name="Notes Placeholder 2"/>
+          <p:cNvSpPr>
+            <a:spLocks noGrp="1"/>
+          </p:cNvSpPr>
+          <p:nvPr>
+            <p:ph type="body" idx="1"/>
+          </p:nvPr>
+        </p:nvSpPr>
+        <p:spPr/>
+        <p:txBody>
+          <a:bodyPr/>
+          <a:lstStyle/>
+          <a:p>
+            <a:endParaRPr lang="en-US"/>
+          </a:p>
+        </p:txBody>
+      </p:sp>
+      <p:sp>
+        <p:nvSpPr>
+          <p:cNvPr id="4" name="Slide Number Placeholder 3"/>
+          <p:cNvSpPr>
+            <a:spLocks noGrp="1"/>
+          </p:cNvSpPr>
+          <p:nvPr>
+            <p:ph type="sldNum" sz="quarter" idx="10"/>
+          </p:nvPr>
+        </p:nvSpPr>
+        <p:spPr/>
+        <p:txBody>
+          <a:bodyPr/>
+          <a:lstStyle/>
+          <a:p>
+            <a:pPr>
+              <a:defRPr/>
+            </a:pPr>
+            <a:fld id="{1953B675-4226-4AF9-9E43-532C9224C074}" type="slidenum">
+              <a:rPr lang="en-US" smtClean="0"/>
+              <a:pPr>
+                <a:defRPr/>
+              </a:pPr>
+              <a:t>5</a:t>
+            </a:fld>
+            <a:endParaRPr lang="en-US"/>
+          </a:p>
+        </p:txBody>
+      </p:sp>
+    </p:spTree>
+    <p:extLst>
+      <p:ext uri="{BB962C8B-B14F-4D97-AF65-F5344CB8AC3E}">
+        <p14:creationId xmlns:p14="http://schemas.microsoft.com/office/powerpoint/2010/main" val="1676574048"/>
+      </p:ext>
+    </p:extLst>
+  </p:cSld>
+  <p:clrMapOvr>
+    <a:masterClrMapping/>
+  </p:clrMapOvr>
+</p:notes>
+</file>
+
+<file path=ppt/notesSlides/notesSlide6.xml><?xml version="1.0" encoding="utf-8"?>
+<p:notes xmlns:a="http://schemas.openxmlformats.org/drawingml/2006/main" xmlns:r="http://schemas.openxmlformats.org/officeDocument/2006/relationships" xmlns:p="http://schemas.openxmlformats.org/presentationml/2006/main">
+  <p:cSld>
+    <p:spTree>
+      <p:nvGrpSpPr>
+        <p:cNvPr id="1" name=""/>
+        <p:cNvGrpSpPr/>
+        <p:nvPr/>
+      </p:nvGrpSpPr>
+      <p:grpSpPr>
+        <a:xfrm>
+          <a:off x="0" y="0"/>
+          <a:ext cx="0" cy="0"/>
+          <a:chOff x="0" y="0"/>
+          <a:chExt cx="0" cy="0"/>
+        </a:xfrm>
+      </p:grpSpPr>
+      <p:sp>
+        <p:nvSpPr>
+          <p:cNvPr id="2" name="Slide Image Placeholder 1"/>
+          <p:cNvSpPr>
+            <a:spLocks noGrp="1" noRot="1" noChangeAspect="1"/>
+          </p:cNvSpPr>
+          <p:nvPr>
+            <p:ph type="sldImg"/>
+          </p:nvPr>
+        </p:nvSpPr>
+        <p:spPr/>
+      </p:sp>
+      <p:sp>
+        <p:nvSpPr>
+          <p:cNvPr id="3" name="Notes Placeholder 2"/>
+          <p:cNvSpPr>
+            <a:spLocks noGrp="1"/>
+          </p:cNvSpPr>
+          <p:nvPr>
+            <p:ph type="body" idx="1"/>
+          </p:nvPr>
+        </p:nvSpPr>
+        <p:spPr/>
+        <p:txBody>
+          <a:bodyPr/>
+          <a:lstStyle/>
+          <a:p>
+            <a:endParaRPr lang="en-US"/>
+          </a:p>
+        </p:txBody>
+      </p:sp>
+      <p:sp>
+        <p:nvSpPr>
+          <p:cNvPr id="4" name="Slide Number Placeholder 3"/>
+          <p:cNvSpPr>
+            <a:spLocks noGrp="1"/>
+          </p:cNvSpPr>
+          <p:nvPr>
+            <p:ph type="sldNum" sz="quarter" idx="10"/>
+          </p:nvPr>
+        </p:nvSpPr>
+        <p:spPr/>
+        <p:txBody>
+          <a:bodyPr/>
+          <a:lstStyle/>
+          <a:p>
+            <a:pPr>
+              <a:defRPr/>
+            </a:pPr>
+            <a:fld id="{1953B675-4226-4AF9-9E43-532C9224C074}" type="slidenum">
+              <a:rPr lang="en-US" smtClean="0"/>
+              <a:pPr>
+                <a:defRPr/>
+              </a:pPr>
+              <a:t>6</a:t>
+            </a:fld>
+            <a:endParaRPr lang="en-US"/>
+          </a:p>
+        </p:txBody>
+      </p:sp>
+    </p:spTree>
+    <p:extLst>
+      <p:ext uri="{BB962C8B-B14F-4D97-AF65-F5344CB8AC3E}">
+        <p14:creationId xmlns:p14="http://schemas.microsoft.com/office/powerpoint/2010/main" val="580712886"/>
+      </p:ext>
+    </p:extLst>
+  </p:cSld>
+  <p:clrMapOvr>
+    <a:masterClrMapping/>
+  </p:clrMapOvr>
+</p:notes>
+</file>
+
+<file path=ppt/notesSlides/notesSlide7.xml><?xml version="1.0" encoding="utf-8"?>
+<p:notes xmlns:a="http://schemas.openxmlformats.org/drawingml/2006/main" xmlns:r="http://schemas.openxmlformats.org/officeDocument/2006/relationships" xmlns:p="http://schemas.openxmlformats.org/presentationml/2006/main">
+  <p:cSld>
+    <p:spTree>
+      <p:nvGrpSpPr>
+        <p:cNvPr id="1" name=""/>
+        <p:cNvGrpSpPr/>
+        <p:nvPr/>
+      </p:nvGrpSpPr>
+      <p:grpSpPr>
+        <a:xfrm>
+          <a:off x="0" y="0"/>
+          <a:ext cx="0" cy="0"/>
+          <a:chOff x="0" y="0"/>
+          <a:chExt cx="0" cy="0"/>
+        </a:xfrm>
+      </p:grpSpPr>
+      <p:sp>
+        <p:nvSpPr>
+          <p:cNvPr id="2" name="Slide Image Placeholder 1"/>
+          <p:cNvSpPr>
+            <a:spLocks noGrp="1" noRot="1" noChangeAspect="1"/>
+          </p:cNvSpPr>
+          <p:nvPr>
+            <p:ph type="sldImg"/>
+          </p:nvPr>
+        </p:nvSpPr>
+        <p:spPr/>
+      </p:sp>
+      <p:sp>
+        <p:nvSpPr>
+          <p:cNvPr id="3" name="Notes Placeholder 2"/>
+          <p:cNvSpPr>
+            <a:spLocks noGrp="1"/>
+          </p:cNvSpPr>
+          <p:nvPr>
+            <p:ph type="body" idx="1"/>
+          </p:nvPr>
+        </p:nvSpPr>
+        <p:spPr/>
+        <p:txBody>
+          <a:bodyPr/>
+          <a:lstStyle/>
+          <a:p>
+            <a:endParaRPr lang="en-US"/>
+          </a:p>
+        </p:txBody>
+      </p:sp>
+      <p:sp>
+        <p:nvSpPr>
+          <p:cNvPr id="4" name="Slide Number Placeholder 3"/>
+          <p:cNvSpPr>
+            <a:spLocks noGrp="1"/>
+          </p:cNvSpPr>
+          <p:nvPr>
+            <p:ph type="sldNum" sz="quarter" idx="10"/>
+          </p:nvPr>
+        </p:nvSpPr>
+        <p:spPr/>
+        <p:txBody>
+          <a:bodyPr/>
+          <a:lstStyle/>
+          <a:p>
+            <a:pPr>
+              <a:defRPr/>
+            </a:pPr>
+            <a:fld id="{1953B675-4226-4AF9-9E43-532C9224C074}" type="slidenum">
+              <a:rPr lang="en-US" smtClean="0"/>
+              <a:pPr>
+                <a:defRPr/>
+              </a:pPr>
+              <a:t>7</a:t>
+            </a:fld>
+            <a:endParaRPr lang="en-US"/>
+          </a:p>
+        </p:txBody>
+      </p:sp>
+    </p:spTree>
+    <p:extLst>
+      <p:ext uri="{BB962C8B-B14F-4D97-AF65-F5344CB8AC3E}">
+        <p14:creationId xmlns:p14="http://schemas.microsoft.com/office/powerpoint/2010/main" val="1441003302"/>
+      </p:ext>
+    </p:extLst>
+  </p:cSld>
+  <p:clrMapOvr>
+    <a:masterClrMapping/>
+  </p:clrMapOvr>
+</p:notes>
+</file>
+
+<file path=ppt/notesSlides/notesSlide8.xml><?xml version="1.0" encoding="utf-8"?>
+<p:notes xmlns:a="http://schemas.openxmlformats.org/drawingml/2006/main" xmlns:r="http://schemas.openxmlformats.org/officeDocument/2006/relationships" xmlns:p="http://schemas.openxmlformats.org/presentationml/2006/main">
+  <p:cSld>
+    <p:spTree>
+      <p:nvGrpSpPr>
+        <p:cNvPr id="1" name=""/>
+        <p:cNvGrpSpPr/>
+        <p:nvPr/>
+      </p:nvGrpSpPr>
+      <p:grpSpPr>
+        <a:xfrm>
+          <a:off x="0" y="0"/>
+          <a:ext cx="0" cy="0"/>
+          <a:chOff x="0" y="0"/>
+          <a:chExt cx="0" cy="0"/>
+        </a:xfrm>
+      </p:grpSpPr>
+      <p:sp>
+        <p:nvSpPr>
+          <p:cNvPr id="2" name="Slide Image Placeholder 1"/>
+          <p:cNvSpPr>
+            <a:spLocks noGrp="1" noRot="1" noChangeAspect="1"/>
+          </p:cNvSpPr>
+          <p:nvPr>
+            <p:ph type="sldImg"/>
+          </p:nvPr>
+        </p:nvSpPr>
+        <p:spPr/>
+      </p:sp>
+      <p:sp>
+        <p:nvSpPr>
+          <p:cNvPr id="3" name="Notes Placeholder 2"/>
+          <p:cNvSpPr>
+            <a:spLocks noGrp="1"/>
+          </p:cNvSpPr>
+          <p:nvPr>
+            <p:ph type="body" idx="1"/>
+          </p:nvPr>
+        </p:nvSpPr>
+        <p:spPr/>
+        <p:txBody>
+          <a:bodyPr/>
+          <a:lstStyle/>
+          <a:p>
+            <a:endParaRPr lang="en-US"/>
+          </a:p>
+        </p:txBody>
+      </p:sp>
+      <p:sp>
+        <p:nvSpPr>
+          <p:cNvPr id="4" name="Slide Number Placeholder 3"/>
+          <p:cNvSpPr>
+            <a:spLocks noGrp="1"/>
+          </p:cNvSpPr>
+          <p:nvPr>
+            <p:ph type="sldNum" sz="quarter" idx="10"/>
+          </p:nvPr>
+        </p:nvSpPr>
+        <p:spPr/>
+        <p:txBody>
+          <a:bodyPr/>
+          <a:lstStyle/>
+          <a:p>
+            <a:pPr>
+              <a:defRPr/>
+            </a:pPr>
+            <a:fld id="{1953B675-4226-4AF9-9E43-532C9224C074}" type="slidenum">
+              <a:rPr lang="en-US" smtClean="0"/>
+              <a:pPr>
+                <a:defRPr/>
+              </a:pPr>
+              <a:t>8</a:t>
+            </a:fld>
+            <a:endParaRPr lang="en-US"/>
+          </a:p>
+        </p:txBody>
+      </p:sp>
+    </p:spTree>
+    <p:extLst>
+      <p:ext uri="{BB962C8B-B14F-4D97-AF65-F5344CB8AC3E}">
+        <p14:creationId xmlns:p14="http://schemas.microsoft.com/office/powerpoint/2010/main" val="755428994"/>
+      </p:ext>
+    </p:extLst>
+  </p:cSld>
+  <p:clrMapOvr>
+    <a:masterClrMapping/>
+  </p:clrMapOvr>
+</p:notes>
+</file>
+
+<file path=ppt/notesSlides/notesSlide9.xml><?xml version="1.0" encoding="utf-8"?>
+<p:notes xmlns:a="http://schemas.openxmlformats.org/drawingml/2006/main" xmlns:r="http://schemas.openxmlformats.org/officeDocument/2006/relationships" xmlns:p="http://schemas.openxmlformats.org/presentationml/2006/main">
+  <p:cSld>
+    <p:spTree>
+      <p:nvGrpSpPr>
+        <p:cNvPr id="1" name=""/>
+        <p:cNvGrpSpPr/>
+        <p:nvPr/>
+      </p:nvGrpSpPr>
+      <p:grpSpPr>
+        <a:xfrm>
+          <a:off x="0" y="0"/>
+          <a:ext cx="0" cy="0"/>
+          <a:chOff x="0" y="0"/>
+          <a:chExt cx="0" cy="0"/>
+        </a:xfrm>
+      </p:grpSpPr>
+      <p:sp>
+        <p:nvSpPr>
+          <p:cNvPr id="2" name="Slide Image Placeholder 1"/>
+          <p:cNvSpPr>
+            <a:spLocks noGrp="1" noRot="1" noChangeAspect="1"/>
+          </p:cNvSpPr>
+          <p:nvPr>
+            <p:ph type="sldImg"/>
+          </p:nvPr>
+        </p:nvSpPr>
+        <p:spPr/>
+      </p:sp>
+      <p:sp>
+        <p:nvSpPr>
+          <p:cNvPr id="3" name="Notes Placeholder 2"/>
+          <p:cNvSpPr>
+            <a:spLocks noGrp="1"/>
+          </p:cNvSpPr>
+          <p:nvPr>
+            <p:ph type="body" idx="1"/>
+          </p:nvPr>
+        </p:nvSpPr>
+        <p:spPr/>
+        <p:txBody>
+          <a:bodyPr/>
+          <a:lstStyle/>
+          <a:p>
+            <a:endParaRPr lang="en-US"/>
+          </a:p>
+        </p:txBody>
+      </p:sp>
+      <p:sp>
+        <p:nvSpPr>
+          <p:cNvPr id="4" name="Slide Number Placeholder 3"/>
+          <p:cNvSpPr>
+            <a:spLocks noGrp="1"/>
+          </p:cNvSpPr>
+          <p:nvPr>
+            <p:ph type="sldNum" sz="quarter" idx="10"/>
+          </p:nvPr>
+        </p:nvSpPr>
+        <p:spPr/>
+        <p:txBody>
+          <a:bodyPr/>
+          <a:lstStyle/>
+          <a:p>
+            <a:pPr>
+              <a:defRPr/>
+            </a:pPr>
+            <a:fld id="{1953B675-4226-4AF9-9E43-532C9224C074}" type="slidenum">
+              <a:rPr lang="en-US" smtClean="0"/>
+              <a:pPr>
+                <a:defRPr/>
+              </a:pPr>
+              <a:t>9</a:t>
+            </a:fld>
+            <a:endParaRPr lang="en-US"/>
+          </a:p>
+        </p:txBody>
+      </p:sp>
+    </p:spTree>
+    <p:extLst>
+      <p:ext uri="{BB962C8B-B14F-4D97-AF65-F5344CB8AC3E}">
+        <p14:creationId xmlns:p14="http://schemas.microsoft.com/office/powerpoint/2010/main" val="755428994"/>
+      </p:ext>
+    </p:extLst>
   </p:cSld>
   <p:clrMapOvr>
     <a:masterClrMapping/>
@@ -2141,7 +2774,7 @@
       </p:sp>
       <p:pic>
         <p:nvPicPr>
-          <p:cNvPr id="11" name="Picture 10"/>
+          <p:cNvPr id="18" name="Picture 17"/>
           <p:cNvPicPr>
             <a:picLocks noChangeAspect="1"/>
           </p:cNvPicPr>
@@ -2959,7 +3592,15 @@
             <a:pPr eaLnBrk="1" hangingPunct="1"/>
             <a:r>
               <a:rPr lang="en-US" dirty="0"/>
-              <a:t>GCD Termination</a:t>
+              <a:t>GCD </a:t>
+            </a:r>
+            <a:r>
+              <a:rPr lang="en-US" dirty="0">
+                <a:solidFill>
+                  <a:srgbClr val="0000FF"/>
+                </a:solidFill>
+              </a:rPr>
+              <a:t>Termination</a:t>
             </a:r>
           </a:p>
         </p:txBody>
@@ -2976,8 +3617,8 @@
         </p:nvSpPr>
         <p:spPr bwMode="auto">
           <a:xfrm>
-            <a:off x="279400" y="1295400"/>
-            <a:ext cx="8661400" cy="5562600"/>
+            <a:off x="304800" y="1219200"/>
+            <a:ext cx="8839200" cy="5105400"/>
           </a:xfrm>
           <a:noFill/>
           <a:ln>
@@ -3000,52 +3641,28 @@
               </a:spcBef>
             </a:pPr>
             <a:r>
-              <a:rPr lang="en-US" sz="5400" dirty="0"/>
-              <a:t>y</a:t>
-            </a:r>
-            <a:r>
-              <a:rPr lang="en-US" sz="5400" dirty="0" smtClean="0"/>
-              <a:t> </a:t>
-            </a:r>
-            <a:r>
-              <a:rPr lang="en-US" sz="5400" dirty="0" smtClean="0">
-                <a:solidFill>
-                  <a:srgbClr val="008000"/>
-                </a:solidFill>
-              </a:rPr>
-              <a:t>halves</a:t>
-            </a:r>
-            <a:r>
-              <a:rPr lang="en-US" sz="5400" dirty="0" smtClean="0">
-                <a:solidFill>
-                  <a:srgbClr val="0000E5"/>
-                </a:solidFill>
-              </a:rPr>
-              <a:t> </a:t>
-            </a:r>
-            <a:r>
-              <a:rPr lang="en-US" sz="5400" dirty="0" smtClean="0">
+              <a:rPr lang="en-US" sz="4400" dirty="0" smtClean="0">
                 <a:solidFill>
                   <a:srgbClr val="000000"/>
                 </a:solidFill>
               </a:rPr>
-              <a:t>or smaller </a:t>
-            </a:r>
-            <a:r>
-              <a:rPr lang="en-US" sz="5400" dirty="0">
+              <a:t>At each transition,</a:t>
+            </a:r>
+            <a:r>
+              <a:rPr lang="en-US" sz="4400" dirty="0" smtClean="0">
+                <a:solidFill>
+                  <a:srgbClr val="0000FF"/>
+                </a:solidFill>
+              </a:rPr>
+              <a:t> x</a:t>
+            </a:r>
+            <a:r>
+              <a:rPr lang="en-US" sz="4400" dirty="0" smtClean="0">
                 <a:solidFill>
                   <a:srgbClr val="000000"/>
                 </a:solidFill>
               </a:rPr>
-              <a:t>at</a:t>
-            </a:r>
-            <a:r>
-              <a:rPr lang="en-US" sz="5400" dirty="0" smtClean="0">
-                <a:solidFill>
-                  <a:srgbClr val="000000"/>
-                </a:solidFill>
-              </a:rPr>
-              <a:t> </a:t>
+              <a:t> is replaced</a:t>
             </a:r>
           </a:p>
           <a:p>
@@ -3055,12 +3672,86 @@
               </a:spcBef>
             </a:pPr>
             <a:r>
-              <a:rPr lang="en-US" sz="5400" dirty="0" smtClean="0">
+              <a:rPr lang="en-US" sz="4400" dirty="0" smtClean="0">
                 <a:solidFill>
                   <a:srgbClr val="000000"/>
                 </a:solidFill>
               </a:rPr>
-              <a:t>every other step, so</a:t>
+              <a:t>by </a:t>
+            </a:r>
+            <a:r>
+              <a:rPr lang="en-US" sz="4400" dirty="0" smtClean="0">
+                <a:solidFill>
+                  <a:srgbClr val="0000FF"/>
+                </a:solidFill>
+              </a:rPr>
+              <a:t>y</a:t>
+            </a:r>
+            <a:r>
+              <a:rPr lang="en-US" sz="4400" dirty="0" smtClean="0">
+                <a:solidFill>
+                  <a:srgbClr val="000000"/>
+                </a:solidFill>
+              </a:rPr>
+              <a:t>.  </a:t>
+            </a:r>
+            <a:r>
+              <a:rPr lang="en-US" sz="4400" dirty="0" smtClean="0">
+                <a:solidFill>
+                  <a:srgbClr val="000000"/>
+                </a:solidFill>
+              </a:rPr>
+              <a:t>If </a:t>
+            </a:r>
+            <a:r>
+              <a:rPr lang="en-US" sz="4400" dirty="0" smtClean="0">
+                <a:solidFill>
+                  <a:srgbClr val="0000FF"/>
+                </a:solidFill>
+              </a:rPr>
+              <a:t>y </a:t>
+            </a:r>
+            <a:r>
+              <a:rPr lang="en-US" sz="4400" dirty="0">
+                <a:solidFill>
+                  <a:srgbClr val="0000FF"/>
+                </a:solidFill>
+                <a:latin typeface="Euclid Symbol" charset="2"/>
+                <a:cs typeface="Euclid Symbol" charset="2"/>
+              </a:rPr>
+              <a:t>≦</a:t>
+            </a:r>
+            <a:r>
+              <a:rPr lang="en-US" sz="4400" dirty="0" smtClean="0">
+                <a:solidFill>
+                  <a:srgbClr val="0000FF"/>
+                </a:solidFill>
+              </a:rPr>
+              <a:t> x/2</a:t>
+            </a:r>
+            <a:r>
+              <a:rPr lang="en-US" sz="4400" dirty="0" smtClean="0">
+                <a:solidFill>
+                  <a:srgbClr val="000000"/>
+                </a:solidFill>
+              </a:rPr>
+              <a:t>, then </a:t>
+            </a:r>
+            <a:r>
+              <a:rPr lang="en-US" sz="4400" dirty="0" smtClean="0">
+                <a:solidFill>
+                  <a:srgbClr val="0000FF"/>
+                </a:solidFill>
+              </a:rPr>
+              <a:t>x</a:t>
+            </a:r>
+            <a:r>
+              <a:rPr lang="en-US" sz="4400" dirty="0" smtClean="0">
+                <a:solidFill>
+                  <a:srgbClr val="000000"/>
+                </a:solidFill>
+              </a:rPr>
+              <a:t> gets </a:t>
             </a:r>
           </a:p>
           <a:p>
@@ -3070,24 +3761,79 @@
               </a:spcBef>
             </a:pPr>
             <a:r>
-              <a:rPr lang="en-US" sz="5400" dirty="0" smtClean="0"/>
-              <a:t>reaches minimum in </a:t>
-            </a:r>
-            <a:r>
-              <a:rPr lang="en-US" sz="5400" b="1" dirty="0" smtClean="0">
-                <a:solidFill>
-                  <a:srgbClr val="008000"/>
+              <a:rPr lang="en-US" sz="4400" dirty="0" smtClean="0">
+                <a:solidFill>
+                  <a:srgbClr val="000000"/>
+                </a:solidFill>
+              </a:rPr>
+              <a:t>halved at this step. </a:t>
+            </a:r>
+            <a:r>
+              <a:rPr lang="en-US" sz="4400" dirty="0" smtClean="0">
+                <a:solidFill>
+                  <a:srgbClr val="000000"/>
+                </a:solidFill>
+              </a:rPr>
+              <a:t>I</a:t>
+            </a:r>
+            <a:r>
+              <a:rPr lang="en-US" sz="4400" dirty="0" smtClean="0">
+                <a:solidFill>
+                  <a:srgbClr val="000000"/>
+                </a:solidFill>
+              </a:rPr>
+              <a:t>f </a:t>
+            </a:r>
+            <a:r>
+              <a:rPr lang="en-US" sz="4400" dirty="0">
+                <a:solidFill>
+                  <a:srgbClr val="0000FF"/>
+                </a:solidFill>
+              </a:rPr>
+              <a:t>y </a:t>
+            </a:r>
+            <a:r>
+              <a:rPr lang="en-US" sz="4400" b="1" dirty="0" smtClean="0">
+                <a:solidFill>
+                  <a:srgbClr val="0000FF"/>
                 </a:solidFill>
                 <a:latin typeface="Euclid Symbol" charset="2"/>
                 <a:cs typeface="Euclid Symbol" charset="2"/>
               </a:rPr>
-              <a:t>≤</a:t>
-            </a:r>
-            <a:endParaRPr lang="en-US" sz="5400" b="1" dirty="0" smtClean="0">
-              <a:solidFill>
-                <a:srgbClr val="008000"/>
-              </a:solidFill>
-            </a:endParaRPr>
+              <a:t>&gt;</a:t>
+            </a:r>
+            <a:r>
+              <a:rPr lang="en-US" sz="4400" dirty="0" smtClean="0">
+                <a:solidFill>
+                  <a:srgbClr val="0000FF"/>
+                </a:solidFill>
+              </a:rPr>
+              <a:t> </a:t>
+            </a:r>
+            <a:r>
+              <a:rPr lang="en-US" sz="4400" dirty="0">
+                <a:solidFill>
+                  <a:srgbClr val="0000FF"/>
+                </a:solidFill>
+              </a:rPr>
+              <a:t>x/</a:t>
+            </a:r>
+            <a:r>
+              <a:rPr lang="en-US" sz="4400" dirty="0" smtClean="0">
+                <a:solidFill>
+                  <a:srgbClr val="0000FF"/>
+                </a:solidFill>
+              </a:rPr>
+              <a:t>2</a:t>
+            </a:r>
+            <a:r>
+              <a:rPr lang="en-US" sz="4400" dirty="0" smtClean="0">
+                <a:solidFill>
+                  <a:srgbClr val="000000"/>
+                </a:solidFill>
+              </a:rPr>
+              <a:t>,</a:t>
+            </a:r>
           </a:p>
           <a:p>
             <a:pPr marL="304800" indent="-304800" eaLnBrk="1" hangingPunct="1">
@@ -3096,72 +3842,77 @@
               </a:spcBef>
             </a:pPr>
             <a:r>
-              <a:rPr lang="en-US" sz="5400" dirty="0" smtClean="0">
-                <a:solidFill>
-                  <a:srgbClr val="0000E5"/>
+              <a:rPr lang="en-US" sz="4400" dirty="0" smtClean="0">
+                <a:solidFill>
+                  <a:srgbClr val="000000"/>
+                </a:solidFill>
+              </a:rPr>
+              <a:t>then   </a:t>
+            </a:r>
+            <a:r>
+              <a:rPr lang="en-US" sz="4400" dirty="0" smtClean="0">
+                <a:solidFill>
+                  <a:srgbClr val="0000FF"/>
+                </a:solidFill>
+              </a:rPr>
+              <a:t>rem(</a:t>
+            </a:r>
+            <a:r>
+              <a:rPr lang="en-US" sz="4400" dirty="0" err="1" smtClean="0">
+                <a:solidFill>
+                  <a:srgbClr val="0000FF"/>
+                </a:solidFill>
+              </a:rPr>
+              <a:t>x,y</a:t>
+            </a:r>
+            <a:r>
+              <a:rPr lang="en-US" sz="4400" dirty="0" smtClean="0">
+                <a:solidFill>
+                  <a:srgbClr val="0000FF"/>
+                </a:solidFill>
+              </a:rPr>
+              <a:t>)</a:t>
+            </a:r>
+            <a:r>
+              <a:rPr lang="en-US" sz="4400" b="1" dirty="0" smtClean="0">
+                <a:solidFill>
+                  <a:srgbClr val="0000FF"/>
                 </a:solidFill>
                 <a:latin typeface="Euclid Symbol" charset="2"/>
                 <a:cs typeface="Euclid Symbol" charset="2"/>
               </a:rPr>
-              <a:t>               </a:t>
-            </a:r>
-            <a:r>
-              <a:rPr lang="en-US" sz="5400" dirty="0" smtClean="0">
-                <a:solidFill>
-                  <a:srgbClr val="0000E5"/>
-                </a:solidFill>
-                <a:latin typeface="Comic Sans MS"/>
-                <a:cs typeface="Comic Sans MS"/>
-              </a:rPr>
-              <a:t> 2</a:t>
-            </a:r>
-            <a:r>
-              <a:rPr lang="en-US" sz="5400" dirty="0" smtClean="0">
-                <a:solidFill>
-                  <a:srgbClr val="0000E5"/>
+              <a:t> =</a:t>
+            </a:r>
+            <a:r>
+              <a:rPr lang="en-US" sz="4400" dirty="0" smtClean="0">
+                <a:solidFill>
+                  <a:srgbClr val="0000FF"/>
+                </a:solidFill>
+              </a:rPr>
+              <a:t> x – y </a:t>
+            </a:r>
+            <a:r>
+              <a:rPr lang="en-US" sz="4400" b="1" dirty="0" smtClean="0">
+                <a:solidFill>
+                  <a:srgbClr val="0000FF"/>
                 </a:solidFill>
                 <a:latin typeface="Euclid Symbol" charset="2"/>
                 <a:cs typeface="Euclid Symbol" charset="2"/>
               </a:rPr>
-              <a:t> </a:t>
-            </a:r>
-            <a:r>
-              <a:rPr lang="en-US" sz="5400" dirty="0" smtClean="0">
-                <a:solidFill>
-                  <a:srgbClr val="0000E5"/>
-                </a:solidFill>
-              </a:rPr>
-              <a:t>log</a:t>
-            </a:r>
-            <a:r>
-              <a:rPr lang="en-US" sz="5400" baseline="-25000" dirty="0" smtClean="0">
-                <a:solidFill>
-                  <a:srgbClr val="0000E5"/>
-                </a:solidFill>
-              </a:rPr>
-              <a:t>2</a:t>
-            </a:r>
-            <a:r>
-              <a:rPr lang="en-US" sz="5400" dirty="0" smtClean="0">
-                <a:solidFill>
-                  <a:srgbClr val="0000E5"/>
-                </a:solidFill>
-              </a:rPr>
-              <a:t> </a:t>
-            </a:r>
-            <a:r>
-              <a:rPr lang="en-US" sz="5400" dirty="0" err="1" smtClean="0">
-                <a:solidFill>
-                  <a:srgbClr val="0000E5"/>
-                </a:solidFill>
-              </a:rPr>
-              <a:t>b</a:t>
-            </a:r>
-            <a:endParaRPr lang="en-US" sz="5400" dirty="0" smtClean="0">
-              <a:solidFill>
-                <a:srgbClr val="0000E5"/>
-              </a:solidFill>
-            </a:endParaRPr>
+              <a:t>&lt;</a:t>
+            </a:r>
+            <a:r>
+              <a:rPr lang="en-US" sz="4400" dirty="0" smtClean="0">
+                <a:solidFill>
+                  <a:srgbClr val="0000FF"/>
+                </a:solidFill>
+              </a:rPr>
+              <a:t> x/2</a:t>
+            </a:r>
+            <a:r>
+              <a:rPr lang="en-US" sz="4400" dirty="0" smtClean="0"/>
+              <a:t>,</a:t>
+            </a:r>
           </a:p>
           <a:p>
             <a:pPr marL="304800" indent="-304800" eaLnBrk="1" hangingPunct="1">
@@ -3170,16 +3921,133 @@
               </a:spcBef>
             </a:pPr>
             <a:r>
-              <a:rPr lang="en-US" sz="5400" dirty="0" smtClean="0">
+              <a:rPr lang="en-US" sz="4400" dirty="0" smtClean="0"/>
+              <a:t>so </a:t>
+            </a:r>
+            <a:r>
+              <a:rPr lang="en-US" sz="4400" dirty="0" smtClean="0">
+                <a:solidFill>
+                  <a:srgbClr val="0000FF"/>
+                </a:solidFill>
+              </a:rPr>
+              <a:t>y gets </a:t>
+            </a:r>
+            <a:r>
+              <a:rPr lang="en-US" sz="4400" dirty="0" smtClean="0">
                 <a:solidFill>
                   <a:srgbClr val="000000"/>
                 </a:solidFill>
               </a:rPr>
-              <a:t>transitions</a:t>
-            </a:r>
-            <a:endParaRPr lang="en-US" dirty="0">
+              <a:t>halved when it is </a:t>
+            </a:r>
+          </a:p>
+          <a:p>
+            <a:pPr marL="304800" indent="-304800" eaLnBrk="1" hangingPunct="1">
+              <a:spcBef>
+                <a:spcPct val="0"/>
+              </a:spcBef>
+            </a:pPr>
+            <a:r>
+              <a:rPr lang="en-US" sz="4400" dirty="0" smtClean="0">
+                <a:solidFill>
+                  <a:srgbClr val="000000"/>
+                </a:solidFill>
+              </a:rPr>
+              <a:t>replaced by </a:t>
+            </a:r>
+            <a:r>
+              <a:rPr lang="en-US" sz="4400" dirty="0" smtClean="0">
+                <a:solidFill>
+                  <a:srgbClr val="0000FF"/>
+                </a:solidFill>
+              </a:rPr>
+              <a:t>rem</a:t>
+            </a:r>
+            <a:r>
+              <a:rPr lang="en-US" sz="4400" dirty="0">
+                <a:solidFill>
+                  <a:srgbClr val="0000FF"/>
+                </a:solidFill>
+              </a:rPr>
+              <a:t>(</a:t>
+            </a:r>
+            <a:r>
+              <a:rPr lang="en-US" sz="4400" dirty="0" err="1">
+                <a:solidFill>
+                  <a:srgbClr val="0000FF"/>
+                </a:solidFill>
+              </a:rPr>
+              <a:t>x,y</a:t>
+            </a:r>
+            <a:r>
+              <a:rPr lang="en-US" sz="4400" dirty="0">
+                <a:solidFill>
+                  <a:srgbClr val="0000FF"/>
+                </a:solidFill>
+              </a:rPr>
+              <a:t>)</a:t>
+            </a:r>
+            <a:r>
+              <a:rPr lang="en-US" sz="4400" b="1" dirty="0">
+                <a:solidFill>
+                  <a:srgbClr val="0000FF"/>
+                </a:solidFill>
+                <a:latin typeface="Euclid Symbol" charset="2"/>
+                <a:cs typeface="Euclid Symbol" charset="2"/>
+              </a:rPr>
+              <a:t> </a:t>
+            </a:r>
+            <a:r>
+              <a:rPr lang="en-US" sz="4400" b="1" dirty="0" smtClean="0">
+                <a:solidFill>
+                  <a:srgbClr val="0000FF"/>
+                </a:solidFill>
+                <a:latin typeface="Euclid Symbol" charset="2"/>
+                <a:cs typeface="Euclid Symbol" charset="2"/>
+              </a:rPr>
+              <a:t> </a:t>
+            </a:r>
+            <a:r>
+              <a:rPr lang="en-US" sz="4400" dirty="0" smtClean="0">
+                <a:latin typeface="Comic Sans MS"/>
+                <a:cs typeface="Comic Sans MS"/>
+              </a:rPr>
+              <a:t>after the  </a:t>
+            </a:r>
+          </a:p>
+          <a:p>
+            <a:pPr marL="304800" indent="-304800" eaLnBrk="1" hangingPunct="1">
+              <a:spcBef>
+                <a:spcPct val="0"/>
+              </a:spcBef>
+            </a:pPr>
+            <a:r>
+              <a:rPr lang="en-US" sz="4400" dirty="0" smtClean="0">
+                <a:solidFill>
+                  <a:srgbClr val="000000"/>
+                </a:solidFill>
+              </a:rPr>
+              <a:t>next</a:t>
+            </a:r>
+            <a:r>
+              <a:rPr lang="en-US" sz="4400" dirty="0">
+                <a:solidFill>
+                  <a:srgbClr val="000000"/>
+                </a:solidFill>
+              </a:rPr>
+              <a:t> </a:t>
+            </a:r>
+            <a:r>
+              <a:rPr lang="en-US" sz="4400" dirty="0" smtClean="0">
+                <a:solidFill>
+                  <a:srgbClr val="000000"/>
+                </a:solidFill>
+              </a:rPr>
+              <a:t>step.</a:t>
+            </a:r>
+            <a:endParaRPr lang="en-US" sz="4400" dirty="0">
               <a:solidFill>
-                <a:srgbClr val="000000"/>
+                <a:srgbClr val="0000FF"/>
               </a:solidFill>
             </a:endParaRPr>
           </a:p>
@@ -3194,7 +4062,7 @@
           <p:nvPr/>
         </p:nvPicPr>
         <p:blipFill>
-          <a:blip r:embed="rId2"/>
+          <a:blip r:embed="rId3"/>
           <a:srcRect/>
           <a:stretch>
             <a:fillRect/>
@@ -3276,19 +4144,24 @@
         </p:txBody>
       </p:sp>
     </p:spTree>
+    <p:extLst>
+      <p:ext uri="{BB962C8B-B14F-4D97-AF65-F5344CB8AC3E}">
+        <p14:creationId xmlns:p14="http://schemas.microsoft.com/office/powerpoint/2010/main" val="4223293740"/>
+      </p:ext>
+    </p:extLst>
   </p:cSld>
   <p:clrMapOvr>
     <a:masterClrMapping/>
   </p:clrMapOvr>
-  <mc:AlternateContent xmlns:mc="http://schemas.openxmlformats.org/markup-compatibility/2006" xmlns:p14="http://schemas.microsoft.com/office/powerpoint/2010/main">
-    <mc:Choice Requires="p14">
-      <p:transition spd="slow" p14:dur="1100" advClick="0">
-        <p:fade thruBlk="1"/>
+  <mc:AlternateContent xmlns:mc="http://schemas.openxmlformats.org/markup-compatibility/2006">
+    <mc:Choice xmlns:p14="http://schemas.microsoft.com/office/powerpoint/2010/main" Requires="p14">
+      <p:transition spd="slow" p14:dur="800" advClick="0">
+        <p:fade/>
       </p:transition>
     </mc:Choice>
-    <mc:Fallback xmlns="">
+    <mc:Fallback>
       <p:transition xmlns:p14="http://schemas.microsoft.com/office/powerpoint/2010/main" spd="slow" advClick="0">
-        <p:fade thruBlk="1"/>
+        <p:fade/>
       </p:transition>
     </mc:Fallback>
   </mc:AlternateContent>
@@ -3328,7 +4201,7 @@
                                         <p:tgtEl>
                                           <p:spTgt spid="41989">
                                             <p:txEl>
-                                              <p:pRg st="0" end="0"/>
+                                              <p:pRg st="4" end="4"/>
                                             </p:txEl>
                                           </p:spTgt>
                                         </p:tgtEl>
@@ -3346,7 +4219,7 @@
                                         <p:tgtEl>
                                           <p:spTgt spid="41989">
                                             <p:txEl>
-                                              <p:pRg st="0" end="0"/>
+                                              <p:pRg st="4" end="4"/>
                                             </p:txEl>
                                           </p:spTgt>
                                         </p:tgtEl>
@@ -3371,7 +4244,7 @@
                                         <p:tgtEl>
                                           <p:spTgt spid="41989">
                                             <p:txEl>
-                                              <p:pRg st="1" end="1"/>
+                                              <p:pRg st="5" end="5"/>
                                             </p:txEl>
                                           </p:spTgt>
                                         </p:tgtEl>
@@ -3389,7 +4262,50 @@
                                         <p:tgtEl>
                                           <p:spTgt spid="41989">
                                             <p:txEl>
-                                              <p:pRg st="1" end="1"/>
+                                              <p:pRg st="5" end="5"/>
+                                            </p:txEl>
+                                          </p:spTgt>
+                                        </p:tgtEl>
+                                      </p:cBhvr>
+                                    </p:animEffect>
+                                  </p:childTnLst>
+                                </p:cTn>
+                              </p:par>
+                              <p:par>
+                                <p:cTn id="11" presetID="9" presetClass="entr" presetSubtype="0" fill="hold" nodeType="withEffect">
+                                  <p:stCondLst>
+                                    <p:cond delay="0"/>
+                                  </p:stCondLst>
+                                  <p:childTnLst>
+                                    <p:set>
+                                      <p:cBhvr>
+                                        <p:cTn id="12" dur="1" fill="hold">
+                                          <p:stCondLst>
+                                            <p:cond delay="0"/>
+                                          </p:stCondLst>
+                                        </p:cTn>
+                                        <p:tgtEl>
+                                          <p:spTgt spid="41989">
+                                            <p:txEl>
+                                              <p:pRg st="6" end="6"/>
+                                            </p:txEl>
+                                          </p:spTgt>
+                                        </p:tgtEl>
+                                        <p:attrNameLst>
+                                          <p:attrName>style.visibility</p:attrName>
+                                        </p:attrNameLst>
+                                      </p:cBhvr>
+                                      <p:to>
+                                        <p:strVal val="visible"/>
+                                      </p:to>
+                                    </p:set>
+                                    <p:animEffect transition="in" filter="dissolve">
+                                      <p:cBhvr>
+                                        <p:cTn id="13" dur="500"/>
+                                        <p:tgtEl>
+                                          <p:spTgt spid="41989">
+                                            <p:txEl>
+                                              <p:pRg st="6" end="6"/>
                                             </p:txEl>
                                           </p:spTgt>
                                         </p:tgtEl>
@@ -3404,27 +4320,439 @@
                       </p:childTnLst>
                     </p:cTn>
                   </p:par>
+                </p:childTnLst>
+              </p:cTn>
+              <p:prevCondLst>
+                <p:cond evt="onPrev" delay="0">
+                  <p:tgtEl>
+                    <p:sldTgt/>
+                  </p:tgtEl>
+                </p:cond>
+              </p:prevCondLst>
+              <p:nextCondLst>
+                <p:cond evt="onNext" delay="0">
+                  <p:tgtEl>
+                    <p:sldTgt/>
+                  </p:tgtEl>
+                </p:cond>
+              </p:nextCondLst>
+            </p:seq>
+          </p:childTnLst>
+        </p:cTn>
+      </p:par>
+    </p:tnLst>
+  </p:timing>
+</p:sld>
+</file>
+
+<file path=ppt/slides/slide11.xml><?xml version="1.0" encoding="utf-8"?>
+<p:sld xmlns:a="http://schemas.openxmlformats.org/drawingml/2006/main" xmlns:r="http://schemas.openxmlformats.org/officeDocument/2006/relationships" xmlns:p="http://schemas.openxmlformats.org/presentationml/2006/main" showMasterPhAnim="0">
+  <p:cSld>
+    <p:spTree>
+      <p:nvGrpSpPr>
+        <p:cNvPr id="1" name=""/>
+        <p:cNvGrpSpPr/>
+        <p:nvPr/>
+      </p:nvGrpSpPr>
+      <p:grpSpPr>
+        <a:xfrm>
+          <a:off x="0" y="0"/>
+          <a:ext cx="0" cy="0"/>
+          <a:chOff x="0" y="0"/>
+          <a:chExt cx="0" cy="0"/>
+        </a:xfrm>
+      </p:grpSpPr>
+      <p:sp>
+        <p:nvSpPr>
+          <p:cNvPr id="50178" name="Rectangle 4"/>
+          <p:cNvSpPr>
+            <a:spLocks noGrp="1" noChangeArrowheads="1"/>
+          </p:cNvSpPr>
+          <p:nvPr>
+            <p:ph type="title"/>
+          </p:nvPr>
+        </p:nvSpPr>
+        <p:spPr bwMode="auto">
+          <a:xfrm>
+            <a:off x="2133600" y="152400"/>
+            <a:ext cx="5105400" cy="990600"/>
+          </a:xfrm>
+          <a:noFill/>
+          <a:ln>
+            <a:miter lim="800000"/>
+            <a:headEnd/>
+            <a:tailEnd/>
+          </a:ln>
+        </p:spPr>
+        <p:txBody>
+          <a:bodyPr wrap="square" lIns="91440" tIns="45720" rIns="91440" bIns="45720" numCol="1" anchor="t" anchorCtr="0" compatLnSpc="1">
+            <a:prstTxWarp prst="textNoShape">
+              <a:avLst/>
+            </a:prstTxWarp>
+          </a:bodyPr>
+          <a:lstStyle/>
+          <a:p>
+            <a:pPr eaLnBrk="1" hangingPunct="1"/>
+            <a:r>
+              <a:rPr lang="en-US" dirty="0"/>
+              <a:t>GCD Termination</a:t>
+            </a:r>
+          </a:p>
+        </p:txBody>
+      </p:sp>
+      <p:sp>
+        <p:nvSpPr>
+          <p:cNvPr id="41989" name="Rectangle 5"/>
+          <p:cNvSpPr>
+            <a:spLocks noGrp="1" noChangeArrowheads="1"/>
+          </p:cNvSpPr>
+          <p:nvPr>
+            <p:ph idx="1"/>
+          </p:nvPr>
+        </p:nvSpPr>
+        <p:spPr bwMode="auto">
+          <a:xfrm>
+            <a:off x="660400" y="1219200"/>
+            <a:ext cx="7797800" cy="4495800"/>
+          </a:xfrm>
+          <a:noFill/>
+          <a:ln>
+            <a:miter lim="800000"/>
+            <a:headEnd/>
+            <a:tailEnd/>
+          </a:ln>
+        </p:spPr>
+        <p:txBody>
+          <a:bodyPr wrap="square" lIns="91440" tIns="45720" rIns="91440" bIns="45720" numCol="1" anchor="t" anchorCtr="0" compatLnSpc="1">
+            <a:prstTxWarp prst="textNoShape">
+              <a:avLst/>
+            </a:prstTxWarp>
+          </a:bodyPr>
+          <a:lstStyle/>
+          <a:p>
+            <a:pPr marL="304800" indent="-304800" eaLnBrk="1" hangingPunct="1">
+              <a:spcBef>
+                <a:spcPct val="0"/>
+              </a:spcBef>
+            </a:pPr>
+            <a:r>
+              <a:rPr lang="en-US" sz="5400" dirty="0"/>
+              <a:t>y</a:t>
+            </a:r>
+            <a:r>
+              <a:rPr lang="en-US" sz="5400" dirty="0" smtClean="0"/>
+              <a:t> </a:t>
+            </a:r>
+            <a:r>
+              <a:rPr lang="en-US" sz="5400" dirty="0" smtClean="0">
+                <a:solidFill>
+                  <a:srgbClr val="008000"/>
+                </a:solidFill>
+              </a:rPr>
+              <a:t>halves</a:t>
+            </a:r>
+            <a:r>
+              <a:rPr lang="en-US" sz="5400" dirty="0" smtClean="0">
+                <a:solidFill>
+                  <a:srgbClr val="0000E5"/>
+                </a:solidFill>
+              </a:rPr>
+              <a:t> </a:t>
+            </a:r>
+            <a:r>
+              <a:rPr lang="en-US" sz="5400" dirty="0" smtClean="0">
+                <a:solidFill>
+                  <a:srgbClr val="000000"/>
+                </a:solidFill>
+              </a:rPr>
+              <a:t>or smaller </a:t>
+            </a:r>
+            <a:r>
+              <a:rPr lang="en-US" sz="5400" dirty="0">
+                <a:solidFill>
+                  <a:srgbClr val="000000"/>
+                </a:solidFill>
+              </a:rPr>
+              <a:t>at</a:t>
+            </a:r>
+            <a:r>
+              <a:rPr lang="en-US" sz="5400" dirty="0" smtClean="0">
+                <a:solidFill>
+                  <a:srgbClr val="000000"/>
+                </a:solidFill>
+              </a:rPr>
+              <a:t> </a:t>
+            </a:r>
+          </a:p>
+          <a:p>
+            <a:pPr marL="304800" indent="-304800" eaLnBrk="1" hangingPunct="1">
+              <a:spcBef>
+                <a:spcPct val="0"/>
+              </a:spcBef>
+            </a:pPr>
+            <a:r>
+              <a:rPr lang="en-US" sz="5400" dirty="0" smtClean="0">
+                <a:solidFill>
+                  <a:srgbClr val="000000"/>
+                </a:solidFill>
+              </a:rPr>
+              <a:t>every other step, so</a:t>
+            </a:r>
+          </a:p>
+          <a:p>
+            <a:pPr marL="304800" indent="-304800" eaLnBrk="1" hangingPunct="1">
+              <a:spcBef>
+                <a:spcPct val="0"/>
+              </a:spcBef>
+            </a:pPr>
+            <a:r>
+              <a:rPr lang="en-US" sz="5400" dirty="0" smtClean="0"/>
+              <a:t>reaches minimum in </a:t>
+            </a:r>
+            <a:r>
+              <a:rPr lang="en-US" sz="5400" b="1" dirty="0" smtClean="0">
+                <a:solidFill>
+                  <a:srgbClr val="008000"/>
+                </a:solidFill>
+                <a:latin typeface="Euclid Symbol" charset="2"/>
+                <a:cs typeface="Euclid Symbol" charset="2"/>
+              </a:rPr>
+              <a:t>≤</a:t>
+            </a:r>
+            <a:endParaRPr lang="en-US" sz="5400" b="1" dirty="0" smtClean="0">
+              <a:solidFill>
+                <a:srgbClr val="008000"/>
+              </a:solidFill>
+            </a:endParaRPr>
+          </a:p>
+          <a:p>
+            <a:pPr marL="304800" indent="-304800" eaLnBrk="1" hangingPunct="1">
+              <a:spcBef>
+                <a:spcPct val="0"/>
+              </a:spcBef>
+            </a:pPr>
+            <a:r>
+              <a:rPr lang="en-US" sz="5400" dirty="0" smtClean="0">
+                <a:solidFill>
+                  <a:srgbClr val="0000E5"/>
+                </a:solidFill>
+                <a:latin typeface="Euclid Symbol" charset="2"/>
+                <a:cs typeface="Euclid Symbol" charset="2"/>
+              </a:rPr>
+              <a:t>               </a:t>
+            </a:r>
+            <a:r>
+              <a:rPr lang="en-US" sz="5400" dirty="0" smtClean="0">
+                <a:solidFill>
+                  <a:srgbClr val="0000E5"/>
+                </a:solidFill>
+                <a:latin typeface="Comic Sans MS"/>
+                <a:cs typeface="Comic Sans MS"/>
+              </a:rPr>
+              <a:t> 2</a:t>
+            </a:r>
+            <a:r>
+              <a:rPr lang="en-US" sz="5400" dirty="0" smtClean="0">
+                <a:solidFill>
+                  <a:srgbClr val="0000E5"/>
+                </a:solidFill>
+                <a:latin typeface="Euclid Symbol" charset="2"/>
+                <a:cs typeface="Euclid Symbol" charset="2"/>
+              </a:rPr>
+              <a:t> </a:t>
+            </a:r>
+            <a:r>
+              <a:rPr lang="en-US" sz="5400" dirty="0" smtClean="0">
+                <a:solidFill>
+                  <a:srgbClr val="0000E5"/>
+                </a:solidFill>
+              </a:rPr>
+              <a:t>log</a:t>
+            </a:r>
+            <a:r>
+              <a:rPr lang="en-US" sz="5400" baseline="-25000" dirty="0" smtClean="0">
+                <a:solidFill>
+                  <a:srgbClr val="0000E5"/>
+                </a:solidFill>
+              </a:rPr>
+              <a:t>2</a:t>
+            </a:r>
+            <a:r>
+              <a:rPr lang="en-US" sz="5400" dirty="0" smtClean="0">
+                <a:solidFill>
+                  <a:srgbClr val="0000E5"/>
+                </a:solidFill>
+              </a:rPr>
+              <a:t> </a:t>
+            </a:r>
+            <a:r>
+              <a:rPr lang="en-US" sz="5400" dirty="0" err="1" smtClean="0">
+                <a:solidFill>
+                  <a:srgbClr val="0000E5"/>
+                </a:solidFill>
+              </a:rPr>
+              <a:t>b</a:t>
+            </a:r>
+            <a:endParaRPr lang="en-US" sz="5400" dirty="0" smtClean="0">
+              <a:solidFill>
+                <a:srgbClr val="0000E5"/>
+              </a:solidFill>
+            </a:endParaRPr>
+          </a:p>
+          <a:p>
+            <a:pPr marL="304800" indent="-304800" eaLnBrk="1" hangingPunct="1">
+              <a:spcBef>
+                <a:spcPct val="0"/>
+              </a:spcBef>
+            </a:pPr>
+            <a:r>
+              <a:rPr lang="en-US" sz="5400" dirty="0" smtClean="0">
+                <a:solidFill>
+                  <a:srgbClr val="000000"/>
+                </a:solidFill>
+              </a:rPr>
+              <a:t>steps.</a:t>
+            </a:r>
+            <a:endParaRPr lang="en-US" dirty="0">
+              <a:solidFill>
+                <a:srgbClr val="000000"/>
+              </a:solidFill>
+            </a:endParaRPr>
+          </a:p>
+        </p:txBody>
+      </p:sp>
+      <p:pic>
+        <p:nvPicPr>
+          <p:cNvPr id="50180" name="Picture 1"/>
+          <p:cNvPicPr>
+            <a:picLocks noChangeAspect="1" noChangeArrowheads="1"/>
+          </p:cNvPicPr>
+          <p:nvPr/>
+        </p:nvPicPr>
+        <p:blipFill>
+          <a:blip r:embed="rId3"/>
+          <a:srcRect/>
+          <a:stretch>
+            <a:fillRect/>
+          </a:stretch>
+        </p:blipFill>
+        <p:spPr bwMode="auto">
+          <a:xfrm>
+            <a:off x="304800" y="152400"/>
+            <a:ext cx="762000" cy="754063"/>
+          </a:xfrm>
+          <a:prstGeom prst="rect">
+            <a:avLst/>
+          </a:prstGeom>
+          <a:noFill/>
+          <a:ln w="9525">
+            <a:noFill/>
+            <a:miter lim="800000"/>
+            <a:headEnd/>
+            <a:tailEnd/>
+          </a:ln>
+        </p:spPr>
+      </p:pic>
+      <p:sp>
+        <p:nvSpPr>
+          <p:cNvPr id="50182" name="Text Box 1"/>
+          <p:cNvSpPr>
+            <a:spLocks noGrp="1" noChangeArrowheads="1"/>
+          </p:cNvSpPr>
+          <p:nvPr>
+            <p:ph type="sldNum" sz="quarter" idx="4"/>
+          </p:nvPr>
+        </p:nvSpPr>
+        <p:spPr>
+          <a:xfrm>
+            <a:off x="7772400" y="6553200"/>
+            <a:ext cx="1295400" cy="304800"/>
+          </a:xfrm>
+          <a:noFill/>
+        </p:spPr>
+        <p:txBody>
+          <a:bodyPr/>
+          <a:lstStyle/>
+          <a:p>
+            <a:r>
+              <a:rPr lang="en-US" dirty="0" err="1" smtClean="0">
+                <a:latin typeface="Comic Sans MS" pitchFamily="-107" charset="0"/>
+                <a:ea typeface="Comic Sans MS" pitchFamily="-107" charset="0"/>
+                <a:cs typeface="Comic Sans MS" pitchFamily="-107" charset="0"/>
+                <a:sym typeface="Comic Sans MS" pitchFamily="-107" charset="0"/>
+              </a:rPr>
+              <a:t>gcdeuclid</a:t>
+            </a:r>
+            <a:r>
+              <a:rPr lang="en-US" dirty="0" smtClean="0">
+                <a:latin typeface="Comic Sans MS" pitchFamily="-107" charset="0"/>
+                <a:ea typeface="Comic Sans MS" pitchFamily="-107" charset="0"/>
+                <a:cs typeface="Comic Sans MS" pitchFamily="-107" charset="0"/>
+                <a:sym typeface="Comic Sans MS" pitchFamily="-107" charset="0"/>
+              </a:rPr>
+              <a:t>.</a:t>
+            </a:r>
+            <a:fld id="{487FA851-6999-5145-9743-102168041476}" type="slidenum">
+              <a:rPr lang="en-US" smtClean="0">
+                <a:latin typeface="Comic Sans MS" pitchFamily="-107" charset="0"/>
+                <a:ea typeface="Comic Sans MS" pitchFamily="-107" charset="0"/>
+                <a:cs typeface="Comic Sans MS" pitchFamily="-107" charset="0"/>
+                <a:sym typeface="Comic Sans MS" pitchFamily="-107" charset="0"/>
+              </a:rPr>
+              <a:pPr/>
+              <a:t>11</a:t>
+            </a:fld>
+            <a:endParaRPr lang="en-US" dirty="0">
+              <a:latin typeface="Comic Sans MS" pitchFamily="-107" charset="0"/>
+              <a:ea typeface="Comic Sans MS" pitchFamily="-107" charset="0"/>
+              <a:cs typeface="Comic Sans MS" pitchFamily="-107" charset="0"/>
+              <a:sym typeface="Comic Sans MS" pitchFamily="-107" charset="0"/>
+            </a:endParaRPr>
+          </a:p>
+        </p:txBody>
+      </p:sp>
+    </p:spTree>
+    <p:extLst>
+      <p:ext uri="{BB962C8B-B14F-4D97-AF65-F5344CB8AC3E}">
+        <p14:creationId xmlns:p14="http://schemas.microsoft.com/office/powerpoint/2010/main" val="3702894912"/>
+      </p:ext>
+    </p:extLst>
+  </p:cSld>
+  <p:clrMapOvr>
+    <a:masterClrMapping/>
+  </p:clrMapOvr>
+  <p:transition xmlns:p14="http://schemas.microsoft.com/office/powerpoint/2010/main" spd="slow" advClick="0">
+    <p:fade/>
+  </p:transition>
+  <p:timing>
+    <p:tnLst>
+      <p:par>
+        <p:cTn xmlns:p14="http://schemas.microsoft.com/office/powerpoint/2010/main" id="1" dur="indefinite" restart="never" nodeType="tmRoot">
+          <p:childTnLst>
+            <p:seq concurrent="1" nextAc="seek">
+              <p:cTn id="2" dur="indefinite" nodeType="mainSeq">
+                <p:childTnLst>
                   <p:par>
-                    <p:cTn id="11" fill="hold">
+                    <p:cTn id="3" fill="hold">
                       <p:stCondLst>
                         <p:cond delay="indefinite"/>
                       </p:stCondLst>
                       <p:childTnLst>
                         <p:par>
-                          <p:cTn id="12" fill="hold">
+                          <p:cTn id="4" fill="hold">
                             <p:stCondLst>
                               <p:cond delay="0"/>
                             </p:stCondLst>
                             <p:childTnLst>
                               <p:par>
-                                <p:cTn id="13" presetID="9" presetClass="entr" presetSubtype="0" fill="hold" nodeType="clickEffect">
+                                <p:cTn id="5" presetID="9" presetClass="entr" presetSubtype="0" fill="hold" nodeType="clickEffect">
                                   <p:stCondLst>
                                     <p:cond delay="0"/>
                                   </p:stCondLst>
                                   <p:childTnLst>
                                     <p:set>
                                       <p:cBhvr>
-                                        <p:cTn id="14" dur="1" fill="hold">
+                                        <p:cTn id="6" dur="1" fill="hold">
                                           <p:stCondLst>
                                             <p:cond delay="0"/>
                                           </p:stCondLst>
@@ -3446,7 +4774,7 @@
                                     </p:set>
                                     <p:animEffect transition="in" filter="dissolve">
                                       <p:cBhvr>
-                                        <p:cTn id="15" dur="500"/>
+                                        <p:cTn id="7" dur="500"/>
                                         <p:tgtEl>
                                           <p:spTgt spid="41989">
                                             <p:txEl>
@@ -3460,14 +4788,14 @@
                                 </p:cTn>
                               </p:par>
                               <p:par>
-                                <p:cTn id="16" presetID="9" presetClass="entr" presetSubtype="0" fill="hold" nodeType="withEffect">
+                                <p:cTn id="8" presetID="9" presetClass="entr" presetSubtype="0" fill="hold" nodeType="withEffect">
                                   <p:stCondLst>
                                     <p:cond delay="0"/>
                                   </p:stCondLst>
                                   <p:childTnLst>
                                     <p:set>
                                       <p:cBhvr>
-                                        <p:cTn id="17" dur="1" fill="hold">
+                                        <p:cTn id="9" dur="1" fill="hold">
                                           <p:stCondLst>
                                             <p:cond delay="0"/>
                                           </p:stCondLst>
@@ -3489,7 +4817,7 @@
                                     </p:set>
                                     <p:animEffect transition="in" filter="dissolve">
                                       <p:cBhvr>
-                                        <p:cTn id="18" dur="500"/>
+                                        <p:cTn id="10" dur="500"/>
                                         <p:tgtEl>
                                           <p:spTgt spid="41989">
                                             <p:txEl>
@@ -3503,14 +4831,14 @@
                                 </p:cTn>
                               </p:par>
                               <p:par>
-                                <p:cTn id="19" presetID="9" presetClass="entr" presetSubtype="0" fill="hold" nodeType="withEffect">
+                                <p:cTn id="11" presetID="9" presetClass="entr" presetSubtype="0" fill="hold" nodeType="withEffect">
                                   <p:stCondLst>
                                     <p:cond delay="0"/>
                                   </p:stCondLst>
                                   <p:childTnLst>
                                     <p:set>
                                       <p:cBhvr>
-                                        <p:cTn id="20" dur="1" fill="hold">
+                                        <p:cTn id="12" dur="1" fill="hold">
                                           <p:stCondLst>
                                             <p:cond delay="0"/>
                                           </p:stCondLst>
@@ -3532,7 +4860,7 @@
                                     </p:set>
                                     <p:animEffect transition="in" filter="dissolve">
                                       <p:cBhvr>
-                                        <p:cTn id="21" dur="500"/>
+                                        <p:cTn id="13" dur="500"/>
                                         <p:tgtEl>
                                           <p:spTgt spid="41989">
                                             <p:txEl>
@@ -3572,6 +4900,1234 @@
         </p:cTn>
       </p:par>
     </p:tnLst>
+  </p:timing>
+</p:sld>
+</file>
+
+<file path=ppt/slides/slide12.xml><?xml version="1.0" encoding="utf-8"?>
+<p:sld xmlns:a="http://schemas.openxmlformats.org/drawingml/2006/main" xmlns:r="http://schemas.openxmlformats.org/officeDocument/2006/relationships" xmlns:p="http://schemas.openxmlformats.org/presentationml/2006/main" showMasterPhAnim="0" show="0">
+  <p:cSld>
+    <p:spTree>
+      <p:nvGrpSpPr>
+        <p:cNvPr id="1" name=""/>
+        <p:cNvGrpSpPr/>
+        <p:nvPr/>
+      </p:nvGrpSpPr>
+      <p:grpSpPr>
+        <a:xfrm>
+          <a:off x="0" y="0"/>
+          <a:ext cx="0" cy="0"/>
+          <a:chOff x="0" y="0"/>
+          <a:chExt cx="0" cy="0"/>
+        </a:xfrm>
+      </p:grpSpPr>
+      <p:sp>
+        <p:nvSpPr>
+          <p:cNvPr id="44034" name="Rectangle 4"/>
+          <p:cNvSpPr>
+            <a:spLocks noGrp="1" noChangeArrowheads="1"/>
+          </p:cNvSpPr>
+          <p:nvPr>
+            <p:ph type="title"/>
+          </p:nvPr>
+        </p:nvSpPr>
+        <p:spPr bwMode="auto">
+          <a:noFill/>
+          <a:ln>
+            <a:miter lim="800000"/>
+            <a:headEnd/>
+            <a:tailEnd/>
+          </a:ln>
+        </p:spPr>
+        <p:txBody>
+          <a:bodyPr wrap="square" lIns="91440" tIns="45720" rIns="91440" bIns="45720" numCol="1" anchor="t" anchorCtr="0" compatLnSpc="1">
+            <a:prstTxWarp prst="textNoShape">
+              <a:avLst/>
+            </a:prstTxWarp>
+          </a:bodyPr>
+          <a:lstStyle/>
+          <a:p>
+            <a:pPr eaLnBrk="1" hangingPunct="1"/>
+            <a:r>
+              <a:rPr lang="en-US"/>
+              <a:t>GCD correctness</a:t>
+            </a:r>
+          </a:p>
+        </p:txBody>
+      </p:sp>
+      <p:sp>
+        <p:nvSpPr>
+          <p:cNvPr id="35845" name="Rectangle 5"/>
+          <p:cNvSpPr>
+            <a:spLocks noGrp="1" noChangeArrowheads="1"/>
+          </p:cNvSpPr>
+          <p:nvPr>
+            <p:ph idx="1"/>
+          </p:nvPr>
+        </p:nvSpPr>
+        <p:spPr bwMode="auto">
+          <a:xfrm>
+            <a:off x="215900" y="1016000"/>
+            <a:ext cx="8686800" cy="5041900"/>
+          </a:xfrm>
+          <a:noFill/>
+          <a:ln>
+            <a:miter lim="800000"/>
+            <a:headEnd/>
+            <a:tailEnd/>
+          </a:ln>
+        </p:spPr>
+        <p:txBody>
+          <a:bodyPr wrap="square" lIns="91440" tIns="45720" rIns="91440" bIns="45720" numCol="1" anchor="t" anchorCtr="0" compatLnSpc="1">
+            <a:prstTxWarp prst="textNoShape">
+              <a:avLst/>
+            </a:prstTxWarp>
+          </a:bodyPr>
+          <a:lstStyle/>
+          <a:p>
+            <a:pPr marL="571500" indent="-571500" eaLnBrk="1" hangingPunct="1">
+              <a:lnSpc>
+                <a:spcPct val="90000"/>
+              </a:lnSpc>
+              <a:spcBef>
+                <a:spcPct val="0"/>
+              </a:spcBef>
+            </a:pPr>
+            <a:r>
+              <a:rPr lang="en-US">
+                <a:solidFill>
+                  <a:srgbClr val="3333CC"/>
+                </a:solidFill>
+              </a:rPr>
+              <a:t>Euclidean Algorithm --</a:t>
+            </a:r>
+            <a:r>
+              <a:rPr lang="en-US"/>
+              <a:t>for</a:t>
+            </a:r>
+            <a:r>
+              <a:rPr lang="en-US">
+                <a:solidFill>
+                  <a:srgbClr val="3333CC"/>
+                </a:solidFill>
+              </a:rPr>
+              <a:t> </a:t>
+            </a:r>
+            <a:r>
+              <a:rPr lang="en-US"/>
+              <a:t>GCD(a, b)</a:t>
+            </a:r>
+          </a:p>
+          <a:p>
+            <a:pPr marL="571500" indent="-571500" eaLnBrk="1" hangingPunct="1">
+              <a:lnSpc>
+                <a:spcPct val="90000"/>
+              </a:lnSpc>
+              <a:spcBef>
+                <a:spcPts val="1100"/>
+              </a:spcBef>
+            </a:pPr>
+            <a:r>
+              <a:rPr lang="en-US" sz="4400"/>
+              <a:t>x := a,   y := b. </a:t>
+            </a:r>
+            <a:endParaRPr lang="en-US"/>
+          </a:p>
+          <a:p>
+            <a:pPr marL="571500" indent="-571500" eaLnBrk="1" hangingPunct="1">
+              <a:lnSpc>
+                <a:spcPct val="90000"/>
+              </a:lnSpc>
+              <a:spcBef>
+                <a:spcPts val="1100"/>
+              </a:spcBef>
+            </a:pPr>
+            <a:r>
+              <a:rPr lang="en-US" sz="4400"/>
+              <a:t>If y = 0, return x &amp; terminate; </a:t>
+            </a:r>
+            <a:endParaRPr lang="en-US"/>
+          </a:p>
+          <a:p>
+            <a:pPr marL="571500" indent="-571500" eaLnBrk="1" hangingPunct="1">
+              <a:lnSpc>
+                <a:spcPct val="90000"/>
+              </a:lnSpc>
+              <a:spcBef>
+                <a:spcPts val="1100"/>
+              </a:spcBef>
+            </a:pPr>
+            <a:r>
+              <a:rPr lang="en-US" sz="4400"/>
+              <a:t>else (x, y) := (y, rem(x,y))          simultaneously;</a:t>
+            </a:r>
+            <a:endParaRPr lang="en-US"/>
+          </a:p>
+          <a:p>
+            <a:pPr marL="571500" indent="-571500" eaLnBrk="1" hangingPunct="1">
+              <a:lnSpc>
+                <a:spcPct val="90000"/>
+              </a:lnSpc>
+              <a:spcBef>
+                <a:spcPts val="1100"/>
+              </a:spcBef>
+            </a:pPr>
+            <a:r>
+              <a:rPr lang="en-US" sz="4400"/>
+              <a:t>Go to step 2.</a:t>
+            </a:r>
+          </a:p>
+        </p:txBody>
+      </p:sp>
+      <p:pic>
+        <p:nvPicPr>
+          <p:cNvPr id="44036" name="Picture 1"/>
+          <p:cNvPicPr>
+            <a:picLocks noChangeAspect="1" noChangeArrowheads="1"/>
+          </p:cNvPicPr>
+          <p:nvPr/>
+        </p:nvPicPr>
+        <p:blipFill>
+          <a:blip r:embed="rId2"/>
+          <a:srcRect/>
+          <a:stretch>
+            <a:fillRect/>
+          </a:stretch>
+        </p:blipFill>
+        <p:spPr bwMode="auto">
+          <a:xfrm>
+            <a:off x="304800" y="152400"/>
+            <a:ext cx="762000" cy="754063"/>
+          </a:xfrm>
+          <a:prstGeom prst="rect">
+            <a:avLst/>
+          </a:prstGeom>
+          <a:noFill/>
+          <a:ln w="9525">
+            <a:noFill/>
+            <a:miter lim="800000"/>
+            <a:headEnd/>
+            <a:tailEnd/>
+          </a:ln>
+        </p:spPr>
+      </p:pic>
+      <p:sp>
+        <p:nvSpPr>
+          <p:cNvPr id="44037" name="Text Box 1"/>
+          <p:cNvSpPr>
+            <a:spLocks noGrp="1" noChangeArrowheads="1"/>
+          </p:cNvSpPr>
+          <p:nvPr>
+            <p:ph type="sldNum" sz="quarter" idx="4"/>
+          </p:nvPr>
+        </p:nvSpPr>
+        <p:spPr>
+          <a:xfrm>
+            <a:off x="7772400" y="6553200"/>
+            <a:ext cx="1295400" cy="304800"/>
+          </a:xfrm>
+          <a:noFill/>
+        </p:spPr>
+        <p:txBody>
+          <a:bodyPr/>
+          <a:lstStyle/>
+          <a:p>
+            <a:r>
+              <a:rPr lang="en-US" dirty="0" err="1" smtClean="0">
+                <a:latin typeface="Comic Sans MS" pitchFamily="-107" charset="0"/>
+                <a:ea typeface="Comic Sans MS" pitchFamily="-107" charset="0"/>
+                <a:cs typeface="Comic Sans MS" pitchFamily="-107" charset="0"/>
+                <a:sym typeface="Comic Sans MS" pitchFamily="-107" charset="0"/>
+              </a:rPr>
+              <a:t>gcdeuclid</a:t>
+            </a:r>
+            <a:r>
+              <a:rPr lang="en-US" dirty="0" smtClean="0">
+                <a:latin typeface="Comic Sans MS" pitchFamily="-107" charset="0"/>
+                <a:ea typeface="Comic Sans MS" pitchFamily="-107" charset="0"/>
+                <a:cs typeface="Comic Sans MS" pitchFamily="-107" charset="0"/>
+                <a:sym typeface="Comic Sans MS" pitchFamily="-107" charset="0"/>
+              </a:rPr>
+              <a:t>.</a:t>
+            </a:r>
+            <a:fld id="{5F483A26-C920-6341-81B8-9D978E2A8540}" type="slidenum">
+              <a:rPr lang="en-US" smtClean="0">
+                <a:latin typeface="Comic Sans MS" pitchFamily="-107" charset="0"/>
+                <a:ea typeface="Comic Sans MS" pitchFamily="-107" charset="0"/>
+                <a:cs typeface="Comic Sans MS" pitchFamily="-107" charset="0"/>
+                <a:sym typeface="Comic Sans MS" pitchFamily="-107" charset="0"/>
+              </a:rPr>
+              <a:pPr/>
+              <a:t>12</a:t>
+            </a:fld>
+            <a:endParaRPr lang="en-US" dirty="0">
+              <a:latin typeface="Comic Sans MS" pitchFamily="-107" charset="0"/>
+              <a:ea typeface="Comic Sans MS" pitchFamily="-107" charset="0"/>
+              <a:cs typeface="Comic Sans MS" pitchFamily="-107" charset="0"/>
+              <a:sym typeface="Comic Sans MS" pitchFamily="-107" charset="0"/>
+            </a:endParaRPr>
+          </a:p>
+        </p:txBody>
+      </p:sp>
+    </p:spTree>
+  </p:cSld>
+  <p:clrMapOvr>
+    <a:masterClrMapping/>
+  </p:clrMapOvr>
+  <p:transition xmlns:p14="http://schemas.microsoft.com/office/powerpoint/2010/main" spd="slow" advClick="0">
+    <p:fade/>
+  </p:transition>
+  <p:timing>
+    <p:tnLst>
+      <p:par>
+        <p:cTn xmlns:p14="http://schemas.microsoft.com/office/powerpoint/2010/main" id="1" dur="indefinite" restart="never" nodeType="tmRoot">
+          <p:childTnLst>
+            <p:seq concurrent="1" nextAc="seek">
+              <p:cTn id="2" dur="indefinite" nodeType="mainSeq">
+                <p:childTnLst>
+                  <p:par>
+                    <p:cTn id="3" fill="hold">
+                      <p:stCondLst>
+                        <p:cond delay="indefinite"/>
+                      </p:stCondLst>
+                      <p:childTnLst>
+                        <p:par>
+                          <p:cTn id="4" fill="hold">
+                            <p:stCondLst>
+                              <p:cond delay="0"/>
+                            </p:stCondLst>
+                            <p:childTnLst>
+                              <p:par>
+                                <p:cTn id="5" presetID="1" presetClass="entr" presetSubtype="0" fill="hold" grpId="0" nodeType="clickEffect">
+                                  <p:stCondLst>
+                                    <p:cond delay="0"/>
+                                  </p:stCondLst>
+                                  <p:childTnLst>
+                                    <p:set>
+                                      <p:cBhvr>
+                                        <p:cTn id="6" dur="1" fill="hold">
+                                          <p:stCondLst>
+                                            <p:cond delay="499"/>
+                                          </p:stCondLst>
+                                        </p:cTn>
+                                        <p:tgtEl>
+                                          <p:spTgt spid="35845">
+                                            <p:txEl>
+                                              <p:pRg st="0" end="0"/>
+                                            </p:txEl>
+                                          </p:spTgt>
+                                        </p:tgtEl>
+                                        <p:attrNameLst>
+                                          <p:attrName>style.visibility</p:attrName>
+                                        </p:attrNameLst>
+                                      </p:cBhvr>
+                                      <p:to>
+                                        <p:strVal val="visible"/>
+                                      </p:to>
+                                    </p:set>
+                                  </p:childTnLst>
+                                </p:cTn>
+                              </p:par>
+                            </p:childTnLst>
+                          </p:cTn>
+                        </p:par>
+                      </p:childTnLst>
+                    </p:cTn>
+                  </p:par>
+                  <p:par>
+                    <p:cTn id="7" fill="hold">
+                      <p:stCondLst>
+                        <p:cond delay="indefinite"/>
+                      </p:stCondLst>
+                      <p:childTnLst>
+                        <p:par>
+                          <p:cTn id="8" fill="hold">
+                            <p:stCondLst>
+                              <p:cond delay="0"/>
+                            </p:stCondLst>
+                            <p:childTnLst>
+                              <p:par>
+                                <p:cTn id="9" presetID="1" presetClass="entr" presetSubtype="0" fill="hold" grpId="0" nodeType="clickEffect">
+                                  <p:stCondLst>
+                                    <p:cond delay="0"/>
+                                  </p:stCondLst>
+                                  <p:childTnLst>
+                                    <p:set>
+                                      <p:cBhvr>
+                                        <p:cTn id="10" dur="1" fill="hold">
+                                          <p:stCondLst>
+                                            <p:cond delay="499"/>
+                                          </p:stCondLst>
+                                        </p:cTn>
+                                        <p:tgtEl>
+                                          <p:spTgt spid="35845">
+                                            <p:txEl>
+                                              <p:pRg st="1" end="1"/>
+                                            </p:txEl>
+                                          </p:spTgt>
+                                        </p:tgtEl>
+                                        <p:attrNameLst>
+                                          <p:attrName>style.visibility</p:attrName>
+                                        </p:attrNameLst>
+                                      </p:cBhvr>
+                                      <p:to>
+                                        <p:strVal val="visible"/>
+                                      </p:to>
+                                    </p:set>
+                                  </p:childTnLst>
+                                </p:cTn>
+                              </p:par>
+                            </p:childTnLst>
+                          </p:cTn>
+                        </p:par>
+                      </p:childTnLst>
+                    </p:cTn>
+                  </p:par>
+                  <p:par>
+                    <p:cTn id="11" fill="hold">
+                      <p:stCondLst>
+                        <p:cond delay="indefinite"/>
+                      </p:stCondLst>
+                      <p:childTnLst>
+                        <p:par>
+                          <p:cTn id="12" fill="hold">
+                            <p:stCondLst>
+                              <p:cond delay="0"/>
+                            </p:stCondLst>
+                            <p:childTnLst>
+                              <p:par>
+                                <p:cTn id="13" presetID="1" presetClass="entr" presetSubtype="0" fill="hold" grpId="0" nodeType="clickEffect">
+                                  <p:stCondLst>
+                                    <p:cond delay="0"/>
+                                  </p:stCondLst>
+                                  <p:childTnLst>
+                                    <p:set>
+                                      <p:cBhvr>
+                                        <p:cTn id="14" dur="1" fill="hold">
+                                          <p:stCondLst>
+                                            <p:cond delay="499"/>
+                                          </p:stCondLst>
+                                        </p:cTn>
+                                        <p:tgtEl>
+                                          <p:spTgt spid="35845">
+                                            <p:txEl>
+                                              <p:pRg st="2" end="2"/>
+                                            </p:txEl>
+                                          </p:spTgt>
+                                        </p:tgtEl>
+                                        <p:attrNameLst>
+                                          <p:attrName>style.visibility</p:attrName>
+                                        </p:attrNameLst>
+                                      </p:cBhvr>
+                                      <p:to>
+                                        <p:strVal val="visible"/>
+                                      </p:to>
+                                    </p:set>
+                                  </p:childTnLst>
+                                </p:cTn>
+                              </p:par>
+                            </p:childTnLst>
+                          </p:cTn>
+                        </p:par>
+                      </p:childTnLst>
+                    </p:cTn>
+                  </p:par>
+                  <p:par>
+                    <p:cTn id="15" fill="hold">
+                      <p:stCondLst>
+                        <p:cond delay="indefinite"/>
+                      </p:stCondLst>
+                      <p:childTnLst>
+                        <p:par>
+                          <p:cTn id="16" fill="hold">
+                            <p:stCondLst>
+                              <p:cond delay="0"/>
+                            </p:stCondLst>
+                            <p:childTnLst>
+                              <p:par>
+                                <p:cTn id="17" presetID="1" presetClass="entr" presetSubtype="0" fill="hold" grpId="0" nodeType="clickEffect">
+                                  <p:stCondLst>
+                                    <p:cond delay="0"/>
+                                  </p:stCondLst>
+                                  <p:childTnLst>
+                                    <p:set>
+                                      <p:cBhvr>
+                                        <p:cTn id="18" dur="1" fill="hold">
+                                          <p:stCondLst>
+                                            <p:cond delay="499"/>
+                                          </p:stCondLst>
+                                        </p:cTn>
+                                        <p:tgtEl>
+                                          <p:spTgt spid="35845">
+                                            <p:txEl>
+                                              <p:pRg st="3" end="3"/>
+                                            </p:txEl>
+                                          </p:spTgt>
+                                        </p:tgtEl>
+                                        <p:attrNameLst>
+                                          <p:attrName>style.visibility</p:attrName>
+                                        </p:attrNameLst>
+                                      </p:cBhvr>
+                                      <p:to>
+                                        <p:strVal val="visible"/>
+                                      </p:to>
+                                    </p:set>
+                                  </p:childTnLst>
+                                </p:cTn>
+                              </p:par>
+                            </p:childTnLst>
+                          </p:cTn>
+                        </p:par>
+                      </p:childTnLst>
+                    </p:cTn>
+                  </p:par>
+                  <p:par>
+                    <p:cTn id="19" fill="hold">
+                      <p:stCondLst>
+                        <p:cond delay="indefinite"/>
+                      </p:stCondLst>
+                      <p:childTnLst>
+                        <p:par>
+                          <p:cTn id="20" fill="hold">
+                            <p:stCondLst>
+                              <p:cond delay="0"/>
+                            </p:stCondLst>
+                            <p:childTnLst>
+                              <p:par>
+                                <p:cTn id="21" presetID="1" presetClass="entr" presetSubtype="0" fill="hold" grpId="0" nodeType="clickEffect">
+                                  <p:stCondLst>
+                                    <p:cond delay="0"/>
+                                  </p:stCondLst>
+                                  <p:childTnLst>
+                                    <p:set>
+                                      <p:cBhvr>
+                                        <p:cTn id="22" dur="1" fill="hold">
+                                          <p:stCondLst>
+                                            <p:cond delay="499"/>
+                                          </p:stCondLst>
+                                        </p:cTn>
+                                        <p:tgtEl>
+                                          <p:spTgt spid="35845">
+                                            <p:txEl>
+                                              <p:pRg st="4" end="4"/>
+                                            </p:txEl>
+                                          </p:spTgt>
+                                        </p:tgtEl>
+                                        <p:attrNameLst>
+                                          <p:attrName>style.visibility</p:attrName>
+                                        </p:attrNameLst>
+                                      </p:cBhvr>
+                                      <p:to>
+                                        <p:strVal val="visible"/>
+                                      </p:to>
+                                    </p:set>
+                                  </p:childTnLst>
+                                </p:cTn>
+                              </p:par>
+                            </p:childTnLst>
+                          </p:cTn>
+                        </p:par>
+                      </p:childTnLst>
+                    </p:cTn>
+                  </p:par>
+                </p:childTnLst>
+              </p:cTn>
+              <p:prevCondLst>
+                <p:cond evt="onPrev" delay="0">
+                  <p:tgtEl>
+                    <p:sldTgt/>
+                  </p:tgtEl>
+                </p:cond>
+              </p:prevCondLst>
+              <p:nextCondLst>
+                <p:cond evt="onNext" delay="0">
+                  <p:tgtEl>
+                    <p:sldTgt/>
+                  </p:tgtEl>
+                </p:cond>
+              </p:nextCondLst>
+            </p:seq>
+          </p:childTnLst>
+        </p:cTn>
+      </p:par>
+    </p:tnLst>
+    <p:bldLst>
+      <p:bldP spid="35845" grpId="0" build="p" autoUpdateAnimBg="0"/>
+    </p:bldLst>
+  </p:timing>
+</p:sld>
+</file>
+
+<file path=ppt/slides/slide13.xml><?xml version="1.0" encoding="utf-8"?>
+<p:sld xmlns:a="http://schemas.openxmlformats.org/drawingml/2006/main" xmlns:r="http://schemas.openxmlformats.org/officeDocument/2006/relationships" xmlns:p="http://schemas.openxmlformats.org/presentationml/2006/main" showMasterPhAnim="0" show="0">
+  <p:cSld>
+    <p:spTree>
+      <p:nvGrpSpPr>
+        <p:cNvPr id="1" name=""/>
+        <p:cNvGrpSpPr/>
+        <p:nvPr/>
+      </p:nvGrpSpPr>
+      <p:grpSpPr>
+        <a:xfrm>
+          <a:off x="0" y="0"/>
+          <a:ext cx="0" cy="0"/>
+          <a:chOff x="0" y="0"/>
+          <a:chExt cx="0" cy="0"/>
+        </a:xfrm>
+      </p:grpSpPr>
+      <p:sp>
+        <p:nvSpPr>
+          <p:cNvPr id="45058" name="Rectangle 4"/>
+          <p:cNvSpPr>
+            <a:spLocks noGrp="1" noChangeArrowheads="1"/>
+          </p:cNvSpPr>
+          <p:nvPr>
+            <p:ph type="title"/>
+          </p:nvPr>
+        </p:nvSpPr>
+        <p:spPr bwMode="auto">
+          <a:xfrm>
+            <a:off x="2362200" y="152400"/>
+            <a:ext cx="4419600" cy="1143000"/>
+          </a:xfrm>
+          <a:noFill/>
+          <a:ln>
+            <a:miter lim="800000"/>
+            <a:headEnd/>
+            <a:tailEnd/>
+          </a:ln>
+        </p:spPr>
+        <p:txBody>
+          <a:bodyPr wrap="square" lIns="91440" tIns="45720" rIns="91440" bIns="45720" numCol="1" anchor="t" anchorCtr="0" compatLnSpc="1">
+            <a:prstTxWarp prst="textNoShape">
+              <a:avLst/>
+            </a:prstTxWarp>
+          </a:bodyPr>
+          <a:lstStyle/>
+          <a:p>
+            <a:pPr eaLnBrk="1" hangingPunct="1"/>
+            <a:r>
+              <a:rPr lang="en-US" sz="4400" dirty="0"/>
+              <a:t>GCD </a:t>
+            </a:r>
+            <a:r>
+              <a:rPr lang="en-US" sz="4400" dirty="0" smtClean="0"/>
+              <a:t>example</a:t>
+            </a:r>
+            <a:endParaRPr lang="en-US" sz="4400" dirty="0"/>
+          </a:p>
+        </p:txBody>
+      </p:sp>
+      <p:sp>
+        <p:nvSpPr>
+          <p:cNvPr id="36869" name="Rectangle 5"/>
+          <p:cNvSpPr>
+            <a:spLocks noGrp="1" noChangeArrowheads="1"/>
+          </p:cNvSpPr>
+          <p:nvPr>
+            <p:ph idx="1"/>
+          </p:nvPr>
+        </p:nvSpPr>
+        <p:spPr bwMode="auto">
+          <a:xfrm>
+            <a:off x="258763" y="1214438"/>
+            <a:ext cx="8651875" cy="5643562"/>
+          </a:xfrm>
+          <a:noFill/>
+          <a:ln>
+            <a:miter lim="800000"/>
+            <a:headEnd/>
+            <a:tailEnd/>
+          </a:ln>
+        </p:spPr>
+        <p:txBody>
+          <a:bodyPr wrap="square" lIns="91440" tIns="45720" rIns="91440" bIns="45720" numCol="1" anchor="t" anchorCtr="0" compatLnSpc="1">
+            <a:prstTxWarp prst="textNoShape">
+              <a:avLst/>
+            </a:prstTxWarp>
+          </a:bodyPr>
+          <a:lstStyle/>
+          <a:p>
+            <a:pPr marL="304800" indent="-304800" eaLnBrk="1" hangingPunct="1">
+              <a:spcBef>
+                <a:spcPct val="0"/>
+              </a:spcBef>
+            </a:pPr>
+            <a:r>
+              <a:rPr lang="en-US" sz="3600" dirty="0"/>
+              <a:t>Example: GCD(662,414)</a:t>
+            </a:r>
+            <a:endParaRPr lang="en-US" dirty="0"/>
+          </a:p>
+          <a:p>
+            <a:pPr marL="304800" indent="-304800" eaLnBrk="1" hangingPunct="1">
+              <a:spcBef>
+                <a:spcPts val="800"/>
+              </a:spcBef>
+            </a:pPr>
+            <a:r>
+              <a:rPr lang="en-US" sz="3200" dirty="0"/>
+              <a:t>= GCD(414, 248)  since rem(662,414) = 248</a:t>
+            </a:r>
+            <a:endParaRPr lang="en-US" dirty="0"/>
+          </a:p>
+          <a:p>
+            <a:pPr marL="304800" indent="-304800" eaLnBrk="1" hangingPunct="1">
+              <a:spcBef>
+                <a:spcPts val="800"/>
+              </a:spcBef>
+            </a:pPr>
+            <a:r>
+              <a:rPr lang="en-US" sz="3200" dirty="0"/>
+              <a:t>= GCD(248, 166)  since rem(414,248) = 166</a:t>
+            </a:r>
+            <a:endParaRPr lang="en-US" dirty="0"/>
+          </a:p>
+          <a:p>
+            <a:pPr marL="304800" indent="-304800" eaLnBrk="1" hangingPunct="1">
+              <a:spcBef>
+                <a:spcPts val="800"/>
+              </a:spcBef>
+            </a:pPr>
+            <a:r>
+              <a:rPr lang="en-US" sz="3200" dirty="0"/>
+              <a:t>= GCD(166, 82)    since rem(248,166) =   82</a:t>
+            </a:r>
+            <a:endParaRPr lang="en-US" dirty="0"/>
+          </a:p>
+          <a:p>
+            <a:pPr marL="304800" indent="-304800" eaLnBrk="1" hangingPunct="1">
+              <a:spcBef>
+                <a:spcPts val="800"/>
+              </a:spcBef>
+            </a:pPr>
+            <a:r>
+              <a:rPr lang="en-US" sz="3200" dirty="0"/>
+              <a:t>= GCD(82, 2)       since rem(166,82)   =     2</a:t>
+            </a:r>
+            <a:endParaRPr lang="en-US" dirty="0"/>
+          </a:p>
+          <a:p>
+            <a:pPr marL="304800" indent="-304800" eaLnBrk="1" hangingPunct="1">
+              <a:spcBef>
+                <a:spcPts val="800"/>
+              </a:spcBef>
+            </a:pPr>
+            <a:r>
+              <a:rPr lang="en-US" sz="3200" dirty="0"/>
+              <a:t>= GCD(2, 0)         since rem(82,2)       =     0</a:t>
+            </a:r>
+            <a:endParaRPr lang="en-US" dirty="0"/>
+          </a:p>
+          <a:p>
+            <a:pPr marL="304800" indent="-304800" algn="ctr" eaLnBrk="1" hangingPunct="1"/>
+            <a:r>
+              <a:rPr lang="en-US" dirty="0">
+                <a:solidFill>
+                  <a:srgbClr val="3333CC"/>
+                </a:solidFill>
+              </a:rPr>
+              <a:t>return value: 2</a:t>
+            </a:r>
+          </a:p>
+        </p:txBody>
+      </p:sp>
+      <p:pic>
+        <p:nvPicPr>
+          <p:cNvPr id="45060" name="Picture 1"/>
+          <p:cNvPicPr>
+            <a:picLocks noChangeAspect="1" noChangeArrowheads="1"/>
+          </p:cNvPicPr>
+          <p:nvPr/>
+        </p:nvPicPr>
+        <p:blipFill>
+          <a:blip r:embed="rId2"/>
+          <a:srcRect/>
+          <a:stretch>
+            <a:fillRect/>
+          </a:stretch>
+        </p:blipFill>
+        <p:spPr bwMode="auto">
+          <a:xfrm>
+            <a:off x="304800" y="152400"/>
+            <a:ext cx="762000" cy="754063"/>
+          </a:xfrm>
+          <a:prstGeom prst="rect">
+            <a:avLst/>
+          </a:prstGeom>
+          <a:noFill/>
+          <a:ln w="9525">
+            <a:noFill/>
+            <a:miter lim="800000"/>
+            <a:headEnd/>
+            <a:tailEnd/>
+          </a:ln>
+        </p:spPr>
+      </p:pic>
+      <p:sp>
+        <p:nvSpPr>
+          <p:cNvPr id="45061" name="Text Box 1"/>
+          <p:cNvSpPr>
+            <a:spLocks noGrp="1" noChangeArrowheads="1"/>
+          </p:cNvSpPr>
+          <p:nvPr>
+            <p:ph type="sldNum" sz="quarter" idx="4"/>
+          </p:nvPr>
+        </p:nvSpPr>
+        <p:spPr>
+          <a:xfrm>
+            <a:off x="7772400" y="6553200"/>
+            <a:ext cx="1295400" cy="304800"/>
+          </a:xfrm>
+          <a:noFill/>
+        </p:spPr>
+        <p:txBody>
+          <a:bodyPr/>
+          <a:lstStyle/>
+          <a:p>
+            <a:r>
+              <a:rPr lang="en-US" dirty="0" err="1" smtClean="0">
+                <a:latin typeface="Comic Sans MS" pitchFamily="-107" charset="0"/>
+                <a:ea typeface="Comic Sans MS" pitchFamily="-107" charset="0"/>
+                <a:cs typeface="Comic Sans MS" pitchFamily="-107" charset="0"/>
+                <a:sym typeface="Comic Sans MS" pitchFamily="-107" charset="0"/>
+              </a:rPr>
+              <a:t>gcdeuclid</a:t>
+            </a:r>
+            <a:r>
+              <a:rPr lang="en-US" dirty="0" smtClean="0">
+                <a:latin typeface="Comic Sans MS" pitchFamily="-107" charset="0"/>
+                <a:ea typeface="Comic Sans MS" pitchFamily="-107" charset="0"/>
+                <a:cs typeface="Comic Sans MS" pitchFamily="-107" charset="0"/>
+                <a:sym typeface="Comic Sans MS" pitchFamily="-107" charset="0"/>
+              </a:rPr>
+              <a:t>.</a:t>
+            </a:r>
+            <a:fld id="{9CFBFBC5-66C3-814E-BB53-62E87599AD47}" type="slidenum">
+              <a:rPr lang="en-US" smtClean="0">
+                <a:latin typeface="Comic Sans MS" pitchFamily="-107" charset="0"/>
+                <a:ea typeface="Comic Sans MS" pitchFamily="-107" charset="0"/>
+                <a:cs typeface="Comic Sans MS" pitchFamily="-107" charset="0"/>
+                <a:sym typeface="Comic Sans MS" pitchFamily="-107" charset="0"/>
+              </a:rPr>
+              <a:pPr/>
+              <a:t>13</a:t>
+            </a:fld>
+            <a:endParaRPr lang="en-US" dirty="0">
+              <a:latin typeface="Comic Sans MS" pitchFamily="-107" charset="0"/>
+              <a:ea typeface="Comic Sans MS" pitchFamily="-107" charset="0"/>
+              <a:cs typeface="Comic Sans MS" pitchFamily="-107" charset="0"/>
+              <a:sym typeface="Comic Sans MS" pitchFamily="-107" charset="0"/>
+            </a:endParaRPr>
+          </a:p>
+        </p:txBody>
+      </p:sp>
+    </p:spTree>
+  </p:cSld>
+  <p:clrMapOvr>
+    <a:masterClrMapping/>
+  </p:clrMapOvr>
+  <p:transition xmlns:p14="http://schemas.microsoft.com/office/powerpoint/2010/main" spd="slow" advClick="0">
+    <p:fade/>
+  </p:transition>
+  <p:timing>
+    <p:tnLst>
+      <p:par>
+        <p:cTn xmlns:p14="http://schemas.microsoft.com/office/powerpoint/2010/main" id="1" dur="indefinite" restart="never" nodeType="tmRoot">
+          <p:childTnLst>
+            <p:seq concurrent="1" nextAc="seek">
+              <p:cTn id="2" dur="indefinite" nodeType="mainSeq">
+                <p:childTnLst>
+                  <p:par>
+                    <p:cTn id="3" fill="hold">
+                      <p:stCondLst>
+                        <p:cond delay="indefinite"/>
+                      </p:stCondLst>
+                      <p:childTnLst>
+                        <p:par>
+                          <p:cTn id="4" fill="hold">
+                            <p:stCondLst>
+                              <p:cond delay="0"/>
+                            </p:stCondLst>
+                            <p:childTnLst>
+                              <p:par>
+                                <p:cTn id="5" presetID="22" presetClass="entr" presetSubtype="8" fill="hold" grpId="0" nodeType="clickEffect">
+                                  <p:stCondLst>
+                                    <p:cond delay="0"/>
+                                  </p:stCondLst>
+                                  <p:childTnLst>
+                                    <p:set>
+                                      <p:cBhvr>
+                                        <p:cTn id="6" dur="1" fill="hold">
+                                          <p:stCondLst>
+                                            <p:cond delay="0"/>
+                                          </p:stCondLst>
+                                        </p:cTn>
+                                        <p:tgtEl>
+                                          <p:spTgt spid="36869">
+                                            <p:txEl>
+                                              <p:pRg st="1" end="1"/>
+                                            </p:txEl>
+                                          </p:spTgt>
+                                        </p:tgtEl>
+                                        <p:attrNameLst>
+                                          <p:attrName>style.visibility</p:attrName>
+                                        </p:attrNameLst>
+                                      </p:cBhvr>
+                                      <p:to>
+                                        <p:strVal val="visible"/>
+                                      </p:to>
+                                    </p:set>
+                                    <p:animEffect transition="in" filter="wipe(left)">
+                                      <p:cBhvr>
+                                        <p:cTn id="7" dur="500"/>
+                                        <p:tgtEl>
+                                          <p:spTgt spid="36869">
+                                            <p:txEl>
+                                              <p:pRg st="1" end="1"/>
+                                            </p:txEl>
+                                          </p:spTgt>
+                                        </p:tgtEl>
+                                      </p:cBhvr>
+                                    </p:animEffect>
+                                  </p:childTnLst>
+                                </p:cTn>
+                              </p:par>
+                            </p:childTnLst>
+                          </p:cTn>
+                        </p:par>
+                      </p:childTnLst>
+                    </p:cTn>
+                  </p:par>
+                  <p:par>
+                    <p:cTn id="8" fill="hold">
+                      <p:stCondLst>
+                        <p:cond delay="indefinite"/>
+                      </p:stCondLst>
+                      <p:childTnLst>
+                        <p:par>
+                          <p:cTn id="9" fill="hold">
+                            <p:stCondLst>
+                              <p:cond delay="0"/>
+                            </p:stCondLst>
+                            <p:childTnLst>
+                              <p:par>
+                                <p:cTn id="10" presetID="22" presetClass="entr" presetSubtype="8" fill="hold" grpId="0" nodeType="clickEffect">
+                                  <p:stCondLst>
+                                    <p:cond delay="0"/>
+                                  </p:stCondLst>
+                                  <p:childTnLst>
+                                    <p:set>
+                                      <p:cBhvr>
+                                        <p:cTn id="11" dur="1" fill="hold">
+                                          <p:stCondLst>
+                                            <p:cond delay="0"/>
+                                          </p:stCondLst>
+                                        </p:cTn>
+                                        <p:tgtEl>
+                                          <p:spTgt spid="36869">
+                                            <p:txEl>
+                                              <p:pRg st="2" end="2"/>
+                                            </p:txEl>
+                                          </p:spTgt>
+                                        </p:tgtEl>
+                                        <p:attrNameLst>
+                                          <p:attrName>style.visibility</p:attrName>
+                                        </p:attrNameLst>
+                                      </p:cBhvr>
+                                      <p:to>
+                                        <p:strVal val="visible"/>
+                                      </p:to>
+                                    </p:set>
+                                    <p:animEffect transition="in" filter="wipe(left)">
+                                      <p:cBhvr>
+                                        <p:cTn id="12" dur="500"/>
+                                        <p:tgtEl>
+                                          <p:spTgt spid="36869">
+                                            <p:txEl>
+                                              <p:pRg st="2" end="2"/>
+                                            </p:txEl>
+                                          </p:spTgt>
+                                        </p:tgtEl>
+                                      </p:cBhvr>
+                                    </p:animEffect>
+                                  </p:childTnLst>
+                                </p:cTn>
+                              </p:par>
+                            </p:childTnLst>
+                          </p:cTn>
+                        </p:par>
+                      </p:childTnLst>
+                    </p:cTn>
+                  </p:par>
+                  <p:par>
+                    <p:cTn id="13" fill="hold">
+                      <p:stCondLst>
+                        <p:cond delay="indefinite"/>
+                      </p:stCondLst>
+                      <p:childTnLst>
+                        <p:par>
+                          <p:cTn id="14" fill="hold">
+                            <p:stCondLst>
+                              <p:cond delay="0"/>
+                            </p:stCondLst>
+                            <p:childTnLst>
+                              <p:par>
+                                <p:cTn id="15" presetID="22" presetClass="entr" presetSubtype="8" fill="hold" grpId="0" nodeType="clickEffect">
+                                  <p:stCondLst>
+                                    <p:cond delay="0"/>
+                                  </p:stCondLst>
+                                  <p:childTnLst>
+                                    <p:set>
+                                      <p:cBhvr>
+                                        <p:cTn id="16" dur="1" fill="hold">
+                                          <p:stCondLst>
+                                            <p:cond delay="0"/>
+                                          </p:stCondLst>
+                                        </p:cTn>
+                                        <p:tgtEl>
+                                          <p:spTgt spid="36869">
+                                            <p:txEl>
+                                              <p:pRg st="3" end="3"/>
+                                            </p:txEl>
+                                          </p:spTgt>
+                                        </p:tgtEl>
+                                        <p:attrNameLst>
+                                          <p:attrName>style.visibility</p:attrName>
+                                        </p:attrNameLst>
+                                      </p:cBhvr>
+                                      <p:to>
+                                        <p:strVal val="visible"/>
+                                      </p:to>
+                                    </p:set>
+                                    <p:animEffect transition="in" filter="wipe(left)">
+                                      <p:cBhvr>
+                                        <p:cTn id="17" dur="500"/>
+                                        <p:tgtEl>
+                                          <p:spTgt spid="36869">
+                                            <p:txEl>
+                                              <p:pRg st="3" end="3"/>
+                                            </p:txEl>
+                                          </p:spTgt>
+                                        </p:tgtEl>
+                                      </p:cBhvr>
+                                    </p:animEffect>
+                                  </p:childTnLst>
+                                </p:cTn>
+                              </p:par>
+                            </p:childTnLst>
+                          </p:cTn>
+                        </p:par>
+                      </p:childTnLst>
+                    </p:cTn>
+                  </p:par>
+                  <p:par>
+                    <p:cTn id="18" fill="hold">
+                      <p:stCondLst>
+                        <p:cond delay="indefinite"/>
+                      </p:stCondLst>
+                      <p:childTnLst>
+                        <p:par>
+                          <p:cTn id="19" fill="hold">
+                            <p:stCondLst>
+                              <p:cond delay="0"/>
+                            </p:stCondLst>
+                            <p:childTnLst>
+                              <p:par>
+                                <p:cTn id="20" presetID="22" presetClass="entr" presetSubtype="8" fill="hold" grpId="0" nodeType="clickEffect">
+                                  <p:stCondLst>
+                                    <p:cond delay="0"/>
+                                  </p:stCondLst>
+                                  <p:childTnLst>
+                                    <p:set>
+                                      <p:cBhvr>
+                                        <p:cTn id="21" dur="1" fill="hold">
+                                          <p:stCondLst>
+                                            <p:cond delay="0"/>
+                                          </p:stCondLst>
+                                        </p:cTn>
+                                        <p:tgtEl>
+                                          <p:spTgt spid="36869">
+                                            <p:txEl>
+                                              <p:pRg st="4" end="4"/>
+                                            </p:txEl>
+                                          </p:spTgt>
+                                        </p:tgtEl>
+                                        <p:attrNameLst>
+                                          <p:attrName>style.visibility</p:attrName>
+                                        </p:attrNameLst>
+                                      </p:cBhvr>
+                                      <p:to>
+                                        <p:strVal val="visible"/>
+                                      </p:to>
+                                    </p:set>
+                                    <p:animEffect transition="in" filter="wipe(left)">
+                                      <p:cBhvr>
+                                        <p:cTn id="22" dur="500"/>
+                                        <p:tgtEl>
+                                          <p:spTgt spid="36869">
+                                            <p:txEl>
+                                              <p:pRg st="4" end="4"/>
+                                            </p:txEl>
+                                          </p:spTgt>
+                                        </p:tgtEl>
+                                      </p:cBhvr>
+                                    </p:animEffect>
+                                  </p:childTnLst>
+                                </p:cTn>
+                              </p:par>
+                            </p:childTnLst>
+                          </p:cTn>
+                        </p:par>
+                      </p:childTnLst>
+                    </p:cTn>
+                  </p:par>
+                  <p:par>
+                    <p:cTn id="23" fill="hold">
+                      <p:stCondLst>
+                        <p:cond delay="indefinite"/>
+                      </p:stCondLst>
+                      <p:childTnLst>
+                        <p:par>
+                          <p:cTn id="24" fill="hold">
+                            <p:stCondLst>
+                              <p:cond delay="0"/>
+                            </p:stCondLst>
+                            <p:childTnLst>
+                              <p:par>
+                                <p:cTn id="25" presetID="22" presetClass="entr" presetSubtype="8" fill="hold" grpId="0" nodeType="clickEffect">
+                                  <p:stCondLst>
+                                    <p:cond delay="0"/>
+                                  </p:stCondLst>
+                                  <p:childTnLst>
+                                    <p:set>
+                                      <p:cBhvr>
+                                        <p:cTn id="26" dur="1" fill="hold">
+                                          <p:stCondLst>
+                                            <p:cond delay="0"/>
+                                          </p:stCondLst>
+                                        </p:cTn>
+                                        <p:tgtEl>
+                                          <p:spTgt spid="36869">
+                                            <p:txEl>
+                                              <p:pRg st="5" end="5"/>
+                                            </p:txEl>
+                                          </p:spTgt>
+                                        </p:tgtEl>
+                                        <p:attrNameLst>
+                                          <p:attrName>style.visibility</p:attrName>
+                                        </p:attrNameLst>
+                                      </p:cBhvr>
+                                      <p:to>
+                                        <p:strVal val="visible"/>
+                                      </p:to>
+                                    </p:set>
+                                    <p:animEffect transition="in" filter="wipe(left)">
+                                      <p:cBhvr>
+                                        <p:cTn id="27" dur="500"/>
+                                        <p:tgtEl>
+                                          <p:spTgt spid="36869">
+                                            <p:txEl>
+                                              <p:pRg st="5" end="5"/>
+                                            </p:txEl>
+                                          </p:spTgt>
+                                        </p:tgtEl>
+                                      </p:cBhvr>
+                                    </p:animEffect>
+                                  </p:childTnLst>
+                                </p:cTn>
+                              </p:par>
+                            </p:childTnLst>
+                          </p:cTn>
+                        </p:par>
+                      </p:childTnLst>
+                    </p:cTn>
+                  </p:par>
+                  <p:par>
+                    <p:cTn id="28" fill="hold">
+                      <p:stCondLst>
+                        <p:cond delay="indefinite"/>
+                      </p:stCondLst>
+                      <p:childTnLst>
+                        <p:par>
+                          <p:cTn id="29" fill="hold">
+                            <p:stCondLst>
+                              <p:cond delay="0"/>
+                            </p:stCondLst>
+                            <p:childTnLst>
+                              <p:par>
+                                <p:cTn id="30" presetID="9" presetClass="entr" presetSubtype="0" fill="hold" grpId="0" nodeType="clickEffect">
+                                  <p:stCondLst>
+                                    <p:cond delay="0"/>
+                                  </p:stCondLst>
+                                  <p:childTnLst>
+                                    <p:set>
+                                      <p:cBhvr>
+                                        <p:cTn id="31" dur="1" fill="hold">
+                                          <p:stCondLst>
+                                            <p:cond delay="0"/>
+                                          </p:stCondLst>
+                                        </p:cTn>
+                                        <p:tgtEl>
+                                          <p:spTgt spid="36869">
+                                            <p:txEl>
+                                              <p:pRg st="6" end="6"/>
+                                            </p:txEl>
+                                          </p:spTgt>
+                                        </p:tgtEl>
+                                        <p:attrNameLst>
+                                          <p:attrName>style.visibility</p:attrName>
+                                        </p:attrNameLst>
+                                      </p:cBhvr>
+                                      <p:to>
+                                        <p:strVal val="visible"/>
+                                      </p:to>
+                                    </p:set>
+                                    <p:animEffect transition="in" filter="dissolve">
+                                      <p:cBhvr>
+                                        <p:cTn id="32" dur="500"/>
+                                        <p:tgtEl>
+                                          <p:spTgt spid="36869">
+                                            <p:txEl>
+                                              <p:pRg st="6" end="6"/>
+                                            </p:txEl>
+                                          </p:spTgt>
+                                        </p:tgtEl>
+                                      </p:cBhvr>
+                                    </p:animEffect>
+                                  </p:childTnLst>
+                                </p:cTn>
+                              </p:par>
+                            </p:childTnLst>
+                          </p:cTn>
+                        </p:par>
+                      </p:childTnLst>
+                    </p:cTn>
+                  </p:par>
+                </p:childTnLst>
+              </p:cTn>
+              <p:prevCondLst>
+                <p:cond evt="onPrev" delay="0">
+                  <p:tgtEl>
+                    <p:sldTgt/>
+                  </p:tgtEl>
+                </p:cond>
+              </p:prevCondLst>
+              <p:nextCondLst>
+                <p:cond evt="onNext" delay="0">
+                  <p:tgtEl>
+                    <p:sldTgt/>
+                  </p:tgtEl>
+                </p:cond>
+              </p:nextCondLst>
+            </p:seq>
+          </p:childTnLst>
+        </p:cTn>
+      </p:par>
+    </p:tnLst>
+    <p:bldLst>
+      <p:bldP spid="36869" grpId="0" build="p" autoUpdateAnimBg="0"/>
+    </p:bldLst>
   </p:timing>
 </p:sld>
 </file>
@@ -3813,7 +6369,37 @@
                 <a:cs typeface="Comic Sans MS" pitchFamily="-107" charset="0"/>
                 <a:sym typeface="Comic Sans MS" pitchFamily="-107" charset="0"/>
               </a:rPr>
-              <a:t>terms,  divides </a:t>
+              <a:t>terms</a:t>
+            </a:r>
+            <a:r>
+              <a:rPr lang="en-US" sz="6000" dirty="0">
+                <a:latin typeface="Comic Sans MS" pitchFamily="-107" charset="0"/>
+                <a:ea typeface="Comic Sans MS" pitchFamily="-107" charset="0"/>
+                <a:cs typeface="Comic Sans MS" pitchFamily="-107" charset="0"/>
+                <a:sym typeface="Comic Sans MS" pitchFamily="-107" charset="0"/>
+              </a:rPr>
+              <a:t> </a:t>
+            </a:r>
+            <a:r>
+              <a:rPr lang="en-US" sz="6000" dirty="0" smtClean="0">
+                <a:latin typeface="Comic Sans MS" pitchFamily="-107" charset="0"/>
+                <a:ea typeface="Comic Sans MS" pitchFamily="-107" charset="0"/>
+                <a:cs typeface="Comic Sans MS" pitchFamily="-107" charset="0"/>
+                <a:sym typeface="Comic Sans MS" pitchFamily="-107" charset="0"/>
+              </a:rPr>
+              <a:t>must</a:t>
+            </a:r>
+            <a:r>
+              <a:rPr lang="en-US" sz="6000" dirty="0" smtClean="0">
+                <a:solidFill>
+                  <a:schemeClr val="tx1"/>
+                </a:solidFill>
+                <a:latin typeface="Comic Sans MS" pitchFamily="-107" charset="0"/>
+                <a:ea typeface="Comic Sans MS" pitchFamily="-107" charset="0"/>
+                <a:cs typeface="Comic Sans MS" pitchFamily="-107" charset="0"/>
+                <a:sym typeface="Comic Sans MS" pitchFamily="-107" charset="0"/>
+              </a:rPr>
+              <a:t> divide </a:t>
             </a:r>
             <a:r>
               <a:rPr lang="en-US" sz="6000" dirty="0">
@@ -3840,8 +6426,8 @@
         </p:nvSpPr>
         <p:spPr bwMode="auto">
           <a:xfrm>
-            <a:off x="169925" y="1219200"/>
-            <a:ext cx="8556992" cy="1738938"/>
+            <a:off x="304800" y="762000"/>
+            <a:ext cx="8599259" cy="2477602"/>
           </a:xfrm>
           <a:prstGeom prst="rect">
             <a:avLst/>
@@ -3864,7 +6450,7 @@
           <a:lstStyle/>
           <a:p>
             <a:r>
-              <a:rPr lang="en-US" sz="4800" dirty="0" smtClean="0">
+              <a:rPr lang="en-US" dirty="0" smtClean="0">
                 <a:solidFill>
                   <a:schemeClr val="tx1"/>
                 </a:solidFill>
@@ -3876,31 +6462,198 @@
               <a:t>Lemma</a:t>
             </a:r>
             <a:r>
+              <a:rPr lang="en-US" dirty="0">
+                <a:solidFill>
+                  <a:schemeClr val="tx1"/>
+                </a:solidFill>
+                <a:latin typeface="Comic Sans MS" pitchFamily="-107" charset="0"/>
+                <a:ea typeface="Comic Sans MS" pitchFamily="-107" charset="0"/>
+                <a:cs typeface="Comic Sans MS" pitchFamily="-107" charset="0"/>
+                <a:sym typeface="Comic Sans MS" pitchFamily="-107" charset="0"/>
+              </a:rPr>
+              <a:t>:</a:t>
+            </a:r>
+            <a:r>
+              <a:rPr lang="en-US" sz="5400" dirty="0" smtClean="0">
+                <a:solidFill>
+                  <a:srgbClr val="00CC00"/>
+                </a:solidFill>
+                <a:latin typeface="Comic Sans MS" pitchFamily="-107" charset="0"/>
+                <a:ea typeface="Comic Sans MS" pitchFamily="-107" charset="0"/>
+                <a:cs typeface="Comic Sans MS" pitchFamily="-107" charset="0"/>
+                <a:sym typeface="Comic Sans MS" pitchFamily="-107" charset="0"/>
+              </a:rPr>
+              <a:t> </a:t>
+            </a:r>
+            <a:endParaRPr lang="en-US" sz="5400" dirty="0" smtClean="0">
+              <a:solidFill>
+                <a:srgbClr val="0000FF"/>
+              </a:solidFill>
+              <a:latin typeface="Comic Sans MS" pitchFamily="-107" charset="0"/>
+              <a:ea typeface="Comic Sans MS" pitchFamily="-107" charset="0"/>
+              <a:cs typeface="Comic Sans MS" pitchFamily="-107" charset="0"/>
+              <a:sym typeface="Comic Sans MS" pitchFamily="-107" charset="0"/>
+            </a:endParaRPr>
+          </a:p>
+          <a:p>
+            <a:pPr algn="l"/>
+            <a:r>
+              <a:rPr lang="en-US" sz="5400" dirty="0" err="1" smtClean="0">
+                <a:solidFill>
+                  <a:srgbClr val="0000FF"/>
+                </a:solidFill>
+                <a:latin typeface="Comic Sans MS" pitchFamily="-107" charset="0"/>
+                <a:ea typeface="Comic Sans MS" pitchFamily="-107" charset="0"/>
+                <a:cs typeface="Comic Sans MS" pitchFamily="-107" charset="0"/>
+                <a:sym typeface="Comic Sans MS" pitchFamily="-107" charset="0"/>
+              </a:rPr>
+              <a:t>gcd</a:t>
+            </a:r>
+            <a:r>
+              <a:rPr lang="en-US" sz="5400" dirty="0" smtClean="0">
+                <a:solidFill>
+                  <a:srgbClr val="0000FF"/>
+                </a:solidFill>
+                <a:latin typeface="Comic Sans MS" pitchFamily="-107" charset="0"/>
+                <a:ea typeface="Comic Sans MS" pitchFamily="-107" charset="0"/>
+                <a:cs typeface="Comic Sans MS" pitchFamily="-107" charset="0"/>
+                <a:sym typeface="Comic Sans MS" pitchFamily="-107" charset="0"/>
+              </a:rPr>
+              <a:t>(</a:t>
+            </a:r>
+            <a:r>
+              <a:rPr lang="en-US" sz="5400" dirty="0" err="1" smtClean="0">
+                <a:solidFill>
+                  <a:srgbClr val="0000FF"/>
+                </a:solidFill>
+                <a:latin typeface="Comic Sans MS" pitchFamily="-107" charset="0"/>
+                <a:ea typeface="Comic Sans MS" pitchFamily="-107" charset="0"/>
+                <a:cs typeface="Comic Sans MS" pitchFamily="-107" charset="0"/>
+                <a:sym typeface="Comic Sans MS" pitchFamily="-107" charset="0"/>
+              </a:rPr>
+              <a:t>a,b</a:t>
+            </a:r>
+            <a:r>
+              <a:rPr lang="en-US" sz="5400" dirty="0" smtClean="0">
+                <a:solidFill>
+                  <a:srgbClr val="0000FF"/>
+                </a:solidFill>
+                <a:latin typeface="Comic Sans MS" pitchFamily="-107" charset="0"/>
+                <a:ea typeface="Comic Sans MS" pitchFamily="-107" charset="0"/>
+                <a:cs typeface="Comic Sans MS" pitchFamily="-107" charset="0"/>
+                <a:sym typeface="Comic Sans MS" pitchFamily="-107" charset="0"/>
+              </a:rPr>
+              <a:t>) </a:t>
+            </a:r>
+            <a:r>
+              <a:rPr lang="en-US" sz="5400" dirty="0">
+                <a:solidFill>
+                  <a:srgbClr val="0000FF"/>
+                </a:solidFill>
+                <a:latin typeface="Comic Sans MS" pitchFamily="-107" charset="0"/>
+                <a:ea typeface="Comic Sans MS" pitchFamily="-107" charset="0"/>
+                <a:cs typeface="Comic Sans MS" pitchFamily="-107" charset="0"/>
+                <a:sym typeface="Comic Sans MS" pitchFamily="-107" charset="0"/>
+              </a:rPr>
+              <a:t>= </a:t>
+            </a:r>
+            <a:r>
+              <a:rPr lang="en-US" sz="5400" dirty="0" err="1">
+                <a:solidFill>
+                  <a:srgbClr val="0000FF"/>
+                </a:solidFill>
+                <a:latin typeface="Comic Sans MS" pitchFamily="-107" charset="0"/>
+                <a:ea typeface="Comic Sans MS" pitchFamily="-107" charset="0"/>
+                <a:cs typeface="Comic Sans MS" pitchFamily="-107" charset="0"/>
+                <a:sym typeface="Comic Sans MS" pitchFamily="-107" charset="0"/>
+              </a:rPr>
+              <a:t>gcd</a:t>
+            </a:r>
+            <a:r>
+              <a:rPr lang="en-US" sz="5400" dirty="0" smtClean="0">
+                <a:solidFill>
+                  <a:srgbClr val="0000FF"/>
+                </a:solidFill>
+                <a:latin typeface="Comic Sans MS" pitchFamily="-107" charset="0"/>
+                <a:ea typeface="Comic Sans MS" pitchFamily="-107" charset="0"/>
+                <a:cs typeface="Comic Sans MS" pitchFamily="-107" charset="0"/>
+                <a:sym typeface="Comic Sans MS" pitchFamily="-107" charset="0"/>
+              </a:rPr>
+              <a:t>(b, </a:t>
+            </a:r>
+            <a:r>
+              <a:rPr lang="en-US" sz="5400" dirty="0">
+                <a:solidFill>
+                  <a:srgbClr val="0000FF"/>
+                </a:solidFill>
+                <a:latin typeface="Comic Sans MS" pitchFamily="-107" charset="0"/>
+                <a:ea typeface="Comic Sans MS" pitchFamily="-107" charset="0"/>
+                <a:cs typeface="Comic Sans MS" pitchFamily="-107" charset="0"/>
+                <a:sym typeface="Comic Sans MS" pitchFamily="-107" charset="0"/>
+              </a:rPr>
+              <a:t>rem</a:t>
+            </a:r>
+            <a:r>
+              <a:rPr lang="en-US" sz="5400" dirty="0" smtClean="0">
+                <a:solidFill>
+                  <a:srgbClr val="0000FF"/>
+                </a:solidFill>
+                <a:latin typeface="Comic Sans MS" pitchFamily="-107" charset="0"/>
+                <a:ea typeface="Comic Sans MS" pitchFamily="-107" charset="0"/>
+                <a:cs typeface="Comic Sans MS" pitchFamily="-107" charset="0"/>
+                <a:sym typeface="Comic Sans MS" pitchFamily="-107" charset="0"/>
+              </a:rPr>
+              <a:t>(</a:t>
+            </a:r>
+            <a:r>
+              <a:rPr lang="en-US" sz="5400" dirty="0" err="1" smtClean="0">
+                <a:solidFill>
+                  <a:srgbClr val="0000FF"/>
+                </a:solidFill>
+                <a:latin typeface="Comic Sans MS" pitchFamily="-107" charset="0"/>
+                <a:ea typeface="Comic Sans MS" pitchFamily="-107" charset="0"/>
+                <a:cs typeface="Comic Sans MS" pitchFamily="-107" charset="0"/>
+                <a:sym typeface="Comic Sans MS" pitchFamily="-107" charset="0"/>
+              </a:rPr>
+              <a:t>a,b</a:t>
+            </a:r>
+            <a:r>
+              <a:rPr lang="en-US" sz="5400" dirty="0" smtClean="0">
+                <a:solidFill>
+                  <a:srgbClr val="0000FF"/>
+                </a:solidFill>
+                <a:latin typeface="Comic Sans MS" pitchFamily="-107" charset="0"/>
+                <a:ea typeface="Comic Sans MS" pitchFamily="-107" charset="0"/>
+                <a:cs typeface="Comic Sans MS" pitchFamily="-107" charset="0"/>
+                <a:sym typeface="Comic Sans MS" pitchFamily="-107" charset="0"/>
+              </a:rPr>
+              <a:t>)</a:t>
+            </a:r>
+            <a:r>
+              <a:rPr lang="en-US" sz="5400" dirty="0" smtClean="0">
+                <a:solidFill>
+                  <a:srgbClr val="0000FF"/>
+                </a:solidFill>
+                <a:latin typeface="Comic Sans MS" pitchFamily="-107" charset="0"/>
+                <a:ea typeface="Comic Sans MS" pitchFamily="-107" charset="0"/>
+                <a:cs typeface="Comic Sans MS" pitchFamily="-107" charset="0"/>
+                <a:sym typeface="Comic Sans MS" pitchFamily="-107" charset="0"/>
+              </a:rPr>
+              <a:t>)</a:t>
+            </a:r>
+            <a:endParaRPr lang="en-US" sz="5400" dirty="0">
+              <a:solidFill>
+                <a:srgbClr val="0000FF"/>
+              </a:solidFill>
+              <a:latin typeface="Comic Sans MS" pitchFamily="-107" charset="0"/>
+              <a:ea typeface="Comic Sans MS" pitchFamily="-107" charset="0"/>
+              <a:cs typeface="Comic Sans MS" pitchFamily="-107" charset="0"/>
+              <a:sym typeface="Comic Sans MS" pitchFamily="-107" charset="0"/>
+            </a:endParaRPr>
+          </a:p>
+          <a:p>
+            <a:r>
               <a:rPr lang="en-US" sz="4800" dirty="0">
-                <a:solidFill>
-                  <a:schemeClr val="tx1"/>
-                </a:solidFill>
-                <a:latin typeface="Comic Sans MS" pitchFamily="-107" charset="0"/>
-                <a:ea typeface="Comic Sans MS" pitchFamily="-107" charset="0"/>
-                <a:cs typeface="Comic Sans MS" pitchFamily="-107" charset="0"/>
-                <a:sym typeface="Comic Sans MS" pitchFamily="-107" charset="0"/>
-              </a:rPr>
-              <a:t>:</a:t>
-            </a:r>
-            <a:r>
-              <a:rPr lang="en-US" sz="5400" dirty="0" smtClean="0">
-                <a:solidFill>
-                  <a:srgbClr val="00CC00"/>
-                </a:solidFill>
-                <a:latin typeface="Comic Sans MS" pitchFamily="-107" charset="0"/>
-                <a:ea typeface="Comic Sans MS" pitchFamily="-107" charset="0"/>
-                <a:cs typeface="Comic Sans MS" pitchFamily="-107" charset="0"/>
-                <a:sym typeface="Comic Sans MS" pitchFamily="-107" charset="0"/>
-              </a:rPr>
-              <a:t> </a:t>
-            </a:r>
-            <a:r>
-              <a:rPr lang="en-US" sz="5400" dirty="0" smtClean="0">
                 <a:latin typeface="Comic Sans MS" pitchFamily="-107" charset="0"/>
                 <a:ea typeface="Comic Sans MS" pitchFamily="-107" charset="0"/>
                 <a:cs typeface="Comic Sans MS" pitchFamily="-107" charset="0"/>
@@ -3909,7 +6662,7 @@
               <a:t>for </a:t>
             </a:r>
             <a:r>
-              <a:rPr lang="en-US" sz="5400" dirty="0" err="1" smtClean="0">
+              <a:rPr lang="en-US" sz="4800" dirty="0">
                 <a:solidFill>
                   <a:srgbClr val="0000FF"/>
                 </a:solidFill>
@@ -3918,22 +6671,10 @@
                 <a:cs typeface="Comic Sans MS" pitchFamily="-107" charset="0"/>
                 <a:sym typeface="Comic Sans MS" pitchFamily="-107" charset="0"/>
               </a:rPr>
-              <a:t>b</a:t>
-            </a:r>
-            <a:r>
-              <a:rPr lang="en-US" sz="5400" dirty="0" smtClean="0">
-                <a:solidFill>
-                  <a:srgbClr val="0000FF"/>
-                </a:solidFill>
-                <a:latin typeface="Comic Sans MS" pitchFamily="-107" charset="0"/>
-                <a:ea typeface="Comic Sans MS" pitchFamily="-107" charset="0"/>
-                <a:cs typeface="Comic Sans MS" pitchFamily="-107" charset="0"/>
-                <a:sym typeface="Comic Sans MS" pitchFamily="-107" charset="0"/>
-              </a:rPr>
-              <a:t> </a:t>
-            </a:r>
-            <a:r>
-              <a:rPr lang="en-US" sz="4800" dirty="0" smtClean="0">
+              <a:t>b </a:t>
+            </a:r>
+            <a:r>
+              <a:rPr lang="en-US" sz="4800" dirty="0">
                 <a:solidFill>
                   <a:srgbClr val="0000FF"/>
                 </a:solidFill>
@@ -3945,7 +6686,7 @@
               <a:t>≠</a:t>
             </a:r>
             <a:r>
-              <a:rPr lang="en-US" sz="5400" dirty="0" smtClean="0">
+              <a:rPr lang="en-US" sz="4800" dirty="0">
                 <a:solidFill>
                   <a:srgbClr val="0000FF"/>
                 </a:solidFill>
@@ -3955,117 +6696,6 @@
                 <a:sym typeface="Comic Sans MS" pitchFamily="-107" charset="0"/>
               </a:rPr>
               <a:t> 0</a:t>
-            </a:r>
-          </a:p>
-          <a:p>
-            <a:pPr algn="l"/>
-            <a:r>
-              <a:rPr lang="en-US" sz="5400" dirty="0" err="1" smtClean="0">
-                <a:solidFill>
-                  <a:srgbClr val="0000FF"/>
-                </a:solidFill>
-                <a:latin typeface="Comic Sans MS" pitchFamily="-107" charset="0"/>
-                <a:ea typeface="Comic Sans MS" pitchFamily="-107" charset="0"/>
-                <a:cs typeface="Comic Sans MS" pitchFamily="-107" charset="0"/>
-                <a:sym typeface="Comic Sans MS" pitchFamily="-107" charset="0"/>
-              </a:rPr>
-              <a:t>gcd(a,b</a:t>
-            </a:r>
-            <a:r>
-              <a:rPr lang="en-US" sz="5400" dirty="0" smtClean="0">
-                <a:solidFill>
-                  <a:srgbClr val="0000FF"/>
-                </a:solidFill>
-                <a:latin typeface="Comic Sans MS" pitchFamily="-107" charset="0"/>
-                <a:ea typeface="Comic Sans MS" pitchFamily="-107" charset="0"/>
-                <a:cs typeface="Comic Sans MS" pitchFamily="-107" charset="0"/>
-                <a:sym typeface="Comic Sans MS" pitchFamily="-107" charset="0"/>
-              </a:rPr>
-              <a:t>) </a:t>
-            </a:r>
-            <a:r>
-              <a:rPr lang="en-US" sz="5400" dirty="0">
-                <a:solidFill>
-                  <a:srgbClr val="0000FF"/>
-                </a:solidFill>
-                <a:latin typeface="Comic Sans MS" pitchFamily="-107" charset="0"/>
-                <a:ea typeface="Comic Sans MS" pitchFamily="-107" charset="0"/>
-                <a:cs typeface="Comic Sans MS" pitchFamily="-107" charset="0"/>
-                <a:sym typeface="Comic Sans MS" pitchFamily="-107" charset="0"/>
-              </a:rPr>
-              <a:t>= </a:t>
-            </a:r>
-            <a:r>
-              <a:rPr lang="en-US" sz="5400" dirty="0" err="1">
-                <a:solidFill>
-                  <a:srgbClr val="0000FF"/>
-                </a:solidFill>
-                <a:latin typeface="Comic Sans MS" pitchFamily="-107" charset="0"/>
-                <a:ea typeface="Comic Sans MS" pitchFamily="-107" charset="0"/>
-                <a:cs typeface="Comic Sans MS" pitchFamily="-107" charset="0"/>
-                <a:sym typeface="Comic Sans MS" pitchFamily="-107" charset="0"/>
-              </a:rPr>
-              <a:t>gcd</a:t>
-            </a:r>
-            <a:r>
-              <a:rPr lang="en-US" sz="5400" dirty="0" err="1" smtClean="0">
-                <a:solidFill>
-                  <a:srgbClr val="0000FF"/>
-                </a:solidFill>
-                <a:latin typeface="Comic Sans MS" pitchFamily="-107" charset="0"/>
-                <a:ea typeface="Comic Sans MS" pitchFamily="-107" charset="0"/>
-                <a:cs typeface="Comic Sans MS" pitchFamily="-107" charset="0"/>
-                <a:sym typeface="Comic Sans MS" pitchFamily="-107" charset="0"/>
-              </a:rPr>
-              <a:t>(b</a:t>
-            </a:r>
-            <a:r>
-              <a:rPr lang="en-US" sz="5400" dirty="0" smtClean="0">
-                <a:solidFill>
-                  <a:srgbClr val="0000FF"/>
-                </a:solidFill>
-                <a:latin typeface="Comic Sans MS" pitchFamily="-107" charset="0"/>
-                <a:ea typeface="Comic Sans MS" pitchFamily="-107" charset="0"/>
-                <a:cs typeface="Comic Sans MS" pitchFamily="-107" charset="0"/>
-                <a:sym typeface="Comic Sans MS" pitchFamily="-107" charset="0"/>
-              </a:rPr>
-              <a:t>, </a:t>
-            </a:r>
-            <a:r>
-              <a:rPr lang="en-US" sz="5400" dirty="0" err="1">
-                <a:solidFill>
-                  <a:srgbClr val="0000FF"/>
-                </a:solidFill>
-                <a:latin typeface="Comic Sans MS" pitchFamily="-107" charset="0"/>
-                <a:ea typeface="Comic Sans MS" pitchFamily="-107" charset="0"/>
-                <a:cs typeface="Comic Sans MS" pitchFamily="-107" charset="0"/>
-                <a:sym typeface="Comic Sans MS" pitchFamily="-107" charset="0"/>
-              </a:rPr>
-              <a:t>rem</a:t>
-            </a:r>
-            <a:r>
-              <a:rPr lang="en-US" sz="5400" dirty="0" err="1" smtClean="0">
-                <a:solidFill>
-                  <a:srgbClr val="0000FF"/>
-                </a:solidFill>
-                <a:latin typeface="Comic Sans MS" pitchFamily="-107" charset="0"/>
-                <a:ea typeface="Comic Sans MS" pitchFamily="-107" charset="0"/>
-                <a:cs typeface="Comic Sans MS" pitchFamily="-107" charset="0"/>
-                <a:sym typeface="Comic Sans MS" pitchFamily="-107" charset="0"/>
-              </a:rPr>
-              <a:t>(a,b</a:t>
-            </a:r>
-            <a:r>
-              <a:rPr lang="en-US" sz="5400" dirty="0" smtClean="0">
-                <a:solidFill>
-                  <a:srgbClr val="0000FF"/>
-                </a:solidFill>
-                <a:latin typeface="Comic Sans MS" pitchFamily="-107" charset="0"/>
-                <a:ea typeface="Comic Sans MS" pitchFamily="-107" charset="0"/>
-                <a:cs typeface="Comic Sans MS" pitchFamily="-107" charset="0"/>
-                <a:sym typeface="Comic Sans MS" pitchFamily="-107" charset="0"/>
-              </a:rPr>
-              <a:t>))</a:t>
             </a:r>
             <a:endParaRPr lang="en-US" sz="4800" dirty="0" smtClean="0">
               <a:solidFill>
@@ -4305,7 +6935,7 @@
                             </p:stCondLst>
                             <p:childTnLst>
                               <p:par>
-                                <p:cTn id="10" presetID="10" presetClass="entr" presetSubtype="0" fill="hold" grpId="0" nodeType="clickEffect">
+                                <p:cTn id="10" presetID="22" presetClass="entr" presetSubtype="8" fill="hold" grpId="1" nodeType="clickEffect">
                                   <p:stCondLst>
                                     <p:cond delay="0"/>
                                   </p:stCondLst>
@@ -4318,9 +6948,9 @@
                                           </p:stCondLst>
                                         </p:cTn>
                                         <p:tgtEl>
-                                          <p:spTgt spid="39941">
+                                          <p:spTgt spid="39942">
                                             <p:txEl>
-                                              <p:pRg st="0" end="0"/>
+                                              <p:pRg st="2" end="2"/>
                                             </p:txEl>
                                           </p:spTgt>
                                         </p:tgtEl>
@@ -4332,13 +6962,13 @@
                                         <p:strVal val="visible"/>
                                       </p:to>
                                     </p:set>
-                                    <p:animEffect transition="in" filter="fade">
+                                    <p:animEffect transition="in" filter="wipe(left)">
                                       <p:cBhvr>
-                                        <p:cTn id="12" dur="500"/>
+                                        <p:cTn id="12" dur="1000"/>
                                         <p:tgtEl>
-                                          <p:spTgt spid="39941">
+                                          <p:spTgt spid="39942">
                                             <p:txEl>
-                                              <p:pRg st="0" end="0"/>
+                                              <p:pRg st="2" end="2"/>
                                             </p:txEl>
                                           </p:spTgt>
                                         </p:tgtEl>
@@ -4381,6 +7011,67 @@
                                         <p:tgtEl>
                                           <p:spTgt spid="39941">
                                             <p:txEl>
+                                              <p:pRg st="0" end="0"/>
+                                            </p:txEl>
+                                          </p:spTgt>
+                                        </p:tgtEl>
+                                        <p:attrNameLst>
+                                          <p:attrName>style.visibility</p:attrName>
+                                        </p:attrNameLst>
+                                      </p:cBhvr>
+                                      <p:to>
+                                        <p:strVal val="visible"/>
+                                      </p:to>
+                                    </p:set>
+                                    <p:animEffect transition="in" filter="fade">
+                                      <p:cBhvr>
+                                        <p:cTn id="17" dur="500"/>
+                                        <p:tgtEl>
+                                          <p:spTgt spid="39941">
+                                            <p:txEl>
+                                              <p:pRg st="0" end="0"/>
+                                            </p:txEl>
+                                          </p:spTgt>
+                                        </p:tgtEl>
+                                      </p:cBhvr>
+                                    </p:animEffect>
+                                  </p:childTnLst>
+                                </p:cTn>
+                              </p:par>
+                            </p:childTnLst>
+                          </p:cTn>
+                        </p:par>
+                      </p:childTnLst>
+                    </p:cTn>
+                  </p:par>
+                  <p:par>
+                    <p:cTn id="18" fill="hold">
+                      <p:stCondLst>
+                        <p:cond delay="indefinite"/>
+                      </p:stCondLst>
+                      <p:childTnLst>
+                        <p:par>
+                          <p:cTn id="19" fill="hold">
+                            <p:stCondLst>
+                              <p:cond delay="0"/>
+                            </p:stCondLst>
+                            <p:childTnLst>
+                              <p:par>
+                                <p:cTn id="20" presetID="10" presetClass="entr" presetSubtype="0" fill="hold" grpId="0" nodeType="clickEffect">
+                                  <p:stCondLst>
+                                    <p:cond delay="0"/>
+                                  </p:stCondLst>
+                                  <p:childTnLst>
+                                    <p:set>
+                                      <p:cBhvr>
+                                        <p:cTn id="21" dur="1" fill="hold">
+                                          <p:stCondLst>
+                                            <p:cond delay="0"/>
+                                          </p:stCondLst>
+                                        </p:cTn>
+                                        <p:tgtEl>
+                                          <p:spTgt spid="39941">
+                                            <p:txEl>
                                               <p:pRg st="1" end="1"/>
                                             </p:txEl>
                                           </p:spTgt>
@@ -4395,7 +7086,7 @@
                                     </p:set>
                                     <p:animEffect transition="in" filter="fade">
                                       <p:cBhvr>
-                                        <p:cTn id="17" dur="500"/>
+                                        <p:cTn id="22" dur="500"/>
                                         <p:tgtEl>
                                           <p:spTgt spid="39941">
                                             <p:txEl>
@@ -4437,7 +7128,7 @@
     </p:tnLst>
     <p:bldLst>
       <p:bldP spid="39941" grpId="0" build="p" autoUpdateAnimBg="0"/>
-      <p:bldP spid="39942" grpId="1" uiExpand="1" build="allAtOnce"/>
+      <p:bldP spid="39942" grpId="1" build="allAtOnce"/>
     </p:bldLst>
   </p:timing>
 </p:sld>
@@ -4743,260 +7434,35 @@
                 <a:cs typeface="Comic Sans MS" pitchFamily="-107" charset="0"/>
                 <a:sym typeface="Comic Sans MS" pitchFamily="-107" charset="0"/>
               </a:rPr>
-              <a:t>the same divisors</a:t>
+              <a:t>the </a:t>
+            </a:r>
+            <a:r>
+              <a:rPr lang="en-US" sz="6000" dirty="0" smtClean="0">
+                <a:solidFill>
+                  <a:srgbClr val="008000"/>
+                </a:solidFill>
+                <a:latin typeface="Comic Sans MS" pitchFamily="-107" charset="0"/>
+                <a:ea typeface="Comic Sans MS" pitchFamily="-107" charset="0"/>
+                <a:cs typeface="Comic Sans MS" pitchFamily="-107" charset="0"/>
+                <a:sym typeface="Comic Sans MS" pitchFamily="-107" charset="0"/>
+              </a:rPr>
+              <a:t>same</a:t>
+            </a:r>
+            <a:r>
+              <a:rPr lang="en-US" sz="6000" dirty="0" smtClean="0">
+                <a:solidFill>
+                  <a:srgbClr val="000000"/>
+                </a:solidFill>
+                <a:latin typeface="Comic Sans MS" pitchFamily="-107" charset="0"/>
+                <a:ea typeface="Comic Sans MS" pitchFamily="-107" charset="0"/>
+                <a:cs typeface="Comic Sans MS" pitchFamily="-107" charset="0"/>
+                <a:sym typeface="Comic Sans MS" pitchFamily="-107" charset="0"/>
+              </a:rPr>
+              <a:t> divisors</a:t>
             </a:r>
             <a:endParaRPr lang="en-US" sz="5400" dirty="0" smtClean="0">
               <a:solidFill>
                 <a:srgbClr val="000000"/>
-              </a:solidFill>
-              <a:latin typeface="Comic Sans MS" pitchFamily="-107" charset="0"/>
-              <a:ea typeface="Comic Sans MS" pitchFamily="-107" charset="0"/>
-              <a:cs typeface="Comic Sans MS" pitchFamily="-107" charset="0"/>
-              <a:sym typeface="Times New Roman" pitchFamily="-107" charset="0"/>
-            </a:endParaRPr>
-          </a:p>
-        </p:txBody>
-      </p:sp>
-      <p:sp>
-        <p:nvSpPr>
-          <p:cNvPr id="39942" name="Rectangle 6"/>
-          <p:cNvSpPr>
-            <a:spLocks/>
-          </p:cNvSpPr>
-          <p:nvPr/>
-        </p:nvSpPr>
-        <p:spPr bwMode="auto">
-          <a:xfrm>
-            <a:off x="169925" y="1219200"/>
-            <a:ext cx="8556992" cy="1738938"/>
-          </a:xfrm>
-          <a:prstGeom prst="rect">
-            <a:avLst/>
-          </a:prstGeom>
-          <a:noFill/>
-          <a:ln w="12700">
-            <a:noFill/>
-            <a:miter lim="800000"/>
-            <a:headEnd/>
-            <a:tailEnd/>
-          </a:ln>
-        </p:spPr>
-        <p:txBody>
-          <a:bodyPr wrap="none" lIns="38100" tIns="38100" rIns="38100" bIns="38100">
-            <a:prstTxWarp prst="textNoShape">
-              <a:avLst/>
-            </a:prstTxWarp>
-            <a:spAutoFit/>
-          </a:bodyPr>
-          <a:lstStyle/>
-          <a:p>
-            <a:r>
-              <a:rPr lang="en-US" sz="4800" dirty="0" smtClean="0">
-                <a:solidFill>
-                  <a:schemeClr val="tx1"/>
-                </a:solidFill>
-                <a:latin typeface="Comic Sans MS" pitchFamily="-107" charset="0"/>
-                <a:ea typeface="Comic Sans MS" pitchFamily="-107" charset="0"/>
-                <a:cs typeface="Comic Sans MS" pitchFamily="-107" charset="0"/>
-                <a:sym typeface="Comic Sans MS" pitchFamily="-107" charset="0"/>
-              </a:rPr>
-              <a:t>Lemma</a:t>
-            </a:r>
-            <a:r>
-              <a:rPr lang="en-US" sz="4800" dirty="0">
-                <a:solidFill>
-                  <a:schemeClr val="tx1"/>
-                </a:solidFill>
-                <a:latin typeface="Comic Sans MS" pitchFamily="-107" charset="0"/>
-                <a:ea typeface="Comic Sans MS" pitchFamily="-107" charset="0"/>
-                <a:cs typeface="Comic Sans MS" pitchFamily="-107" charset="0"/>
-                <a:sym typeface="Comic Sans MS" pitchFamily="-107" charset="0"/>
-              </a:rPr>
-              <a:t>:</a:t>
-            </a:r>
-            <a:r>
-              <a:rPr lang="en-US" sz="5400" dirty="0" smtClean="0">
-                <a:solidFill>
-                  <a:srgbClr val="00CC00"/>
-                </a:solidFill>
-                <a:latin typeface="Comic Sans MS" pitchFamily="-107" charset="0"/>
-                <a:ea typeface="Comic Sans MS" pitchFamily="-107" charset="0"/>
-                <a:cs typeface="Comic Sans MS" pitchFamily="-107" charset="0"/>
-                <a:sym typeface="Comic Sans MS" pitchFamily="-107" charset="0"/>
-              </a:rPr>
-              <a:t> </a:t>
-            </a:r>
-            <a:r>
-              <a:rPr lang="en-US" sz="5400" dirty="0" smtClean="0">
-                <a:latin typeface="Comic Sans MS" pitchFamily="-107" charset="0"/>
-                <a:ea typeface="Comic Sans MS" pitchFamily="-107" charset="0"/>
-                <a:cs typeface="Comic Sans MS" pitchFamily="-107" charset="0"/>
-                <a:sym typeface="Comic Sans MS" pitchFamily="-107" charset="0"/>
-              </a:rPr>
-              <a:t>for </a:t>
-            </a:r>
-            <a:r>
-              <a:rPr lang="en-US" sz="5400" dirty="0" err="1" smtClean="0">
-                <a:solidFill>
-                  <a:srgbClr val="0000FF"/>
-                </a:solidFill>
-                <a:latin typeface="Comic Sans MS" pitchFamily="-107" charset="0"/>
-                <a:ea typeface="Comic Sans MS" pitchFamily="-107" charset="0"/>
-                <a:cs typeface="Comic Sans MS" pitchFamily="-107" charset="0"/>
-                <a:sym typeface="Comic Sans MS" pitchFamily="-107" charset="0"/>
-              </a:rPr>
-              <a:t>b</a:t>
-            </a:r>
-            <a:r>
-              <a:rPr lang="en-US" sz="5400" dirty="0" smtClean="0">
-                <a:solidFill>
-                  <a:srgbClr val="0000FF"/>
-                </a:solidFill>
-                <a:latin typeface="Comic Sans MS" pitchFamily="-107" charset="0"/>
-                <a:ea typeface="Comic Sans MS" pitchFamily="-107" charset="0"/>
-                <a:cs typeface="Comic Sans MS" pitchFamily="-107" charset="0"/>
-                <a:sym typeface="Comic Sans MS" pitchFamily="-107" charset="0"/>
-              </a:rPr>
-              <a:t> </a:t>
-            </a:r>
-            <a:r>
-              <a:rPr lang="en-US" sz="4800" dirty="0" smtClean="0">
-                <a:solidFill>
-                  <a:srgbClr val="0000FF"/>
-                </a:solidFill>
-                <a:latin typeface="Euclid Symbol" pitchFamily="-107" charset="2"/>
-                <a:ea typeface="Euclid Symbol" pitchFamily="-107" charset="2"/>
-                <a:cs typeface="Euclid Symbol" pitchFamily="-107" charset="2"/>
-                <a:sym typeface="Helvetica" pitchFamily="-107" charset="0"/>
-              </a:rPr>
-              <a:t>≠</a:t>
-            </a:r>
-            <a:r>
-              <a:rPr lang="en-US" sz="5400" dirty="0" smtClean="0">
-                <a:solidFill>
-                  <a:srgbClr val="0000FF"/>
-                </a:solidFill>
-                <a:latin typeface="Comic Sans MS" pitchFamily="-107" charset="0"/>
-                <a:ea typeface="Comic Sans MS" pitchFamily="-107" charset="0"/>
-                <a:cs typeface="Comic Sans MS" pitchFamily="-107" charset="0"/>
-                <a:sym typeface="Comic Sans MS" pitchFamily="-107" charset="0"/>
-              </a:rPr>
-              <a:t> 0</a:t>
-            </a:r>
-          </a:p>
-          <a:p>
-            <a:pPr algn="l"/>
-            <a:r>
-              <a:rPr lang="en-US" sz="5400" dirty="0" err="1" smtClean="0">
-                <a:solidFill>
-                  <a:srgbClr val="0000FF"/>
-                </a:solidFill>
-                <a:latin typeface="Comic Sans MS" pitchFamily="-107" charset="0"/>
-                <a:ea typeface="Comic Sans MS" pitchFamily="-107" charset="0"/>
-                <a:cs typeface="Comic Sans MS" pitchFamily="-107" charset="0"/>
-                <a:sym typeface="Comic Sans MS" pitchFamily="-107" charset="0"/>
-              </a:rPr>
-              <a:t>gcd(a,b</a:t>
-            </a:r>
-            <a:r>
-              <a:rPr lang="en-US" sz="5400" dirty="0" smtClean="0">
-                <a:solidFill>
-                  <a:srgbClr val="0000FF"/>
-                </a:solidFill>
-                <a:latin typeface="Comic Sans MS" pitchFamily="-107" charset="0"/>
-                <a:ea typeface="Comic Sans MS" pitchFamily="-107" charset="0"/>
-                <a:cs typeface="Comic Sans MS" pitchFamily="-107" charset="0"/>
-                <a:sym typeface="Comic Sans MS" pitchFamily="-107" charset="0"/>
-              </a:rPr>
-              <a:t>) </a:t>
-            </a:r>
-            <a:r>
-              <a:rPr lang="en-US" sz="5400" dirty="0">
-                <a:solidFill>
-                  <a:srgbClr val="0000FF"/>
-                </a:solidFill>
-                <a:latin typeface="Comic Sans MS" pitchFamily="-107" charset="0"/>
-                <a:ea typeface="Comic Sans MS" pitchFamily="-107" charset="0"/>
-                <a:cs typeface="Comic Sans MS" pitchFamily="-107" charset="0"/>
-                <a:sym typeface="Comic Sans MS" pitchFamily="-107" charset="0"/>
-              </a:rPr>
-              <a:t>= </a:t>
-            </a:r>
-            <a:r>
-              <a:rPr lang="en-US" sz="5400" dirty="0" err="1">
-                <a:solidFill>
-                  <a:srgbClr val="0000FF"/>
-                </a:solidFill>
-                <a:latin typeface="Comic Sans MS" pitchFamily="-107" charset="0"/>
-                <a:ea typeface="Comic Sans MS" pitchFamily="-107" charset="0"/>
-                <a:cs typeface="Comic Sans MS" pitchFamily="-107" charset="0"/>
-                <a:sym typeface="Comic Sans MS" pitchFamily="-107" charset="0"/>
-              </a:rPr>
-              <a:t>gcd</a:t>
-            </a:r>
-            <a:r>
-              <a:rPr lang="en-US" sz="5400" dirty="0" err="1" smtClean="0">
-                <a:solidFill>
-                  <a:srgbClr val="0000FF"/>
-                </a:solidFill>
-                <a:latin typeface="Comic Sans MS" pitchFamily="-107" charset="0"/>
-                <a:ea typeface="Comic Sans MS" pitchFamily="-107" charset="0"/>
-                <a:cs typeface="Comic Sans MS" pitchFamily="-107" charset="0"/>
-                <a:sym typeface="Comic Sans MS" pitchFamily="-107" charset="0"/>
-              </a:rPr>
-              <a:t>(b</a:t>
-            </a:r>
-            <a:r>
-              <a:rPr lang="en-US" sz="5400" dirty="0" smtClean="0">
-                <a:solidFill>
-                  <a:srgbClr val="0000FF"/>
-                </a:solidFill>
-                <a:latin typeface="Comic Sans MS" pitchFamily="-107" charset="0"/>
-                <a:ea typeface="Comic Sans MS" pitchFamily="-107" charset="0"/>
-                <a:cs typeface="Comic Sans MS" pitchFamily="-107" charset="0"/>
-                <a:sym typeface="Comic Sans MS" pitchFamily="-107" charset="0"/>
-              </a:rPr>
-              <a:t>, </a:t>
-            </a:r>
-            <a:r>
-              <a:rPr lang="en-US" sz="5400" dirty="0" err="1">
-                <a:solidFill>
-                  <a:srgbClr val="0000FF"/>
-                </a:solidFill>
-                <a:latin typeface="Comic Sans MS" pitchFamily="-107" charset="0"/>
-                <a:ea typeface="Comic Sans MS" pitchFamily="-107" charset="0"/>
-                <a:cs typeface="Comic Sans MS" pitchFamily="-107" charset="0"/>
-                <a:sym typeface="Comic Sans MS" pitchFamily="-107" charset="0"/>
-              </a:rPr>
-              <a:t>rem</a:t>
-            </a:r>
-            <a:r>
-              <a:rPr lang="en-US" sz="5400" dirty="0" err="1" smtClean="0">
-                <a:solidFill>
-                  <a:srgbClr val="0000FF"/>
-                </a:solidFill>
-                <a:latin typeface="Comic Sans MS" pitchFamily="-107" charset="0"/>
-                <a:ea typeface="Comic Sans MS" pitchFamily="-107" charset="0"/>
-                <a:cs typeface="Comic Sans MS" pitchFamily="-107" charset="0"/>
-                <a:sym typeface="Comic Sans MS" pitchFamily="-107" charset="0"/>
-              </a:rPr>
-              <a:t>(a,b</a:t>
-            </a:r>
-            <a:r>
-              <a:rPr lang="en-US" sz="5400" dirty="0" smtClean="0">
-                <a:solidFill>
-                  <a:srgbClr val="0000FF"/>
-                </a:solidFill>
-                <a:latin typeface="Comic Sans MS" pitchFamily="-107" charset="0"/>
-                <a:ea typeface="Comic Sans MS" pitchFamily="-107" charset="0"/>
-                <a:cs typeface="Comic Sans MS" pitchFamily="-107" charset="0"/>
-                <a:sym typeface="Comic Sans MS" pitchFamily="-107" charset="0"/>
-              </a:rPr>
-              <a:t>))</a:t>
-            </a:r>
-            <a:endParaRPr lang="en-US" sz="4800" dirty="0" smtClean="0">
-              <a:solidFill>
-                <a:srgbClr val="0000FF"/>
               </a:solidFill>
               <a:latin typeface="Comic Sans MS" pitchFamily="-107" charset="0"/>
               <a:ea typeface="Comic Sans MS" pitchFamily="-107" charset="0"/>
@@ -5129,6 +7595,299 @@
               <a:ea typeface="Comic Sans MS" pitchFamily="-107" charset="0"/>
               <a:cs typeface="Comic Sans MS" pitchFamily="-107" charset="0"/>
               <a:sym typeface="Comic Sans MS" pitchFamily="-107" charset="0"/>
+            </a:endParaRPr>
+          </a:p>
+        </p:txBody>
+      </p:sp>
+      <p:sp>
+        <p:nvSpPr>
+          <p:cNvPr id="7" name="Rectangle 6"/>
+          <p:cNvSpPr>
+            <a:spLocks/>
+          </p:cNvSpPr>
+          <p:nvPr/>
+        </p:nvSpPr>
+        <p:spPr bwMode="auto">
+          <a:xfrm>
+            <a:off x="304800" y="762000"/>
+            <a:ext cx="8599259" cy="2477602"/>
+          </a:xfrm>
+          <a:prstGeom prst="rect">
+            <a:avLst/>
+          </a:prstGeom>
+          <a:noFill/>
+          <a:ln w="12700">
+            <a:noFill/>
+            <a:miter lim="800000"/>
+            <a:headEnd/>
+            <a:tailEnd/>
+          </a:ln>
+        </p:spPr>
+        <p:txBody>
+          <a:bodyPr wrap="none" lIns="38100" tIns="38100" rIns="38100" bIns="38100">
+            <a:prstTxWarp prst="textNoShape">
+              <a:avLst/>
+            </a:prstTxWarp>
+            <a:spAutoFit/>
+          </a:bodyPr>
+          <a:lstStyle/>
+          <a:p>
+            <a:r>
+              <a:rPr lang="en-US" dirty="0" smtClean="0">
+                <a:solidFill>
+                  <a:schemeClr val="tx1"/>
+                </a:solidFill>
+                <a:latin typeface="Comic Sans MS" pitchFamily="-107" charset="0"/>
+                <a:ea typeface="Comic Sans MS" pitchFamily="-107" charset="0"/>
+                <a:cs typeface="Comic Sans MS" pitchFamily="-107" charset="0"/>
+                <a:sym typeface="Comic Sans MS" pitchFamily="-107" charset="0"/>
+              </a:rPr>
+              <a:t>Lemma</a:t>
+            </a:r>
+            <a:r>
+              <a:rPr lang="en-US" dirty="0">
+                <a:solidFill>
+                  <a:schemeClr val="tx1"/>
+                </a:solidFill>
+                <a:latin typeface="Comic Sans MS" pitchFamily="-107" charset="0"/>
+                <a:ea typeface="Comic Sans MS" pitchFamily="-107" charset="0"/>
+                <a:cs typeface="Comic Sans MS" pitchFamily="-107" charset="0"/>
+                <a:sym typeface="Comic Sans MS" pitchFamily="-107" charset="0"/>
+              </a:rPr>
+              <a:t>:</a:t>
+            </a:r>
+            <a:r>
+              <a:rPr lang="en-US" sz="5400" dirty="0" smtClean="0">
+                <a:solidFill>
+                  <a:srgbClr val="00CC00"/>
+                </a:solidFill>
+                <a:latin typeface="Comic Sans MS" pitchFamily="-107" charset="0"/>
+                <a:ea typeface="Comic Sans MS" pitchFamily="-107" charset="0"/>
+                <a:cs typeface="Comic Sans MS" pitchFamily="-107" charset="0"/>
+                <a:sym typeface="Comic Sans MS" pitchFamily="-107" charset="0"/>
+              </a:rPr>
+              <a:t> </a:t>
+            </a:r>
+            <a:endParaRPr lang="en-US" sz="5400" dirty="0" smtClean="0">
+              <a:solidFill>
+                <a:srgbClr val="0000FF"/>
+              </a:solidFill>
+              <a:latin typeface="Comic Sans MS" pitchFamily="-107" charset="0"/>
+              <a:ea typeface="Comic Sans MS" pitchFamily="-107" charset="0"/>
+              <a:cs typeface="Comic Sans MS" pitchFamily="-107" charset="0"/>
+              <a:sym typeface="Comic Sans MS" pitchFamily="-107" charset="0"/>
+            </a:endParaRPr>
+          </a:p>
+          <a:p>
+            <a:pPr algn="l"/>
+            <a:r>
+              <a:rPr lang="en-US" sz="5400" dirty="0" err="1" smtClean="0">
+                <a:solidFill>
+                  <a:srgbClr val="0000FF"/>
+                </a:solidFill>
+                <a:latin typeface="Comic Sans MS" pitchFamily="-107" charset="0"/>
+                <a:ea typeface="Comic Sans MS" pitchFamily="-107" charset="0"/>
+                <a:cs typeface="Comic Sans MS" pitchFamily="-107" charset="0"/>
+                <a:sym typeface="Comic Sans MS" pitchFamily="-107" charset="0"/>
+              </a:rPr>
+              <a:t>gcd</a:t>
+            </a:r>
+            <a:r>
+              <a:rPr lang="en-US" sz="5400" dirty="0" smtClean="0">
+                <a:solidFill>
+                  <a:srgbClr val="0000FF"/>
+                </a:solidFill>
+                <a:latin typeface="Comic Sans MS" pitchFamily="-107" charset="0"/>
+                <a:ea typeface="Comic Sans MS" pitchFamily="-107" charset="0"/>
+                <a:cs typeface="Comic Sans MS" pitchFamily="-107" charset="0"/>
+                <a:sym typeface="Comic Sans MS" pitchFamily="-107" charset="0"/>
+              </a:rPr>
+              <a:t>(</a:t>
+            </a:r>
+            <a:r>
+              <a:rPr lang="en-US" sz="5400" dirty="0" err="1" smtClean="0">
+                <a:solidFill>
+                  <a:srgbClr val="0000FF"/>
+                </a:solidFill>
+                <a:latin typeface="Comic Sans MS" pitchFamily="-107" charset="0"/>
+                <a:ea typeface="Comic Sans MS" pitchFamily="-107" charset="0"/>
+                <a:cs typeface="Comic Sans MS" pitchFamily="-107" charset="0"/>
+                <a:sym typeface="Comic Sans MS" pitchFamily="-107" charset="0"/>
+              </a:rPr>
+              <a:t>a,b</a:t>
+            </a:r>
+            <a:r>
+              <a:rPr lang="en-US" sz="5400" dirty="0" smtClean="0">
+                <a:solidFill>
+                  <a:srgbClr val="0000FF"/>
+                </a:solidFill>
+                <a:latin typeface="Comic Sans MS" pitchFamily="-107" charset="0"/>
+                <a:ea typeface="Comic Sans MS" pitchFamily="-107" charset="0"/>
+                <a:cs typeface="Comic Sans MS" pitchFamily="-107" charset="0"/>
+                <a:sym typeface="Comic Sans MS" pitchFamily="-107" charset="0"/>
+              </a:rPr>
+              <a:t>) </a:t>
+            </a:r>
+            <a:r>
+              <a:rPr lang="en-US" sz="5400" dirty="0">
+                <a:solidFill>
+                  <a:srgbClr val="0000FF"/>
+                </a:solidFill>
+                <a:latin typeface="Comic Sans MS" pitchFamily="-107" charset="0"/>
+                <a:ea typeface="Comic Sans MS" pitchFamily="-107" charset="0"/>
+                <a:cs typeface="Comic Sans MS" pitchFamily="-107" charset="0"/>
+                <a:sym typeface="Comic Sans MS" pitchFamily="-107" charset="0"/>
+              </a:rPr>
+              <a:t>= </a:t>
+            </a:r>
+            <a:r>
+              <a:rPr lang="en-US" sz="5400" dirty="0" err="1">
+                <a:solidFill>
+                  <a:srgbClr val="0000FF"/>
+                </a:solidFill>
+                <a:latin typeface="Comic Sans MS" pitchFamily="-107" charset="0"/>
+                <a:ea typeface="Comic Sans MS" pitchFamily="-107" charset="0"/>
+                <a:cs typeface="Comic Sans MS" pitchFamily="-107" charset="0"/>
+                <a:sym typeface="Comic Sans MS" pitchFamily="-107" charset="0"/>
+              </a:rPr>
+              <a:t>gcd</a:t>
+            </a:r>
+            <a:r>
+              <a:rPr lang="en-US" sz="5400" dirty="0" smtClean="0">
+                <a:solidFill>
+                  <a:srgbClr val="0000FF"/>
+                </a:solidFill>
+                <a:latin typeface="Comic Sans MS" pitchFamily="-107" charset="0"/>
+                <a:ea typeface="Comic Sans MS" pitchFamily="-107" charset="0"/>
+                <a:cs typeface="Comic Sans MS" pitchFamily="-107" charset="0"/>
+                <a:sym typeface="Comic Sans MS" pitchFamily="-107" charset="0"/>
+              </a:rPr>
+              <a:t>(b, </a:t>
+            </a:r>
+            <a:r>
+              <a:rPr lang="en-US" sz="5400" dirty="0">
+                <a:solidFill>
+                  <a:srgbClr val="0000FF"/>
+                </a:solidFill>
+                <a:latin typeface="Comic Sans MS" pitchFamily="-107" charset="0"/>
+                <a:ea typeface="Comic Sans MS" pitchFamily="-107" charset="0"/>
+                <a:cs typeface="Comic Sans MS" pitchFamily="-107" charset="0"/>
+                <a:sym typeface="Comic Sans MS" pitchFamily="-107" charset="0"/>
+              </a:rPr>
+              <a:t>rem</a:t>
+            </a:r>
+            <a:r>
+              <a:rPr lang="en-US" sz="5400" dirty="0" smtClean="0">
+                <a:solidFill>
+                  <a:srgbClr val="0000FF"/>
+                </a:solidFill>
+                <a:latin typeface="Comic Sans MS" pitchFamily="-107" charset="0"/>
+                <a:ea typeface="Comic Sans MS" pitchFamily="-107" charset="0"/>
+                <a:cs typeface="Comic Sans MS" pitchFamily="-107" charset="0"/>
+                <a:sym typeface="Comic Sans MS" pitchFamily="-107" charset="0"/>
+              </a:rPr>
+              <a:t>(</a:t>
+            </a:r>
+            <a:r>
+              <a:rPr lang="en-US" sz="5400" dirty="0" err="1" smtClean="0">
+                <a:solidFill>
+                  <a:srgbClr val="0000FF"/>
+                </a:solidFill>
+                <a:latin typeface="Comic Sans MS" pitchFamily="-107" charset="0"/>
+                <a:ea typeface="Comic Sans MS" pitchFamily="-107" charset="0"/>
+                <a:cs typeface="Comic Sans MS" pitchFamily="-107" charset="0"/>
+                <a:sym typeface="Comic Sans MS" pitchFamily="-107" charset="0"/>
+              </a:rPr>
+              <a:t>a,b</a:t>
+            </a:r>
+            <a:r>
+              <a:rPr lang="en-US" sz="5400" dirty="0" smtClean="0">
+                <a:solidFill>
+                  <a:srgbClr val="0000FF"/>
+                </a:solidFill>
+                <a:latin typeface="Comic Sans MS" pitchFamily="-107" charset="0"/>
+                <a:ea typeface="Comic Sans MS" pitchFamily="-107" charset="0"/>
+                <a:cs typeface="Comic Sans MS" pitchFamily="-107" charset="0"/>
+                <a:sym typeface="Comic Sans MS" pitchFamily="-107" charset="0"/>
+              </a:rPr>
+              <a:t>)</a:t>
+            </a:r>
+            <a:r>
+              <a:rPr lang="en-US" sz="5400" dirty="0" smtClean="0">
+                <a:solidFill>
+                  <a:srgbClr val="0000FF"/>
+                </a:solidFill>
+                <a:latin typeface="Comic Sans MS" pitchFamily="-107" charset="0"/>
+                <a:ea typeface="Comic Sans MS" pitchFamily="-107" charset="0"/>
+                <a:cs typeface="Comic Sans MS" pitchFamily="-107" charset="0"/>
+                <a:sym typeface="Comic Sans MS" pitchFamily="-107" charset="0"/>
+              </a:rPr>
+              <a:t>)</a:t>
+            </a:r>
+            <a:endParaRPr lang="en-US" sz="5400" dirty="0">
+              <a:solidFill>
+                <a:srgbClr val="0000FF"/>
+              </a:solidFill>
+              <a:latin typeface="Comic Sans MS" pitchFamily="-107" charset="0"/>
+              <a:ea typeface="Comic Sans MS" pitchFamily="-107" charset="0"/>
+              <a:cs typeface="Comic Sans MS" pitchFamily="-107" charset="0"/>
+              <a:sym typeface="Comic Sans MS" pitchFamily="-107" charset="0"/>
+            </a:endParaRPr>
+          </a:p>
+          <a:p>
+            <a:r>
+              <a:rPr lang="en-US" sz="4800" dirty="0">
+                <a:latin typeface="Comic Sans MS" pitchFamily="-107" charset="0"/>
+                <a:ea typeface="Comic Sans MS" pitchFamily="-107" charset="0"/>
+                <a:cs typeface="Comic Sans MS" pitchFamily="-107" charset="0"/>
+                <a:sym typeface="Comic Sans MS" pitchFamily="-107" charset="0"/>
+              </a:rPr>
+              <a:t>for </a:t>
+            </a:r>
+            <a:r>
+              <a:rPr lang="en-US" sz="4800" dirty="0">
+                <a:solidFill>
+                  <a:srgbClr val="0000FF"/>
+                </a:solidFill>
+                <a:latin typeface="Comic Sans MS" pitchFamily="-107" charset="0"/>
+                <a:ea typeface="Comic Sans MS" pitchFamily="-107" charset="0"/>
+                <a:cs typeface="Comic Sans MS" pitchFamily="-107" charset="0"/>
+                <a:sym typeface="Comic Sans MS" pitchFamily="-107" charset="0"/>
+              </a:rPr>
+              <a:t>b </a:t>
+            </a:r>
+            <a:r>
+              <a:rPr lang="en-US" sz="4800" dirty="0">
+                <a:solidFill>
+                  <a:srgbClr val="0000FF"/>
+                </a:solidFill>
+                <a:latin typeface="Euclid Symbol" pitchFamily="-107" charset="2"/>
+                <a:ea typeface="Euclid Symbol" pitchFamily="-107" charset="2"/>
+                <a:cs typeface="Euclid Symbol" pitchFamily="-107" charset="2"/>
+                <a:sym typeface="Helvetica" pitchFamily="-107" charset="0"/>
+              </a:rPr>
+              <a:t>≠</a:t>
+            </a:r>
+            <a:r>
+              <a:rPr lang="en-US" sz="4800" dirty="0">
+                <a:solidFill>
+                  <a:srgbClr val="0000FF"/>
+                </a:solidFill>
+                <a:latin typeface="Comic Sans MS" pitchFamily="-107" charset="0"/>
+                <a:ea typeface="Comic Sans MS" pitchFamily="-107" charset="0"/>
+                <a:cs typeface="Comic Sans MS" pitchFamily="-107" charset="0"/>
+                <a:sym typeface="Comic Sans MS" pitchFamily="-107" charset="0"/>
+              </a:rPr>
+              <a:t> 0</a:t>
+            </a:r>
+            <a:endParaRPr lang="en-US" sz="4800" dirty="0" smtClean="0">
+              <a:solidFill>
+                <a:srgbClr val="0000FF"/>
+              </a:solidFill>
+              <a:latin typeface="Comic Sans MS" pitchFamily="-107" charset="0"/>
+              <a:ea typeface="Comic Sans MS" pitchFamily="-107" charset="0"/>
+              <a:cs typeface="Comic Sans MS" pitchFamily="-107" charset="0"/>
+              <a:sym typeface="Times New Roman" pitchFamily="-107" charset="0"/>
             </a:endParaRPr>
           </a:p>
         </p:txBody>
@@ -6051,7 +8810,7 @@
           <p:nvPr/>
         </p:nvPicPr>
         <p:blipFill>
-          <a:blip r:embed="rId3"/>
+          <a:blip r:embed="rId4"/>
           <a:srcRect/>
           <a:stretch>
             <a:fillRect/>
@@ -6148,12 +8907,12 @@
           <a:graphicData uri="http://schemas.openxmlformats.org/presentationml/2006/ole">
             <mc:AlternateContent xmlns:mc="http://schemas.openxmlformats.org/markup-compatibility/2006">
               <mc:Choice xmlns:v="urn:schemas-microsoft-com:vml" Requires="v">
-                <p:oleObj spid="_x0000_s34890" name="Equation" r:id="rId4" imgW="431800" imgH="165100" progId="Equation.DSMT4">
+                <p:oleObj spid="_x0000_s34898" name="Equation" r:id="rId5" imgW="431800" imgH="165100" progId="Equation.DSMT4">
                   <p:embed/>
                 </p:oleObj>
               </mc:Choice>
               <mc:Fallback>
-                <p:oleObj name="Equation" r:id="rId4" imgW="431800" imgH="165100" progId="Equation.DSMT4">
+                <p:oleObj name="Equation" r:id="rId5" imgW="431800" imgH="165100" progId="Equation.DSMT4">
                   <p:embed/>
                   <p:pic>
                     <p:nvPicPr>
@@ -6164,7 +8923,7 @@
                       <p:nvPr/>
                     </p:nvPicPr>
                     <p:blipFill>
-                      <a:blip r:embed="rId5">
+                      <a:blip r:embed="rId6">
                         <a:extLst>
                           <a:ext uri="{28A0092B-C50C-407E-A947-70E740481C1C}">
                             <a14:useLocalDpi xmlns:a14="http://schemas.microsoft.com/office/drawing/2010/main" val="0"/>
@@ -6584,1234 +9343,6 @@
 </file>
 
 <file path=ppt/slides/slide6.xml><?xml version="1.0" encoding="utf-8"?>
-<p:sld xmlns:a="http://schemas.openxmlformats.org/drawingml/2006/main" xmlns:r="http://schemas.openxmlformats.org/officeDocument/2006/relationships" xmlns:p="http://schemas.openxmlformats.org/presentationml/2006/main" showMasterPhAnim="0" show="0">
-  <p:cSld>
-    <p:spTree>
-      <p:nvGrpSpPr>
-        <p:cNvPr id="1" name=""/>
-        <p:cNvGrpSpPr/>
-        <p:nvPr/>
-      </p:nvGrpSpPr>
-      <p:grpSpPr>
-        <a:xfrm>
-          <a:off x="0" y="0"/>
-          <a:ext cx="0" cy="0"/>
-          <a:chOff x="0" y="0"/>
-          <a:chExt cx="0" cy="0"/>
-        </a:xfrm>
-      </p:grpSpPr>
-      <p:sp>
-        <p:nvSpPr>
-          <p:cNvPr id="44034" name="Rectangle 4"/>
-          <p:cNvSpPr>
-            <a:spLocks noGrp="1" noChangeArrowheads="1"/>
-          </p:cNvSpPr>
-          <p:nvPr>
-            <p:ph type="title"/>
-          </p:nvPr>
-        </p:nvSpPr>
-        <p:spPr bwMode="auto">
-          <a:noFill/>
-          <a:ln>
-            <a:miter lim="800000"/>
-            <a:headEnd/>
-            <a:tailEnd/>
-          </a:ln>
-        </p:spPr>
-        <p:txBody>
-          <a:bodyPr wrap="square" lIns="91440" tIns="45720" rIns="91440" bIns="45720" numCol="1" anchor="t" anchorCtr="0" compatLnSpc="1">
-            <a:prstTxWarp prst="textNoShape">
-              <a:avLst/>
-            </a:prstTxWarp>
-          </a:bodyPr>
-          <a:lstStyle/>
-          <a:p>
-            <a:pPr eaLnBrk="1" hangingPunct="1"/>
-            <a:r>
-              <a:rPr lang="en-US"/>
-              <a:t>GCD correctness</a:t>
-            </a:r>
-          </a:p>
-        </p:txBody>
-      </p:sp>
-      <p:sp>
-        <p:nvSpPr>
-          <p:cNvPr id="35845" name="Rectangle 5"/>
-          <p:cNvSpPr>
-            <a:spLocks noGrp="1" noChangeArrowheads="1"/>
-          </p:cNvSpPr>
-          <p:nvPr>
-            <p:ph idx="1"/>
-          </p:nvPr>
-        </p:nvSpPr>
-        <p:spPr bwMode="auto">
-          <a:xfrm>
-            <a:off x="215900" y="1016000"/>
-            <a:ext cx="8686800" cy="5041900"/>
-          </a:xfrm>
-          <a:noFill/>
-          <a:ln>
-            <a:miter lim="800000"/>
-            <a:headEnd/>
-            <a:tailEnd/>
-          </a:ln>
-        </p:spPr>
-        <p:txBody>
-          <a:bodyPr wrap="square" lIns="91440" tIns="45720" rIns="91440" bIns="45720" numCol="1" anchor="t" anchorCtr="0" compatLnSpc="1">
-            <a:prstTxWarp prst="textNoShape">
-              <a:avLst/>
-            </a:prstTxWarp>
-          </a:bodyPr>
-          <a:lstStyle/>
-          <a:p>
-            <a:pPr marL="571500" indent="-571500" eaLnBrk="1" hangingPunct="1">
-              <a:lnSpc>
-                <a:spcPct val="90000"/>
-              </a:lnSpc>
-              <a:spcBef>
-                <a:spcPct val="0"/>
-              </a:spcBef>
-            </a:pPr>
-            <a:r>
-              <a:rPr lang="en-US">
-                <a:solidFill>
-                  <a:srgbClr val="3333CC"/>
-                </a:solidFill>
-              </a:rPr>
-              <a:t>Euclidean Algorithm --</a:t>
-            </a:r>
-            <a:r>
-              <a:rPr lang="en-US"/>
-              <a:t>for</a:t>
-            </a:r>
-            <a:r>
-              <a:rPr lang="en-US">
-                <a:solidFill>
-                  <a:srgbClr val="3333CC"/>
-                </a:solidFill>
-              </a:rPr>
-              <a:t> </a:t>
-            </a:r>
-            <a:r>
-              <a:rPr lang="en-US"/>
-              <a:t>GCD(a, b)</a:t>
-            </a:r>
-          </a:p>
-          <a:p>
-            <a:pPr marL="571500" indent="-571500" eaLnBrk="1" hangingPunct="1">
-              <a:lnSpc>
-                <a:spcPct val="90000"/>
-              </a:lnSpc>
-              <a:spcBef>
-                <a:spcPts val="1100"/>
-              </a:spcBef>
-            </a:pPr>
-            <a:r>
-              <a:rPr lang="en-US" sz="4400"/>
-              <a:t>x := a,   y := b. </a:t>
-            </a:r>
-            <a:endParaRPr lang="en-US"/>
-          </a:p>
-          <a:p>
-            <a:pPr marL="571500" indent="-571500" eaLnBrk="1" hangingPunct="1">
-              <a:lnSpc>
-                <a:spcPct val="90000"/>
-              </a:lnSpc>
-              <a:spcBef>
-                <a:spcPts val="1100"/>
-              </a:spcBef>
-            </a:pPr>
-            <a:r>
-              <a:rPr lang="en-US" sz="4400"/>
-              <a:t>If y = 0, return x &amp; terminate; </a:t>
-            </a:r>
-            <a:endParaRPr lang="en-US"/>
-          </a:p>
-          <a:p>
-            <a:pPr marL="571500" indent="-571500" eaLnBrk="1" hangingPunct="1">
-              <a:lnSpc>
-                <a:spcPct val="90000"/>
-              </a:lnSpc>
-              <a:spcBef>
-                <a:spcPts val="1100"/>
-              </a:spcBef>
-            </a:pPr>
-            <a:r>
-              <a:rPr lang="en-US" sz="4400"/>
-              <a:t>else (x, y) := (y, rem(x,y))          simultaneously;</a:t>
-            </a:r>
-            <a:endParaRPr lang="en-US"/>
-          </a:p>
-          <a:p>
-            <a:pPr marL="571500" indent="-571500" eaLnBrk="1" hangingPunct="1">
-              <a:lnSpc>
-                <a:spcPct val="90000"/>
-              </a:lnSpc>
-              <a:spcBef>
-                <a:spcPts val="1100"/>
-              </a:spcBef>
-            </a:pPr>
-            <a:r>
-              <a:rPr lang="en-US" sz="4400"/>
-              <a:t>Go to step 2.</a:t>
-            </a:r>
-          </a:p>
-        </p:txBody>
-      </p:sp>
-      <p:pic>
-        <p:nvPicPr>
-          <p:cNvPr id="44036" name="Picture 1"/>
-          <p:cNvPicPr>
-            <a:picLocks noChangeAspect="1" noChangeArrowheads="1"/>
-          </p:cNvPicPr>
-          <p:nvPr/>
-        </p:nvPicPr>
-        <p:blipFill>
-          <a:blip r:embed="rId2"/>
-          <a:srcRect/>
-          <a:stretch>
-            <a:fillRect/>
-          </a:stretch>
-        </p:blipFill>
-        <p:spPr bwMode="auto">
-          <a:xfrm>
-            <a:off x="304800" y="152400"/>
-            <a:ext cx="762000" cy="754063"/>
-          </a:xfrm>
-          <a:prstGeom prst="rect">
-            <a:avLst/>
-          </a:prstGeom>
-          <a:noFill/>
-          <a:ln w="9525">
-            <a:noFill/>
-            <a:miter lim="800000"/>
-            <a:headEnd/>
-            <a:tailEnd/>
-          </a:ln>
-        </p:spPr>
-      </p:pic>
-      <p:sp>
-        <p:nvSpPr>
-          <p:cNvPr id="44037" name="Text Box 1"/>
-          <p:cNvSpPr>
-            <a:spLocks noGrp="1" noChangeArrowheads="1"/>
-          </p:cNvSpPr>
-          <p:nvPr>
-            <p:ph type="sldNum" sz="quarter" idx="4"/>
-          </p:nvPr>
-        </p:nvSpPr>
-        <p:spPr>
-          <a:xfrm>
-            <a:off x="7772400" y="6553200"/>
-            <a:ext cx="1295400" cy="304800"/>
-          </a:xfrm>
-          <a:noFill/>
-        </p:spPr>
-        <p:txBody>
-          <a:bodyPr/>
-          <a:lstStyle/>
-          <a:p>
-            <a:r>
-              <a:rPr lang="en-US" dirty="0" err="1" smtClean="0">
-                <a:latin typeface="Comic Sans MS" pitchFamily="-107" charset="0"/>
-                <a:ea typeface="Comic Sans MS" pitchFamily="-107" charset="0"/>
-                <a:cs typeface="Comic Sans MS" pitchFamily="-107" charset="0"/>
-                <a:sym typeface="Comic Sans MS" pitchFamily="-107" charset="0"/>
-              </a:rPr>
-              <a:t>gcdeuclid</a:t>
-            </a:r>
-            <a:r>
-              <a:rPr lang="en-US" dirty="0" smtClean="0">
-                <a:latin typeface="Comic Sans MS" pitchFamily="-107" charset="0"/>
-                <a:ea typeface="Comic Sans MS" pitchFamily="-107" charset="0"/>
-                <a:cs typeface="Comic Sans MS" pitchFamily="-107" charset="0"/>
-                <a:sym typeface="Comic Sans MS" pitchFamily="-107" charset="0"/>
-              </a:rPr>
-              <a:t>.</a:t>
-            </a:r>
-            <a:fld id="{5F483A26-C920-6341-81B8-9D978E2A8540}" type="slidenum">
-              <a:rPr lang="en-US" smtClean="0">
-                <a:latin typeface="Comic Sans MS" pitchFamily="-107" charset="0"/>
-                <a:ea typeface="Comic Sans MS" pitchFamily="-107" charset="0"/>
-                <a:cs typeface="Comic Sans MS" pitchFamily="-107" charset="0"/>
-                <a:sym typeface="Comic Sans MS" pitchFamily="-107" charset="0"/>
-              </a:rPr>
-              <a:pPr/>
-              <a:t>6</a:t>
-            </a:fld>
-            <a:endParaRPr lang="en-US" dirty="0">
-              <a:latin typeface="Comic Sans MS" pitchFamily="-107" charset="0"/>
-              <a:ea typeface="Comic Sans MS" pitchFamily="-107" charset="0"/>
-              <a:cs typeface="Comic Sans MS" pitchFamily="-107" charset="0"/>
-              <a:sym typeface="Comic Sans MS" pitchFamily="-107" charset="0"/>
-            </a:endParaRPr>
-          </a:p>
-        </p:txBody>
-      </p:sp>
-    </p:spTree>
-  </p:cSld>
-  <p:clrMapOvr>
-    <a:masterClrMapping/>
-  </p:clrMapOvr>
-  <p:transition xmlns:p14="http://schemas.microsoft.com/office/powerpoint/2010/main" spd="slow" advClick="0">
-    <p:fade/>
-  </p:transition>
-  <p:timing>
-    <p:tnLst>
-      <p:par>
-        <p:cTn xmlns:p14="http://schemas.microsoft.com/office/powerpoint/2010/main" id="1" dur="indefinite" restart="never" nodeType="tmRoot">
-          <p:childTnLst>
-            <p:seq concurrent="1" nextAc="seek">
-              <p:cTn id="2" dur="indefinite" nodeType="mainSeq">
-                <p:childTnLst>
-                  <p:par>
-                    <p:cTn id="3" fill="hold">
-                      <p:stCondLst>
-                        <p:cond delay="indefinite"/>
-                      </p:stCondLst>
-                      <p:childTnLst>
-                        <p:par>
-                          <p:cTn id="4" fill="hold">
-                            <p:stCondLst>
-                              <p:cond delay="0"/>
-                            </p:stCondLst>
-                            <p:childTnLst>
-                              <p:par>
-                                <p:cTn id="5" presetID="1" presetClass="entr" presetSubtype="0" fill="hold" grpId="0" nodeType="clickEffect">
-                                  <p:stCondLst>
-                                    <p:cond delay="0"/>
-                                  </p:stCondLst>
-                                  <p:childTnLst>
-                                    <p:set>
-                                      <p:cBhvr>
-                                        <p:cTn id="6" dur="1" fill="hold">
-                                          <p:stCondLst>
-                                            <p:cond delay="499"/>
-                                          </p:stCondLst>
-                                        </p:cTn>
-                                        <p:tgtEl>
-                                          <p:spTgt spid="35845">
-                                            <p:txEl>
-                                              <p:pRg st="0" end="0"/>
-                                            </p:txEl>
-                                          </p:spTgt>
-                                        </p:tgtEl>
-                                        <p:attrNameLst>
-                                          <p:attrName>style.visibility</p:attrName>
-                                        </p:attrNameLst>
-                                      </p:cBhvr>
-                                      <p:to>
-                                        <p:strVal val="visible"/>
-                                      </p:to>
-                                    </p:set>
-                                  </p:childTnLst>
-                                </p:cTn>
-                              </p:par>
-                            </p:childTnLst>
-                          </p:cTn>
-                        </p:par>
-                      </p:childTnLst>
-                    </p:cTn>
-                  </p:par>
-                  <p:par>
-                    <p:cTn id="7" fill="hold">
-                      <p:stCondLst>
-                        <p:cond delay="indefinite"/>
-                      </p:stCondLst>
-                      <p:childTnLst>
-                        <p:par>
-                          <p:cTn id="8" fill="hold">
-                            <p:stCondLst>
-                              <p:cond delay="0"/>
-                            </p:stCondLst>
-                            <p:childTnLst>
-                              <p:par>
-                                <p:cTn id="9" presetID="1" presetClass="entr" presetSubtype="0" fill="hold" grpId="0" nodeType="clickEffect">
-                                  <p:stCondLst>
-                                    <p:cond delay="0"/>
-                                  </p:stCondLst>
-                                  <p:childTnLst>
-                                    <p:set>
-                                      <p:cBhvr>
-                                        <p:cTn id="10" dur="1" fill="hold">
-                                          <p:stCondLst>
-                                            <p:cond delay="499"/>
-                                          </p:stCondLst>
-                                        </p:cTn>
-                                        <p:tgtEl>
-                                          <p:spTgt spid="35845">
-                                            <p:txEl>
-                                              <p:pRg st="1" end="1"/>
-                                            </p:txEl>
-                                          </p:spTgt>
-                                        </p:tgtEl>
-                                        <p:attrNameLst>
-                                          <p:attrName>style.visibility</p:attrName>
-                                        </p:attrNameLst>
-                                      </p:cBhvr>
-                                      <p:to>
-                                        <p:strVal val="visible"/>
-                                      </p:to>
-                                    </p:set>
-                                  </p:childTnLst>
-                                </p:cTn>
-                              </p:par>
-                            </p:childTnLst>
-                          </p:cTn>
-                        </p:par>
-                      </p:childTnLst>
-                    </p:cTn>
-                  </p:par>
-                  <p:par>
-                    <p:cTn id="11" fill="hold">
-                      <p:stCondLst>
-                        <p:cond delay="indefinite"/>
-                      </p:stCondLst>
-                      <p:childTnLst>
-                        <p:par>
-                          <p:cTn id="12" fill="hold">
-                            <p:stCondLst>
-                              <p:cond delay="0"/>
-                            </p:stCondLst>
-                            <p:childTnLst>
-                              <p:par>
-                                <p:cTn id="13" presetID="1" presetClass="entr" presetSubtype="0" fill="hold" grpId="0" nodeType="clickEffect">
-                                  <p:stCondLst>
-                                    <p:cond delay="0"/>
-                                  </p:stCondLst>
-                                  <p:childTnLst>
-                                    <p:set>
-                                      <p:cBhvr>
-                                        <p:cTn id="14" dur="1" fill="hold">
-                                          <p:stCondLst>
-                                            <p:cond delay="499"/>
-                                          </p:stCondLst>
-                                        </p:cTn>
-                                        <p:tgtEl>
-                                          <p:spTgt spid="35845">
-                                            <p:txEl>
-                                              <p:pRg st="2" end="2"/>
-                                            </p:txEl>
-                                          </p:spTgt>
-                                        </p:tgtEl>
-                                        <p:attrNameLst>
-                                          <p:attrName>style.visibility</p:attrName>
-                                        </p:attrNameLst>
-                                      </p:cBhvr>
-                                      <p:to>
-                                        <p:strVal val="visible"/>
-                                      </p:to>
-                                    </p:set>
-                                  </p:childTnLst>
-                                </p:cTn>
-                              </p:par>
-                            </p:childTnLst>
-                          </p:cTn>
-                        </p:par>
-                      </p:childTnLst>
-                    </p:cTn>
-                  </p:par>
-                  <p:par>
-                    <p:cTn id="15" fill="hold">
-                      <p:stCondLst>
-                        <p:cond delay="indefinite"/>
-                      </p:stCondLst>
-                      <p:childTnLst>
-                        <p:par>
-                          <p:cTn id="16" fill="hold">
-                            <p:stCondLst>
-                              <p:cond delay="0"/>
-                            </p:stCondLst>
-                            <p:childTnLst>
-                              <p:par>
-                                <p:cTn id="17" presetID="1" presetClass="entr" presetSubtype="0" fill="hold" grpId="0" nodeType="clickEffect">
-                                  <p:stCondLst>
-                                    <p:cond delay="0"/>
-                                  </p:stCondLst>
-                                  <p:childTnLst>
-                                    <p:set>
-                                      <p:cBhvr>
-                                        <p:cTn id="18" dur="1" fill="hold">
-                                          <p:stCondLst>
-                                            <p:cond delay="499"/>
-                                          </p:stCondLst>
-                                        </p:cTn>
-                                        <p:tgtEl>
-                                          <p:spTgt spid="35845">
-                                            <p:txEl>
-                                              <p:pRg st="3" end="3"/>
-                                            </p:txEl>
-                                          </p:spTgt>
-                                        </p:tgtEl>
-                                        <p:attrNameLst>
-                                          <p:attrName>style.visibility</p:attrName>
-                                        </p:attrNameLst>
-                                      </p:cBhvr>
-                                      <p:to>
-                                        <p:strVal val="visible"/>
-                                      </p:to>
-                                    </p:set>
-                                  </p:childTnLst>
-                                </p:cTn>
-                              </p:par>
-                            </p:childTnLst>
-                          </p:cTn>
-                        </p:par>
-                      </p:childTnLst>
-                    </p:cTn>
-                  </p:par>
-                  <p:par>
-                    <p:cTn id="19" fill="hold">
-                      <p:stCondLst>
-                        <p:cond delay="indefinite"/>
-                      </p:stCondLst>
-                      <p:childTnLst>
-                        <p:par>
-                          <p:cTn id="20" fill="hold">
-                            <p:stCondLst>
-                              <p:cond delay="0"/>
-                            </p:stCondLst>
-                            <p:childTnLst>
-                              <p:par>
-                                <p:cTn id="21" presetID="1" presetClass="entr" presetSubtype="0" fill="hold" grpId="0" nodeType="clickEffect">
-                                  <p:stCondLst>
-                                    <p:cond delay="0"/>
-                                  </p:stCondLst>
-                                  <p:childTnLst>
-                                    <p:set>
-                                      <p:cBhvr>
-                                        <p:cTn id="22" dur="1" fill="hold">
-                                          <p:stCondLst>
-                                            <p:cond delay="499"/>
-                                          </p:stCondLst>
-                                        </p:cTn>
-                                        <p:tgtEl>
-                                          <p:spTgt spid="35845">
-                                            <p:txEl>
-                                              <p:pRg st="4" end="4"/>
-                                            </p:txEl>
-                                          </p:spTgt>
-                                        </p:tgtEl>
-                                        <p:attrNameLst>
-                                          <p:attrName>style.visibility</p:attrName>
-                                        </p:attrNameLst>
-                                      </p:cBhvr>
-                                      <p:to>
-                                        <p:strVal val="visible"/>
-                                      </p:to>
-                                    </p:set>
-                                  </p:childTnLst>
-                                </p:cTn>
-                              </p:par>
-                            </p:childTnLst>
-                          </p:cTn>
-                        </p:par>
-                      </p:childTnLst>
-                    </p:cTn>
-                  </p:par>
-                </p:childTnLst>
-              </p:cTn>
-              <p:prevCondLst>
-                <p:cond evt="onPrev" delay="0">
-                  <p:tgtEl>
-                    <p:sldTgt/>
-                  </p:tgtEl>
-                </p:cond>
-              </p:prevCondLst>
-              <p:nextCondLst>
-                <p:cond evt="onNext" delay="0">
-                  <p:tgtEl>
-                    <p:sldTgt/>
-                  </p:tgtEl>
-                </p:cond>
-              </p:nextCondLst>
-            </p:seq>
-          </p:childTnLst>
-        </p:cTn>
-      </p:par>
-    </p:tnLst>
-    <p:bldLst>
-      <p:bldP spid="35845" grpId="0" build="p" autoUpdateAnimBg="0"/>
-    </p:bldLst>
-  </p:timing>
-</p:sld>
-</file>
-
-<file path=ppt/slides/slide7.xml><?xml version="1.0" encoding="utf-8"?>
-<p:sld xmlns:a="http://schemas.openxmlformats.org/drawingml/2006/main" xmlns:r="http://schemas.openxmlformats.org/officeDocument/2006/relationships" xmlns:p="http://schemas.openxmlformats.org/presentationml/2006/main" showMasterPhAnim="0" show="0">
-  <p:cSld>
-    <p:spTree>
-      <p:nvGrpSpPr>
-        <p:cNvPr id="1" name=""/>
-        <p:cNvGrpSpPr/>
-        <p:nvPr/>
-      </p:nvGrpSpPr>
-      <p:grpSpPr>
-        <a:xfrm>
-          <a:off x="0" y="0"/>
-          <a:ext cx="0" cy="0"/>
-          <a:chOff x="0" y="0"/>
-          <a:chExt cx="0" cy="0"/>
-        </a:xfrm>
-      </p:grpSpPr>
-      <p:sp>
-        <p:nvSpPr>
-          <p:cNvPr id="45058" name="Rectangle 4"/>
-          <p:cNvSpPr>
-            <a:spLocks noGrp="1" noChangeArrowheads="1"/>
-          </p:cNvSpPr>
-          <p:nvPr>
-            <p:ph type="title"/>
-          </p:nvPr>
-        </p:nvSpPr>
-        <p:spPr bwMode="auto">
-          <a:xfrm>
-            <a:off x="2362200" y="152400"/>
-            <a:ext cx="4419600" cy="1143000"/>
-          </a:xfrm>
-          <a:noFill/>
-          <a:ln>
-            <a:miter lim="800000"/>
-            <a:headEnd/>
-            <a:tailEnd/>
-          </a:ln>
-        </p:spPr>
-        <p:txBody>
-          <a:bodyPr wrap="square" lIns="91440" tIns="45720" rIns="91440" bIns="45720" numCol="1" anchor="t" anchorCtr="0" compatLnSpc="1">
-            <a:prstTxWarp prst="textNoShape">
-              <a:avLst/>
-            </a:prstTxWarp>
-          </a:bodyPr>
-          <a:lstStyle/>
-          <a:p>
-            <a:pPr eaLnBrk="1" hangingPunct="1"/>
-            <a:r>
-              <a:rPr lang="en-US" sz="4400" dirty="0"/>
-              <a:t>GCD </a:t>
-            </a:r>
-            <a:r>
-              <a:rPr lang="en-US" sz="4400" dirty="0" smtClean="0"/>
-              <a:t>example</a:t>
-            </a:r>
-            <a:endParaRPr lang="en-US" sz="4400" dirty="0"/>
-          </a:p>
-        </p:txBody>
-      </p:sp>
-      <p:sp>
-        <p:nvSpPr>
-          <p:cNvPr id="36869" name="Rectangle 5"/>
-          <p:cNvSpPr>
-            <a:spLocks noGrp="1" noChangeArrowheads="1"/>
-          </p:cNvSpPr>
-          <p:nvPr>
-            <p:ph idx="1"/>
-          </p:nvPr>
-        </p:nvSpPr>
-        <p:spPr bwMode="auto">
-          <a:xfrm>
-            <a:off x="258763" y="1214438"/>
-            <a:ext cx="8651875" cy="5643562"/>
-          </a:xfrm>
-          <a:noFill/>
-          <a:ln>
-            <a:miter lim="800000"/>
-            <a:headEnd/>
-            <a:tailEnd/>
-          </a:ln>
-        </p:spPr>
-        <p:txBody>
-          <a:bodyPr wrap="square" lIns="91440" tIns="45720" rIns="91440" bIns="45720" numCol="1" anchor="t" anchorCtr="0" compatLnSpc="1">
-            <a:prstTxWarp prst="textNoShape">
-              <a:avLst/>
-            </a:prstTxWarp>
-          </a:bodyPr>
-          <a:lstStyle/>
-          <a:p>
-            <a:pPr marL="304800" indent="-304800" eaLnBrk="1" hangingPunct="1">
-              <a:spcBef>
-                <a:spcPct val="0"/>
-              </a:spcBef>
-            </a:pPr>
-            <a:r>
-              <a:rPr lang="en-US" sz="3600" dirty="0"/>
-              <a:t>Example: GCD(662,414)</a:t>
-            </a:r>
-            <a:endParaRPr lang="en-US" dirty="0"/>
-          </a:p>
-          <a:p>
-            <a:pPr marL="304800" indent="-304800" eaLnBrk="1" hangingPunct="1">
-              <a:spcBef>
-                <a:spcPts val="800"/>
-              </a:spcBef>
-            </a:pPr>
-            <a:r>
-              <a:rPr lang="en-US" sz="3200" dirty="0"/>
-              <a:t>= GCD(414, 248)  since rem(662,414) = 248</a:t>
-            </a:r>
-            <a:endParaRPr lang="en-US" dirty="0"/>
-          </a:p>
-          <a:p>
-            <a:pPr marL="304800" indent="-304800" eaLnBrk="1" hangingPunct="1">
-              <a:spcBef>
-                <a:spcPts val="800"/>
-              </a:spcBef>
-            </a:pPr>
-            <a:r>
-              <a:rPr lang="en-US" sz="3200" dirty="0"/>
-              <a:t>= GCD(248, 166)  since rem(414,248) = 166</a:t>
-            </a:r>
-            <a:endParaRPr lang="en-US" dirty="0"/>
-          </a:p>
-          <a:p>
-            <a:pPr marL="304800" indent="-304800" eaLnBrk="1" hangingPunct="1">
-              <a:spcBef>
-                <a:spcPts val="800"/>
-              </a:spcBef>
-            </a:pPr>
-            <a:r>
-              <a:rPr lang="en-US" sz="3200" dirty="0"/>
-              <a:t>= GCD(166, 82)    since rem(248,166) =   82</a:t>
-            </a:r>
-            <a:endParaRPr lang="en-US" dirty="0"/>
-          </a:p>
-          <a:p>
-            <a:pPr marL="304800" indent="-304800" eaLnBrk="1" hangingPunct="1">
-              <a:spcBef>
-                <a:spcPts val="800"/>
-              </a:spcBef>
-            </a:pPr>
-            <a:r>
-              <a:rPr lang="en-US" sz="3200" dirty="0"/>
-              <a:t>= GCD(82, 2)       since rem(166,82)   =     2</a:t>
-            </a:r>
-            <a:endParaRPr lang="en-US" dirty="0"/>
-          </a:p>
-          <a:p>
-            <a:pPr marL="304800" indent="-304800" eaLnBrk="1" hangingPunct="1">
-              <a:spcBef>
-                <a:spcPts val="800"/>
-              </a:spcBef>
-            </a:pPr>
-            <a:r>
-              <a:rPr lang="en-US" sz="3200" dirty="0"/>
-              <a:t>= GCD(2, 0)         since rem(82,2)       =     0</a:t>
-            </a:r>
-            <a:endParaRPr lang="en-US" dirty="0"/>
-          </a:p>
-          <a:p>
-            <a:pPr marL="304800" indent="-304800" algn="ctr" eaLnBrk="1" hangingPunct="1"/>
-            <a:r>
-              <a:rPr lang="en-US" dirty="0">
-                <a:solidFill>
-                  <a:srgbClr val="3333CC"/>
-                </a:solidFill>
-              </a:rPr>
-              <a:t>return value: 2</a:t>
-            </a:r>
-          </a:p>
-        </p:txBody>
-      </p:sp>
-      <p:pic>
-        <p:nvPicPr>
-          <p:cNvPr id="45060" name="Picture 1"/>
-          <p:cNvPicPr>
-            <a:picLocks noChangeAspect="1" noChangeArrowheads="1"/>
-          </p:cNvPicPr>
-          <p:nvPr/>
-        </p:nvPicPr>
-        <p:blipFill>
-          <a:blip r:embed="rId2"/>
-          <a:srcRect/>
-          <a:stretch>
-            <a:fillRect/>
-          </a:stretch>
-        </p:blipFill>
-        <p:spPr bwMode="auto">
-          <a:xfrm>
-            <a:off x="304800" y="152400"/>
-            <a:ext cx="762000" cy="754063"/>
-          </a:xfrm>
-          <a:prstGeom prst="rect">
-            <a:avLst/>
-          </a:prstGeom>
-          <a:noFill/>
-          <a:ln w="9525">
-            <a:noFill/>
-            <a:miter lim="800000"/>
-            <a:headEnd/>
-            <a:tailEnd/>
-          </a:ln>
-        </p:spPr>
-      </p:pic>
-      <p:sp>
-        <p:nvSpPr>
-          <p:cNvPr id="45061" name="Text Box 1"/>
-          <p:cNvSpPr>
-            <a:spLocks noGrp="1" noChangeArrowheads="1"/>
-          </p:cNvSpPr>
-          <p:nvPr>
-            <p:ph type="sldNum" sz="quarter" idx="4"/>
-          </p:nvPr>
-        </p:nvSpPr>
-        <p:spPr>
-          <a:xfrm>
-            <a:off x="7772400" y="6553200"/>
-            <a:ext cx="1295400" cy="304800"/>
-          </a:xfrm>
-          <a:noFill/>
-        </p:spPr>
-        <p:txBody>
-          <a:bodyPr/>
-          <a:lstStyle/>
-          <a:p>
-            <a:r>
-              <a:rPr lang="en-US" dirty="0" err="1" smtClean="0">
-                <a:latin typeface="Comic Sans MS" pitchFamily="-107" charset="0"/>
-                <a:ea typeface="Comic Sans MS" pitchFamily="-107" charset="0"/>
-                <a:cs typeface="Comic Sans MS" pitchFamily="-107" charset="0"/>
-                <a:sym typeface="Comic Sans MS" pitchFamily="-107" charset="0"/>
-              </a:rPr>
-              <a:t>gcdeuclid</a:t>
-            </a:r>
-            <a:r>
-              <a:rPr lang="en-US" dirty="0" smtClean="0">
-                <a:latin typeface="Comic Sans MS" pitchFamily="-107" charset="0"/>
-                <a:ea typeface="Comic Sans MS" pitchFamily="-107" charset="0"/>
-                <a:cs typeface="Comic Sans MS" pitchFamily="-107" charset="0"/>
-                <a:sym typeface="Comic Sans MS" pitchFamily="-107" charset="0"/>
-              </a:rPr>
-              <a:t>.</a:t>
-            </a:r>
-            <a:fld id="{9CFBFBC5-66C3-814E-BB53-62E87599AD47}" type="slidenum">
-              <a:rPr lang="en-US" smtClean="0">
-                <a:latin typeface="Comic Sans MS" pitchFamily="-107" charset="0"/>
-                <a:ea typeface="Comic Sans MS" pitchFamily="-107" charset="0"/>
-                <a:cs typeface="Comic Sans MS" pitchFamily="-107" charset="0"/>
-                <a:sym typeface="Comic Sans MS" pitchFamily="-107" charset="0"/>
-              </a:rPr>
-              <a:pPr/>
-              <a:t>7</a:t>
-            </a:fld>
-            <a:endParaRPr lang="en-US" dirty="0">
-              <a:latin typeface="Comic Sans MS" pitchFamily="-107" charset="0"/>
-              <a:ea typeface="Comic Sans MS" pitchFamily="-107" charset="0"/>
-              <a:cs typeface="Comic Sans MS" pitchFamily="-107" charset="0"/>
-              <a:sym typeface="Comic Sans MS" pitchFamily="-107" charset="0"/>
-            </a:endParaRPr>
-          </a:p>
-        </p:txBody>
-      </p:sp>
-    </p:spTree>
-  </p:cSld>
-  <p:clrMapOvr>
-    <a:masterClrMapping/>
-  </p:clrMapOvr>
-  <p:transition xmlns:p14="http://schemas.microsoft.com/office/powerpoint/2010/main" spd="slow" advClick="0">
-    <p:fade/>
-  </p:transition>
-  <p:timing>
-    <p:tnLst>
-      <p:par>
-        <p:cTn xmlns:p14="http://schemas.microsoft.com/office/powerpoint/2010/main" id="1" dur="indefinite" restart="never" nodeType="tmRoot">
-          <p:childTnLst>
-            <p:seq concurrent="1" nextAc="seek">
-              <p:cTn id="2" dur="indefinite" nodeType="mainSeq">
-                <p:childTnLst>
-                  <p:par>
-                    <p:cTn id="3" fill="hold">
-                      <p:stCondLst>
-                        <p:cond delay="indefinite"/>
-                      </p:stCondLst>
-                      <p:childTnLst>
-                        <p:par>
-                          <p:cTn id="4" fill="hold">
-                            <p:stCondLst>
-                              <p:cond delay="0"/>
-                            </p:stCondLst>
-                            <p:childTnLst>
-                              <p:par>
-                                <p:cTn id="5" presetID="22" presetClass="entr" presetSubtype="8" fill="hold" grpId="0" nodeType="clickEffect">
-                                  <p:stCondLst>
-                                    <p:cond delay="0"/>
-                                  </p:stCondLst>
-                                  <p:childTnLst>
-                                    <p:set>
-                                      <p:cBhvr>
-                                        <p:cTn id="6" dur="1" fill="hold">
-                                          <p:stCondLst>
-                                            <p:cond delay="0"/>
-                                          </p:stCondLst>
-                                        </p:cTn>
-                                        <p:tgtEl>
-                                          <p:spTgt spid="36869">
-                                            <p:txEl>
-                                              <p:pRg st="1" end="1"/>
-                                            </p:txEl>
-                                          </p:spTgt>
-                                        </p:tgtEl>
-                                        <p:attrNameLst>
-                                          <p:attrName>style.visibility</p:attrName>
-                                        </p:attrNameLst>
-                                      </p:cBhvr>
-                                      <p:to>
-                                        <p:strVal val="visible"/>
-                                      </p:to>
-                                    </p:set>
-                                    <p:animEffect transition="in" filter="wipe(left)">
-                                      <p:cBhvr>
-                                        <p:cTn id="7" dur="500"/>
-                                        <p:tgtEl>
-                                          <p:spTgt spid="36869">
-                                            <p:txEl>
-                                              <p:pRg st="1" end="1"/>
-                                            </p:txEl>
-                                          </p:spTgt>
-                                        </p:tgtEl>
-                                      </p:cBhvr>
-                                    </p:animEffect>
-                                  </p:childTnLst>
-                                </p:cTn>
-                              </p:par>
-                            </p:childTnLst>
-                          </p:cTn>
-                        </p:par>
-                      </p:childTnLst>
-                    </p:cTn>
-                  </p:par>
-                  <p:par>
-                    <p:cTn id="8" fill="hold">
-                      <p:stCondLst>
-                        <p:cond delay="indefinite"/>
-                      </p:stCondLst>
-                      <p:childTnLst>
-                        <p:par>
-                          <p:cTn id="9" fill="hold">
-                            <p:stCondLst>
-                              <p:cond delay="0"/>
-                            </p:stCondLst>
-                            <p:childTnLst>
-                              <p:par>
-                                <p:cTn id="10" presetID="22" presetClass="entr" presetSubtype="8" fill="hold" grpId="0" nodeType="clickEffect">
-                                  <p:stCondLst>
-                                    <p:cond delay="0"/>
-                                  </p:stCondLst>
-                                  <p:childTnLst>
-                                    <p:set>
-                                      <p:cBhvr>
-                                        <p:cTn id="11" dur="1" fill="hold">
-                                          <p:stCondLst>
-                                            <p:cond delay="0"/>
-                                          </p:stCondLst>
-                                        </p:cTn>
-                                        <p:tgtEl>
-                                          <p:spTgt spid="36869">
-                                            <p:txEl>
-                                              <p:pRg st="2" end="2"/>
-                                            </p:txEl>
-                                          </p:spTgt>
-                                        </p:tgtEl>
-                                        <p:attrNameLst>
-                                          <p:attrName>style.visibility</p:attrName>
-                                        </p:attrNameLst>
-                                      </p:cBhvr>
-                                      <p:to>
-                                        <p:strVal val="visible"/>
-                                      </p:to>
-                                    </p:set>
-                                    <p:animEffect transition="in" filter="wipe(left)">
-                                      <p:cBhvr>
-                                        <p:cTn id="12" dur="500"/>
-                                        <p:tgtEl>
-                                          <p:spTgt spid="36869">
-                                            <p:txEl>
-                                              <p:pRg st="2" end="2"/>
-                                            </p:txEl>
-                                          </p:spTgt>
-                                        </p:tgtEl>
-                                      </p:cBhvr>
-                                    </p:animEffect>
-                                  </p:childTnLst>
-                                </p:cTn>
-                              </p:par>
-                            </p:childTnLst>
-                          </p:cTn>
-                        </p:par>
-                      </p:childTnLst>
-                    </p:cTn>
-                  </p:par>
-                  <p:par>
-                    <p:cTn id="13" fill="hold">
-                      <p:stCondLst>
-                        <p:cond delay="indefinite"/>
-                      </p:stCondLst>
-                      <p:childTnLst>
-                        <p:par>
-                          <p:cTn id="14" fill="hold">
-                            <p:stCondLst>
-                              <p:cond delay="0"/>
-                            </p:stCondLst>
-                            <p:childTnLst>
-                              <p:par>
-                                <p:cTn id="15" presetID="22" presetClass="entr" presetSubtype="8" fill="hold" grpId="0" nodeType="clickEffect">
-                                  <p:stCondLst>
-                                    <p:cond delay="0"/>
-                                  </p:stCondLst>
-                                  <p:childTnLst>
-                                    <p:set>
-                                      <p:cBhvr>
-                                        <p:cTn id="16" dur="1" fill="hold">
-                                          <p:stCondLst>
-                                            <p:cond delay="0"/>
-                                          </p:stCondLst>
-                                        </p:cTn>
-                                        <p:tgtEl>
-                                          <p:spTgt spid="36869">
-                                            <p:txEl>
-                                              <p:pRg st="3" end="3"/>
-                                            </p:txEl>
-                                          </p:spTgt>
-                                        </p:tgtEl>
-                                        <p:attrNameLst>
-                                          <p:attrName>style.visibility</p:attrName>
-                                        </p:attrNameLst>
-                                      </p:cBhvr>
-                                      <p:to>
-                                        <p:strVal val="visible"/>
-                                      </p:to>
-                                    </p:set>
-                                    <p:animEffect transition="in" filter="wipe(left)">
-                                      <p:cBhvr>
-                                        <p:cTn id="17" dur="500"/>
-                                        <p:tgtEl>
-                                          <p:spTgt spid="36869">
-                                            <p:txEl>
-                                              <p:pRg st="3" end="3"/>
-                                            </p:txEl>
-                                          </p:spTgt>
-                                        </p:tgtEl>
-                                      </p:cBhvr>
-                                    </p:animEffect>
-                                  </p:childTnLst>
-                                </p:cTn>
-                              </p:par>
-                            </p:childTnLst>
-                          </p:cTn>
-                        </p:par>
-                      </p:childTnLst>
-                    </p:cTn>
-                  </p:par>
-                  <p:par>
-                    <p:cTn id="18" fill="hold">
-                      <p:stCondLst>
-                        <p:cond delay="indefinite"/>
-                      </p:stCondLst>
-                      <p:childTnLst>
-                        <p:par>
-                          <p:cTn id="19" fill="hold">
-                            <p:stCondLst>
-                              <p:cond delay="0"/>
-                            </p:stCondLst>
-                            <p:childTnLst>
-                              <p:par>
-                                <p:cTn id="20" presetID="22" presetClass="entr" presetSubtype="8" fill="hold" grpId="0" nodeType="clickEffect">
-                                  <p:stCondLst>
-                                    <p:cond delay="0"/>
-                                  </p:stCondLst>
-                                  <p:childTnLst>
-                                    <p:set>
-                                      <p:cBhvr>
-                                        <p:cTn id="21" dur="1" fill="hold">
-                                          <p:stCondLst>
-                                            <p:cond delay="0"/>
-                                          </p:stCondLst>
-                                        </p:cTn>
-                                        <p:tgtEl>
-                                          <p:spTgt spid="36869">
-                                            <p:txEl>
-                                              <p:pRg st="4" end="4"/>
-                                            </p:txEl>
-                                          </p:spTgt>
-                                        </p:tgtEl>
-                                        <p:attrNameLst>
-                                          <p:attrName>style.visibility</p:attrName>
-                                        </p:attrNameLst>
-                                      </p:cBhvr>
-                                      <p:to>
-                                        <p:strVal val="visible"/>
-                                      </p:to>
-                                    </p:set>
-                                    <p:animEffect transition="in" filter="wipe(left)">
-                                      <p:cBhvr>
-                                        <p:cTn id="22" dur="500"/>
-                                        <p:tgtEl>
-                                          <p:spTgt spid="36869">
-                                            <p:txEl>
-                                              <p:pRg st="4" end="4"/>
-                                            </p:txEl>
-                                          </p:spTgt>
-                                        </p:tgtEl>
-                                      </p:cBhvr>
-                                    </p:animEffect>
-                                  </p:childTnLst>
-                                </p:cTn>
-                              </p:par>
-                            </p:childTnLst>
-                          </p:cTn>
-                        </p:par>
-                      </p:childTnLst>
-                    </p:cTn>
-                  </p:par>
-                  <p:par>
-                    <p:cTn id="23" fill="hold">
-                      <p:stCondLst>
-                        <p:cond delay="indefinite"/>
-                      </p:stCondLst>
-                      <p:childTnLst>
-                        <p:par>
-                          <p:cTn id="24" fill="hold">
-                            <p:stCondLst>
-                              <p:cond delay="0"/>
-                            </p:stCondLst>
-                            <p:childTnLst>
-                              <p:par>
-                                <p:cTn id="25" presetID="22" presetClass="entr" presetSubtype="8" fill="hold" grpId="0" nodeType="clickEffect">
-                                  <p:stCondLst>
-                                    <p:cond delay="0"/>
-                                  </p:stCondLst>
-                                  <p:childTnLst>
-                                    <p:set>
-                                      <p:cBhvr>
-                                        <p:cTn id="26" dur="1" fill="hold">
-                                          <p:stCondLst>
-                                            <p:cond delay="0"/>
-                                          </p:stCondLst>
-                                        </p:cTn>
-                                        <p:tgtEl>
-                                          <p:spTgt spid="36869">
-                                            <p:txEl>
-                                              <p:pRg st="5" end="5"/>
-                                            </p:txEl>
-                                          </p:spTgt>
-                                        </p:tgtEl>
-                                        <p:attrNameLst>
-                                          <p:attrName>style.visibility</p:attrName>
-                                        </p:attrNameLst>
-                                      </p:cBhvr>
-                                      <p:to>
-                                        <p:strVal val="visible"/>
-                                      </p:to>
-                                    </p:set>
-                                    <p:animEffect transition="in" filter="wipe(left)">
-                                      <p:cBhvr>
-                                        <p:cTn id="27" dur="500"/>
-                                        <p:tgtEl>
-                                          <p:spTgt spid="36869">
-                                            <p:txEl>
-                                              <p:pRg st="5" end="5"/>
-                                            </p:txEl>
-                                          </p:spTgt>
-                                        </p:tgtEl>
-                                      </p:cBhvr>
-                                    </p:animEffect>
-                                  </p:childTnLst>
-                                </p:cTn>
-                              </p:par>
-                            </p:childTnLst>
-                          </p:cTn>
-                        </p:par>
-                      </p:childTnLst>
-                    </p:cTn>
-                  </p:par>
-                  <p:par>
-                    <p:cTn id="28" fill="hold">
-                      <p:stCondLst>
-                        <p:cond delay="indefinite"/>
-                      </p:stCondLst>
-                      <p:childTnLst>
-                        <p:par>
-                          <p:cTn id="29" fill="hold">
-                            <p:stCondLst>
-                              <p:cond delay="0"/>
-                            </p:stCondLst>
-                            <p:childTnLst>
-                              <p:par>
-                                <p:cTn id="30" presetID="9" presetClass="entr" presetSubtype="0" fill="hold" grpId="0" nodeType="clickEffect">
-                                  <p:stCondLst>
-                                    <p:cond delay="0"/>
-                                  </p:stCondLst>
-                                  <p:childTnLst>
-                                    <p:set>
-                                      <p:cBhvr>
-                                        <p:cTn id="31" dur="1" fill="hold">
-                                          <p:stCondLst>
-                                            <p:cond delay="0"/>
-                                          </p:stCondLst>
-                                        </p:cTn>
-                                        <p:tgtEl>
-                                          <p:spTgt spid="36869">
-                                            <p:txEl>
-                                              <p:pRg st="6" end="6"/>
-                                            </p:txEl>
-                                          </p:spTgt>
-                                        </p:tgtEl>
-                                        <p:attrNameLst>
-                                          <p:attrName>style.visibility</p:attrName>
-                                        </p:attrNameLst>
-                                      </p:cBhvr>
-                                      <p:to>
-                                        <p:strVal val="visible"/>
-                                      </p:to>
-                                    </p:set>
-                                    <p:animEffect transition="in" filter="dissolve">
-                                      <p:cBhvr>
-                                        <p:cTn id="32" dur="500"/>
-                                        <p:tgtEl>
-                                          <p:spTgt spid="36869">
-                                            <p:txEl>
-                                              <p:pRg st="6" end="6"/>
-                                            </p:txEl>
-                                          </p:spTgt>
-                                        </p:tgtEl>
-                                      </p:cBhvr>
-                                    </p:animEffect>
-                                  </p:childTnLst>
-                                </p:cTn>
-                              </p:par>
-                            </p:childTnLst>
-                          </p:cTn>
-                        </p:par>
-                      </p:childTnLst>
-                    </p:cTn>
-                  </p:par>
-                </p:childTnLst>
-              </p:cTn>
-              <p:prevCondLst>
-                <p:cond evt="onPrev" delay="0">
-                  <p:tgtEl>
-                    <p:sldTgt/>
-                  </p:tgtEl>
-                </p:cond>
-              </p:prevCondLst>
-              <p:nextCondLst>
-                <p:cond evt="onNext" delay="0">
-                  <p:tgtEl>
-                    <p:sldTgt/>
-                  </p:tgtEl>
-                </p:cond>
-              </p:nextCondLst>
-            </p:seq>
-          </p:childTnLst>
-        </p:cTn>
-      </p:par>
-    </p:tnLst>
-    <p:bldLst>
-      <p:bldP spid="36869" grpId="0" build="p" autoUpdateAnimBg="0"/>
-    </p:bldLst>
-  </p:timing>
-</p:sld>
-</file>
-
-<file path=ppt/slides/slide8.xml><?xml version="1.0" encoding="utf-8"?>
 <p:sld xmlns:a="http://schemas.openxmlformats.org/drawingml/2006/main" xmlns:r="http://schemas.openxmlformats.org/officeDocument/2006/relationships" xmlns:p="http://schemas.openxmlformats.org/presentationml/2006/main">
   <p:cSld>
     <p:spTree>
@@ -7837,7 +9368,7 @@
           <p:nvPr/>
         </p:nvPicPr>
         <p:blipFill>
-          <a:blip r:embed="rId2"/>
+          <a:blip r:embed="rId3"/>
           <a:srcRect/>
           <a:stretch>
             <a:fillRect/>
@@ -8386,7 +9917,7 @@
                 <a:sym typeface="Comic Sans MS" pitchFamily="-107" charset="0"/>
               </a:rPr>
               <a:pPr/>
-              <a:t>8</a:t>
+              <a:t>6</a:t>
             </a:fld>
             <a:endParaRPr lang="en-US" dirty="0">
               <a:latin typeface="Comic Sans MS" pitchFamily="-107" charset="0"/>
@@ -8802,7 +10333,7 @@
 </p:sld>
 </file>
 
-<file path=ppt/slides/slide9.xml><?xml version="1.0" encoding="utf-8"?>
+<file path=ppt/slides/slide7.xml><?xml version="1.0" encoding="utf-8"?>
 <p:sld xmlns:a="http://schemas.openxmlformats.org/drawingml/2006/main" xmlns:r="http://schemas.openxmlformats.org/officeDocument/2006/relationships" xmlns:p="http://schemas.openxmlformats.org/presentationml/2006/main">
   <p:cSld>
     <p:spTree>
@@ -8883,7 +10414,7 @@
           <p:nvPr/>
         </p:nvPicPr>
         <p:blipFill>
-          <a:blip r:embed="rId2"/>
+          <a:blip r:embed="rId3"/>
           <a:srcRect/>
           <a:stretch>
             <a:fillRect/>
@@ -9588,7 +11119,7 @@
                 <a:sym typeface="Comic Sans MS" pitchFamily="-107" charset="0"/>
               </a:rPr>
               <a:pPr/>
-              <a:t>9</a:t>
+              <a:t>7</a:t>
             </a:fld>
             <a:endParaRPr lang="en-US" dirty="0">
               <a:latin typeface="Comic Sans MS" pitchFamily="-107" charset="0"/>
@@ -9951,6 +11482,631 @@
       <p:bldP spid="40966" grpId="0" build="p" autoUpdateAnimBg="0"/>
       <p:bldP spid="40967" grpId="0"/>
     </p:bldLst>
+  </p:timing>
+</p:sld>
+</file>
+
+<file path=ppt/slides/slide8.xml><?xml version="1.0" encoding="utf-8"?>
+<p:sld xmlns:a="http://schemas.openxmlformats.org/drawingml/2006/main" xmlns:r="http://schemas.openxmlformats.org/officeDocument/2006/relationships" xmlns:p="http://schemas.openxmlformats.org/presentationml/2006/main" showMasterPhAnim="0">
+  <p:cSld>
+    <p:spTree>
+      <p:nvGrpSpPr>
+        <p:cNvPr id="1" name=""/>
+        <p:cNvGrpSpPr/>
+        <p:nvPr/>
+      </p:nvGrpSpPr>
+      <p:grpSpPr>
+        <a:xfrm>
+          <a:off x="0" y="0"/>
+          <a:ext cx="0" cy="0"/>
+          <a:chOff x="0" y="0"/>
+          <a:chExt cx="0" cy="0"/>
+        </a:xfrm>
+      </p:grpSpPr>
+      <p:sp>
+        <p:nvSpPr>
+          <p:cNvPr id="50178" name="Rectangle 4"/>
+          <p:cNvSpPr>
+            <a:spLocks noGrp="1" noChangeArrowheads="1"/>
+          </p:cNvSpPr>
+          <p:nvPr>
+            <p:ph type="title"/>
+          </p:nvPr>
+        </p:nvSpPr>
+        <p:spPr bwMode="auto">
+          <a:xfrm>
+            <a:off x="2133600" y="152400"/>
+            <a:ext cx="5105400" cy="990600"/>
+          </a:xfrm>
+          <a:noFill/>
+          <a:ln>
+            <a:miter lim="800000"/>
+            <a:headEnd/>
+            <a:tailEnd/>
+          </a:ln>
+        </p:spPr>
+        <p:txBody>
+          <a:bodyPr wrap="square" lIns="91440" tIns="45720" rIns="91440" bIns="45720" numCol="1" anchor="t" anchorCtr="0" compatLnSpc="1">
+            <a:prstTxWarp prst="textNoShape">
+              <a:avLst/>
+            </a:prstTxWarp>
+          </a:bodyPr>
+          <a:lstStyle/>
+          <a:p>
+            <a:pPr eaLnBrk="1" hangingPunct="1"/>
+            <a:r>
+              <a:rPr lang="en-US" dirty="0"/>
+              <a:t>GCD </a:t>
+            </a:r>
+            <a:r>
+              <a:rPr lang="en-US" dirty="0">
+                <a:solidFill>
+                  <a:srgbClr val="0000FF"/>
+                </a:solidFill>
+              </a:rPr>
+              <a:t>Termination</a:t>
+            </a:r>
+          </a:p>
+        </p:txBody>
+      </p:sp>
+      <p:sp>
+        <p:nvSpPr>
+          <p:cNvPr id="41989" name="Rectangle 5"/>
+          <p:cNvSpPr>
+            <a:spLocks noGrp="1" noChangeArrowheads="1"/>
+          </p:cNvSpPr>
+          <p:nvPr>
+            <p:ph idx="1"/>
+          </p:nvPr>
+        </p:nvSpPr>
+        <p:spPr bwMode="auto">
+          <a:xfrm>
+            <a:off x="304800" y="1219200"/>
+            <a:ext cx="8686800" cy="4495800"/>
+          </a:xfrm>
+          <a:noFill/>
+          <a:ln>
+            <a:miter lim="800000"/>
+            <a:headEnd/>
+            <a:tailEnd/>
+          </a:ln>
+        </p:spPr>
+        <p:txBody>
+          <a:bodyPr wrap="square" lIns="91440" tIns="45720" rIns="91440" bIns="45720" numCol="1" anchor="t" anchorCtr="0" compatLnSpc="1">
+            <a:prstTxWarp prst="textNoShape">
+              <a:avLst/>
+            </a:prstTxWarp>
+          </a:bodyPr>
+          <a:lstStyle/>
+          <a:p>
+            <a:pPr marL="304800" indent="-304800" eaLnBrk="1" hangingPunct="1">
+              <a:spcBef>
+                <a:spcPct val="0"/>
+              </a:spcBef>
+            </a:pPr>
+            <a:r>
+              <a:rPr lang="en-US" sz="4400" dirty="0" smtClean="0">
+                <a:solidFill>
+                  <a:srgbClr val="000000"/>
+                </a:solidFill>
+              </a:rPr>
+              <a:t>At each transition,</a:t>
+            </a:r>
+            <a:r>
+              <a:rPr lang="en-US" sz="4400" dirty="0" smtClean="0">
+                <a:solidFill>
+                  <a:srgbClr val="0000FF"/>
+                </a:solidFill>
+              </a:rPr>
+              <a:t> x</a:t>
+            </a:r>
+            <a:r>
+              <a:rPr lang="en-US" sz="4400" dirty="0" smtClean="0">
+                <a:solidFill>
+                  <a:srgbClr val="000000"/>
+                </a:solidFill>
+              </a:rPr>
+              <a:t> is replaced</a:t>
+            </a:r>
+          </a:p>
+          <a:p>
+            <a:pPr marL="304800" indent="-304800" eaLnBrk="1" hangingPunct="1">
+              <a:spcBef>
+                <a:spcPct val="0"/>
+              </a:spcBef>
+            </a:pPr>
+            <a:r>
+              <a:rPr lang="en-US" sz="4400" dirty="0" smtClean="0">
+                <a:solidFill>
+                  <a:srgbClr val="000000"/>
+                </a:solidFill>
+              </a:rPr>
+              <a:t>by </a:t>
+            </a:r>
+            <a:r>
+              <a:rPr lang="en-US" sz="4400" dirty="0" smtClean="0">
+                <a:solidFill>
+                  <a:srgbClr val="0000FF"/>
+                </a:solidFill>
+              </a:rPr>
+              <a:t>y</a:t>
+            </a:r>
+            <a:r>
+              <a:rPr lang="en-US" sz="4400" dirty="0" smtClean="0">
+                <a:solidFill>
+                  <a:srgbClr val="000000"/>
+                </a:solidFill>
+              </a:rPr>
+              <a:t>.</a:t>
+            </a:r>
+            <a:endParaRPr lang="en-US" sz="4400" dirty="0">
+              <a:solidFill>
+                <a:srgbClr val="0000FF"/>
+              </a:solidFill>
+            </a:endParaRPr>
+          </a:p>
+        </p:txBody>
+      </p:sp>
+      <p:pic>
+        <p:nvPicPr>
+          <p:cNvPr id="50180" name="Picture 1"/>
+          <p:cNvPicPr>
+            <a:picLocks noChangeAspect="1" noChangeArrowheads="1"/>
+          </p:cNvPicPr>
+          <p:nvPr/>
+        </p:nvPicPr>
+        <p:blipFill>
+          <a:blip r:embed="rId3"/>
+          <a:srcRect/>
+          <a:stretch>
+            <a:fillRect/>
+          </a:stretch>
+        </p:blipFill>
+        <p:spPr bwMode="auto">
+          <a:xfrm>
+            <a:off x="304800" y="152400"/>
+            <a:ext cx="762000" cy="754063"/>
+          </a:xfrm>
+          <a:prstGeom prst="rect">
+            <a:avLst/>
+          </a:prstGeom>
+          <a:noFill/>
+          <a:ln w="9525">
+            <a:noFill/>
+            <a:miter lim="800000"/>
+            <a:headEnd/>
+            <a:tailEnd/>
+          </a:ln>
+        </p:spPr>
+      </p:pic>
+      <p:sp>
+        <p:nvSpPr>
+          <p:cNvPr id="50182" name="Text Box 1"/>
+          <p:cNvSpPr>
+            <a:spLocks noGrp="1" noChangeArrowheads="1"/>
+          </p:cNvSpPr>
+          <p:nvPr>
+            <p:ph type="sldNum" sz="quarter" idx="4"/>
+          </p:nvPr>
+        </p:nvSpPr>
+        <p:spPr>
+          <a:xfrm>
+            <a:off x="7772400" y="6553200"/>
+            <a:ext cx="1295400" cy="304800"/>
+          </a:xfrm>
+          <a:noFill/>
+        </p:spPr>
+        <p:txBody>
+          <a:bodyPr/>
+          <a:lstStyle/>
+          <a:p>
+            <a:r>
+              <a:rPr lang="en-US" dirty="0" err="1" smtClean="0">
+                <a:latin typeface="Comic Sans MS" pitchFamily="-107" charset="0"/>
+                <a:ea typeface="Comic Sans MS" pitchFamily="-107" charset="0"/>
+                <a:cs typeface="Comic Sans MS" pitchFamily="-107" charset="0"/>
+                <a:sym typeface="Comic Sans MS" pitchFamily="-107" charset="0"/>
+              </a:rPr>
+              <a:t>gcdeuclid</a:t>
+            </a:r>
+            <a:r>
+              <a:rPr lang="en-US" dirty="0" smtClean="0">
+                <a:latin typeface="Comic Sans MS" pitchFamily="-107" charset="0"/>
+                <a:ea typeface="Comic Sans MS" pitchFamily="-107" charset="0"/>
+                <a:cs typeface="Comic Sans MS" pitchFamily="-107" charset="0"/>
+                <a:sym typeface="Comic Sans MS" pitchFamily="-107" charset="0"/>
+              </a:rPr>
+              <a:t>.</a:t>
+            </a:r>
+            <a:fld id="{487FA851-6999-5145-9743-102168041476}" type="slidenum">
+              <a:rPr lang="en-US" smtClean="0">
+                <a:latin typeface="Comic Sans MS" pitchFamily="-107" charset="0"/>
+                <a:ea typeface="Comic Sans MS" pitchFamily="-107" charset="0"/>
+                <a:cs typeface="Comic Sans MS" pitchFamily="-107" charset="0"/>
+                <a:sym typeface="Comic Sans MS" pitchFamily="-107" charset="0"/>
+              </a:rPr>
+              <a:pPr/>
+              <a:t>8</a:t>
+            </a:fld>
+            <a:endParaRPr lang="en-US" dirty="0">
+              <a:latin typeface="Comic Sans MS" pitchFamily="-107" charset="0"/>
+              <a:ea typeface="Comic Sans MS" pitchFamily="-107" charset="0"/>
+              <a:cs typeface="Comic Sans MS" pitchFamily="-107" charset="0"/>
+              <a:sym typeface="Comic Sans MS" pitchFamily="-107" charset="0"/>
+            </a:endParaRPr>
+          </a:p>
+        </p:txBody>
+      </p:sp>
+    </p:spTree>
+  </p:cSld>
+  <p:clrMapOvr>
+    <a:masterClrMapping/>
+  </p:clrMapOvr>
+  <p:transition xmlns:p14="http://schemas.microsoft.com/office/powerpoint/2010/main" spd="slow" advClick="0">
+    <p:fade thruBlk="1"/>
+  </p:transition>
+  <p:timing>
+    <p:tnLst>
+      <p:par>
+        <p:cTn xmlns:p14="http://schemas.microsoft.com/office/powerpoint/2010/main" id="1" dur="indefinite" restart="never" nodeType="tmRoot"/>
+      </p:par>
+    </p:tnLst>
+  </p:timing>
+</p:sld>
+</file>
+
+<file path=ppt/slides/slide9.xml><?xml version="1.0" encoding="utf-8"?>
+<p:sld xmlns:a="http://schemas.openxmlformats.org/drawingml/2006/main" xmlns:r="http://schemas.openxmlformats.org/officeDocument/2006/relationships" xmlns:p="http://schemas.openxmlformats.org/presentationml/2006/main" showMasterPhAnim="0">
+  <p:cSld>
+    <p:spTree>
+      <p:nvGrpSpPr>
+        <p:cNvPr id="1" name=""/>
+        <p:cNvGrpSpPr/>
+        <p:nvPr/>
+      </p:nvGrpSpPr>
+      <p:grpSpPr>
+        <a:xfrm>
+          <a:off x="0" y="0"/>
+          <a:ext cx="0" cy="0"/>
+          <a:chOff x="0" y="0"/>
+          <a:chExt cx="0" cy="0"/>
+        </a:xfrm>
+      </p:grpSpPr>
+      <p:sp>
+        <p:nvSpPr>
+          <p:cNvPr id="50178" name="Rectangle 4"/>
+          <p:cNvSpPr>
+            <a:spLocks noGrp="1" noChangeArrowheads="1"/>
+          </p:cNvSpPr>
+          <p:nvPr>
+            <p:ph type="title"/>
+          </p:nvPr>
+        </p:nvSpPr>
+        <p:spPr bwMode="auto">
+          <a:xfrm>
+            <a:off x="2133600" y="152400"/>
+            <a:ext cx="5105400" cy="990600"/>
+          </a:xfrm>
+          <a:noFill/>
+          <a:ln>
+            <a:miter lim="800000"/>
+            <a:headEnd/>
+            <a:tailEnd/>
+          </a:ln>
+        </p:spPr>
+        <p:txBody>
+          <a:bodyPr wrap="square" lIns="91440" tIns="45720" rIns="91440" bIns="45720" numCol="1" anchor="t" anchorCtr="0" compatLnSpc="1">
+            <a:prstTxWarp prst="textNoShape">
+              <a:avLst/>
+            </a:prstTxWarp>
+          </a:bodyPr>
+          <a:lstStyle/>
+          <a:p>
+            <a:pPr eaLnBrk="1" hangingPunct="1"/>
+            <a:r>
+              <a:rPr lang="en-US" dirty="0"/>
+              <a:t>GCD </a:t>
+            </a:r>
+            <a:r>
+              <a:rPr lang="en-US" dirty="0">
+                <a:solidFill>
+                  <a:srgbClr val="0000FF"/>
+                </a:solidFill>
+              </a:rPr>
+              <a:t>Termination</a:t>
+            </a:r>
+          </a:p>
+        </p:txBody>
+      </p:sp>
+      <p:sp>
+        <p:nvSpPr>
+          <p:cNvPr id="41989" name="Rectangle 5"/>
+          <p:cNvSpPr>
+            <a:spLocks noGrp="1" noChangeArrowheads="1"/>
+          </p:cNvSpPr>
+          <p:nvPr>
+            <p:ph idx="1"/>
+          </p:nvPr>
+        </p:nvSpPr>
+        <p:spPr bwMode="auto">
+          <a:xfrm>
+            <a:off x="304800" y="1219200"/>
+            <a:ext cx="8686800" cy="4495800"/>
+          </a:xfrm>
+          <a:noFill/>
+          <a:ln>
+            <a:miter lim="800000"/>
+            <a:headEnd/>
+            <a:tailEnd/>
+          </a:ln>
+        </p:spPr>
+        <p:txBody>
+          <a:bodyPr wrap="square" lIns="91440" tIns="45720" rIns="91440" bIns="45720" numCol="1" anchor="t" anchorCtr="0" compatLnSpc="1">
+            <a:prstTxWarp prst="textNoShape">
+              <a:avLst/>
+            </a:prstTxWarp>
+          </a:bodyPr>
+          <a:lstStyle/>
+          <a:p>
+            <a:pPr marL="304800" indent="-304800" eaLnBrk="1" hangingPunct="1">
+              <a:spcBef>
+                <a:spcPct val="0"/>
+              </a:spcBef>
+            </a:pPr>
+            <a:r>
+              <a:rPr lang="en-US" sz="4400" dirty="0" smtClean="0">
+                <a:solidFill>
+                  <a:srgbClr val="000000"/>
+                </a:solidFill>
+              </a:rPr>
+              <a:t>At each transition,</a:t>
+            </a:r>
+            <a:r>
+              <a:rPr lang="en-US" sz="4400" dirty="0" smtClean="0">
+                <a:solidFill>
+                  <a:srgbClr val="0000FF"/>
+                </a:solidFill>
+              </a:rPr>
+              <a:t> x</a:t>
+            </a:r>
+            <a:r>
+              <a:rPr lang="en-US" sz="4400" dirty="0" smtClean="0">
+                <a:solidFill>
+                  <a:srgbClr val="000000"/>
+                </a:solidFill>
+              </a:rPr>
+              <a:t> is replaced</a:t>
+            </a:r>
+          </a:p>
+          <a:p>
+            <a:pPr marL="304800" indent="-304800" eaLnBrk="1" hangingPunct="1">
+              <a:spcBef>
+                <a:spcPct val="0"/>
+              </a:spcBef>
+            </a:pPr>
+            <a:r>
+              <a:rPr lang="en-US" sz="4400" dirty="0" smtClean="0">
+                <a:solidFill>
+                  <a:srgbClr val="000000"/>
+                </a:solidFill>
+              </a:rPr>
+              <a:t>by </a:t>
+            </a:r>
+            <a:r>
+              <a:rPr lang="en-US" sz="4400" dirty="0" smtClean="0">
+                <a:solidFill>
+                  <a:srgbClr val="0000FF"/>
+                </a:solidFill>
+              </a:rPr>
+              <a:t>y</a:t>
+            </a:r>
+            <a:r>
+              <a:rPr lang="en-US" sz="4400" dirty="0" smtClean="0">
+                <a:solidFill>
+                  <a:srgbClr val="000000"/>
+                </a:solidFill>
+              </a:rPr>
+              <a:t>.  </a:t>
+            </a:r>
+            <a:r>
+              <a:rPr lang="en-US" sz="4400" dirty="0" smtClean="0">
+                <a:solidFill>
+                  <a:srgbClr val="000000"/>
+                </a:solidFill>
+              </a:rPr>
+              <a:t>If </a:t>
+            </a:r>
+            <a:r>
+              <a:rPr lang="en-US" sz="4400" dirty="0" smtClean="0">
+                <a:solidFill>
+                  <a:srgbClr val="0000FF"/>
+                </a:solidFill>
+              </a:rPr>
+              <a:t>y </a:t>
+            </a:r>
+            <a:r>
+              <a:rPr lang="en-US" sz="4400" dirty="0">
+                <a:solidFill>
+                  <a:srgbClr val="0000FF"/>
+                </a:solidFill>
+                <a:latin typeface="Euclid Symbol" charset="2"/>
+                <a:cs typeface="Euclid Symbol" charset="2"/>
+              </a:rPr>
+              <a:t>≦</a:t>
+            </a:r>
+            <a:r>
+              <a:rPr lang="en-US" sz="4400" dirty="0" smtClean="0">
+                <a:solidFill>
+                  <a:srgbClr val="0000FF"/>
+                </a:solidFill>
+              </a:rPr>
+              <a:t> x/2</a:t>
+            </a:r>
+            <a:r>
+              <a:rPr lang="en-US" sz="4400" dirty="0" smtClean="0">
+                <a:solidFill>
+                  <a:srgbClr val="000000"/>
+                </a:solidFill>
+              </a:rPr>
+              <a:t>, then </a:t>
+            </a:r>
+            <a:r>
+              <a:rPr lang="en-US" sz="4400" dirty="0" smtClean="0">
+                <a:solidFill>
+                  <a:srgbClr val="0000FF"/>
+                </a:solidFill>
+              </a:rPr>
+              <a:t>x</a:t>
+            </a:r>
+            <a:r>
+              <a:rPr lang="en-US" sz="4400" dirty="0" smtClean="0">
+                <a:solidFill>
+                  <a:srgbClr val="000000"/>
+                </a:solidFill>
+              </a:rPr>
+              <a:t> gets </a:t>
+            </a:r>
+          </a:p>
+          <a:p>
+            <a:pPr marL="304800" indent="-304800" eaLnBrk="1" hangingPunct="1">
+              <a:spcBef>
+                <a:spcPct val="0"/>
+              </a:spcBef>
+            </a:pPr>
+            <a:r>
+              <a:rPr lang="en-US" sz="4400" dirty="0" smtClean="0">
+                <a:solidFill>
+                  <a:srgbClr val="000000"/>
+                </a:solidFill>
+              </a:rPr>
+              <a:t>halved at this step.</a:t>
+            </a:r>
+            <a:endParaRPr lang="en-US" sz="4400" dirty="0">
+              <a:solidFill>
+                <a:srgbClr val="0000FF"/>
+              </a:solidFill>
+            </a:endParaRPr>
+          </a:p>
+        </p:txBody>
+      </p:sp>
+      <p:pic>
+        <p:nvPicPr>
+          <p:cNvPr id="50180" name="Picture 1"/>
+          <p:cNvPicPr>
+            <a:picLocks noChangeAspect="1" noChangeArrowheads="1"/>
+          </p:cNvPicPr>
+          <p:nvPr/>
+        </p:nvPicPr>
+        <p:blipFill>
+          <a:blip r:embed="rId3"/>
+          <a:srcRect/>
+          <a:stretch>
+            <a:fillRect/>
+          </a:stretch>
+        </p:blipFill>
+        <p:spPr bwMode="auto">
+          <a:xfrm>
+            <a:off x="304800" y="152400"/>
+            <a:ext cx="762000" cy="754063"/>
+          </a:xfrm>
+          <a:prstGeom prst="rect">
+            <a:avLst/>
+          </a:prstGeom>
+          <a:noFill/>
+          <a:ln w="9525">
+            <a:noFill/>
+            <a:miter lim="800000"/>
+            <a:headEnd/>
+            <a:tailEnd/>
+          </a:ln>
+        </p:spPr>
+      </p:pic>
+      <p:sp>
+        <p:nvSpPr>
+          <p:cNvPr id="50182" name="Text Box 1"/>
+          <p:cNvSpPr>
+            <a:spLocks noGrp="1" noChangeArrowheads="1"/>
+          </p:cNvSpPr>
+          <p:nvPr>
+            <p:ph type="sldNum" sz="quarter" idx="4"/>
+          </p:nvPr>
+        </p:nvSpPr>
+        <p:spPr>
+          <a:xfrm>
+            <a:off x="7772400" y="6553200"/>
+            <a:ext cx="1295400" cy="304800"/>
+          </a:xfrm>
+          <a:noFill/>
+        </p:spPr>
+        <p:txBody>
+          <a:bodyPr/>
+          <a:lstStyle/>
+          <a:p>
+            <a:r>
+              <a:rPr lang="en-US" dirty="0" err="1" smtClean="0">
+                <a:latin typeface="Comic Sans MS" pitchFamily="-107" charset="0"/>
+                <a:ea typeface="Comic Sans MS" pitchFamily="-107" charset="0"/>
+                <a:cs typeface="Comic Sans MS" pitchFamily="-107" charset="0"/>
+                <a:sym typeface="Comic Sans MS" pitchFamily="-107" charset="0"/>
+              </a:rPr>
+              <a:t>gcdeuclid</a:t>
+            </a:r>
+            <a:r>
+              <a:rPr lang="en-US" dirty="0" smtClean="0">
+                <a:latin typeface="Comic Sans MS" pitchFamily="-107" charset="0"/>
+                <a:ea typeface="Comic Sans MS" pitchFamily="-107" charset="0"/>
+                <a:cs typeface="Comic Sans MS" pitchFamily="-107" charset="0"/>
+                <a:sym typeface="Comic Sans MS" pitchFamily="-107" charset="0"/>
+              </a:rPr>
+              <a:t>.</a:t>
+            </a:r>
+            <a:fld id="{487FA851-6999-5145-9743-102168041476}" type="slidenum">
+              <a:rPr lang="en-US" smtClean="0">
+                <a:latin typeface="Comic Sans MS" pitchFamily="-107" charset="0"/>
+                <a:ea typeface="Comic Sans MS" pitchFamily="-107" charset="0"/>
+                <a:cs typeface="Comic Sans MS" pitchFamily="-107" charset="0"/>
+                <a:sym typeface="Comic Sans MS" pitchFamily="-107" charset="0"/>
+              </a:rPr>
+              <a:pPr/>
+              <a:t>9</a:t>
+            </a:fld>
+            <a:endParaRPr lang="en-US" dirty="0">
+              <a:latin typeface="Comic Sans MS" pitchFamily="-107" charset="0"/>
+              <a:ea typeface="Comic Sans MS" pitchFamily="-107" charset="0"/>
+              <a:cs typeface="Comic Sans MS" pitchFamily="-107" charset="0"/>
+              <a:sym typeface="Comic Sans MS" pitchFamily="-107" charset="0"/>
+            </a:endParaRPr>
+          </a:p>
+        </p:txBody>
+      </p:sp>
+    </p:spTree>
+    <p:extLst>
+      <p:ext uri="{BB962C8B-B14F-4D97-AF65-F5344CB8AC3E}">
+        <p14:creationId xmlns:p14="http://schemas.microsoft.com/office/powerpoint/2010/main" val="2887809745"/>
+      </p:ext>
+    </p:extLst>
+  </p:cSld>
+  <p:clrMapOvr>
+    <a:masterClrMapping/>
+  </p:clrMapOvr>
+  <mc:AlternateContent xmlns:mc="http://schemas.openxmlformats.org/markup-compatibility/2006">
+    <mc:Choice xmlns:p14="http://schemas.microsoft.com/office/powerpoint/2010/main" Requires="p14">
+      <p:transition spd="med" p14:dur="700" advClick="0">
+        <p:fade/>
+      </p:transition>
+    </mc:Choice>
+    <mc:Fallback>
+      <p:transition xmlns:p14="http://schemas.microsoft.com/office/powerpoint/2010/main" spd="med" advClick="0">
+        <p:fade/>
+      </p:transition>
+    </mc:Fallback>
+  </mc:AlternateContent>
+  <p:timing>
+    <p:tnLst>
+      <p:par>
+        <p:cTn xmlns:p14="http://schemas.microsoft.com/office/powerpoint/2010/main" id="1" dur="indefinite" restart="never" nodeType="tmRoot"/>
+      </p:par>
+    </p:tnLst>
   </p:timing>
 </p:sld>
 </file>
